--- a/我的心你要稱頌耶和華(崇拜版).pptx
+++ b/我的心你要稱頌耶和華(崇拜版).pptx
@@ -10,7 +10,7 @@
     <p:sldId id="258" r:id="rId4"/>
     <p:sldId id="259" r:id="rId5"/>
   </p:sldIdLst>
-  <p:sldSz cx="9144000" cy="6858000" type="screen4x3"/>
+  <p:sldSz cx="9144000" cy="5143500" type="screen16x9"/>
   <p:notesSz cx="6858000" cy="9144000"/>
   <p:defaultTextStyle>
     <a:defPPr>
@@ -139,8 +139,8 @@
         </p:nvSpPr>
         <p:spPr>
           <a:xfrm>
-            <a:off x="685800" y="2130425"/>
-            <a:ext cx="7772400" cy="1470025"/>
+            <a:off x="685800" y="1597819"/>
+            <a:ext cx="7772400" cy="1102519"/>
           </a:xfrm>
         </p:spPr>
         <p:txBody>
@@ -167,8 +167,8 @@
         </p:nvSpPr>
         <p:spPr>
           <a:xfrm>
-            <a:off x="1371600" y="3886200"/>
-            <a:ext cx="6400800" cy="1752600"/>
+            <a:off x="1371600" y="2914650"/>
+            <a:ext cx="6400800" cy="1314450"/>
           </a:xfrm>
         </p:spPr>
         <p:txBody>
@@ -291,7 +291,7 @@
           <a:p>
             <a:fld id="{9CEA959E-6A41-412C-8C82-2C072CF95BF2}" type="datetimeFigureOut">
               <a:rPr lang="zh-TW" altLang="en-US" smtClean="0"/>
-              <a:t>2018/7/21</a:t>
+              <a:t>2019/10/10</a:t>
             </a:fld>
             <a:endParaRPr lang="zh-TW" altLang="en-US"/>
           </a:p>
@@ -456,7 +456,7 @@
           <a:p>
             <a:fld id="{9CEA959E-6A41-412C-8C82-2C072CF95BF2}" type="datetimeFigureOut">
               <a:rPr lang="zh-TW" altLang="en-US" smtClean="0"/>
-              <a:t>2018/7/21</a:t>
+              <a:t>2019/10/10</a:t>
             </a:fld>
             <a:endParaRPr lang="zh-TW" altLang="en-US"/>
           </a:p>
@@ -541,8 +541,8 @@
         </p:nvSpPr>
         <p:spPr>
           <a:xfrm>
-            <a:off x="6629400" y="274638"/>
-            <a:ext cx="2057400" cy="5851525"/>
+            <a:off x="6629400" y="205979"/>
+            <a:ext cx="2057400" cy="4388644"/>
           </a:xfrm>
         </p:spPr>
         <p:txBody>
@@ -569,8 +569,8 @@
         </p:nvSpPr>
         <p:spPr>
           <a:xfrm>
-            <a:off x="457200" y="274638"/>
-            <a:ext cx="6019800" cy="5851525"/>
+            <a:off x="457200" y="205979"/>
+            <a:ext cx="6019800" cy="4388644"/>
           </a:xfrm>
         </p:spPr>
         <p:txBody>
@@ -631,7 +631,7 @@
           <a:p>
             <a:fld id="{9CEA959E-6A41-412C-8C82-2C072CF95BF2}" type="datetimeFigureOut">
               <a:rPr lang="zh-TW" altLang="en-US" smtClean="0"/>
-              <a:t>2018/7/21</a:t>
+              <a:t>2019/10/10</a:t>
             </a:fld>
             <a:endParaRPr lang="zh-TW" altLang="en-US"/>
           </a:p>
@@ -796,7 +796,7 @@
           <a:p>
             <a:fld id="{9CEA959E-6A41-412C-8C82-2C072CF95BF2}" type="datetimeFigureOut">
               <a:rPr lang="zh-TW" altLang="en-US" smtClean="0"/>
-              <a:t>2018/7/21</a:t>
+              <a:t>2019/10/10</a:t>
             </a:fld>
             <a:endParaRPr lang="zh-TW" altLang="en-US"/>
           </a:p>
@@ -881,8 +881,8 @@
         </p:nvSpPr>
         <p:spPr>
           <a:xfrm>
-            <a:off x="722313" y="4406900"/>
-            <a:ext cx="7772400" cy="1362075"/>
+            <a:off x="722313" y="3305176"/>
+            <a:ext cx="7772400" cy="1021556"/>
           </a:xfrm>
         </p:spPr>
         <p:txBody>
@@ -913,8 +913,8 @@
         </p:nvSpPr>
         <p:spPr>
           <a:xfrm>
-            <a:off x="722313" y="2906713"/>
-            <a:ext cx="7772400" cy="1500187"/>
+            <a:off x="722313" y="2180035"/>
+            <a:ext cx="7772400" cy="1125140"/>
           </a:xfrm>
         </p:spPr>
         <p:txBody>
@@ -1037,7 +1037,7 @@
           <a:p>
             <a:fld id="{9CEA959E-6A41-412C-8C82-2C072CF95BF2}" type="datetimeFigureOut">
               <a:rPr lang="zh-TW" altLang="en-US" smtClean="0"/>
-              <a:t>2018/7/21</a:t>
+              <a:t>2019/10/10</a:t>
             </a:fld>
             <a:endParaRPr lang="zh-TW" altLang="en-US"/>
           </a:p>
@@ -1145,8 +1145,8 @@
         </p:nvSpPr>
         <p:spPr>
           <a:xfrm>
-            <a:off x="457200" y="1600200"/>
-            <a:ext cx="4038600" cy="4525963"/>
+            <a:off x="457200" y="1200151"/>
+            <a:ext cx="4038600" cy="3394472"/>
           </a:xfrm>
         </p:spPr>
         <p:txBody>
@@ -1230,8 +1230,8 @@
         </p:nvSpPr>
         <p:spPr>
           <a:xfrm>
-            <a:off x="4648200" y="1600200"/>
-            <a:ext cx="4038600" cy="4525963"/>
+            <a:off x="4648200" y="1200151"/>
+            <a:ext cx="4038600" cy="3394472"/>
           </a:xfrm>
         </p:spPr>
         <p:txBody>
@@ -1320,7 +1320,7 @@
           <a:p>
             <a:fld id="{9CEA959E-6A41-412C-8C82-2C072CF95BF2}" type="datetimeFigureOut">
               <a:rPr lang="zh-TW" altLang="en-US" smtClean="0"/>
-              <a:t>2018/7/21</a:t>
+              <a:t>2019/10/10</a:t>
             </a:fld>
             <a:endParaRPr lang="zh-TW" altLang="en-US"/>
           </a:p>
@@ -1432,8 +1432,8 @@
         </p:nvSpPr>
         <p:spPr>
           <a:xfrm>
-            <a:off x="457200" y="1535113"/>
-            <a:ext cx="4040188" cy="639762"/>
+            <a:off x="457200" y="1151335"/>
+            <a:ext cx="4040188" cy="479822"/>
           </a:xfrm>
         </p:spPr>
         <p:txBody>
@@ -1497,8 +1497,8 @@
         </p:nvSpPr>
         <p:spPr>
           <a:xfrm>
-            <a:off x="457200" y="2174875"/>
-            <a:ext cx="4040188" cy="3951288"/>
+            <a:off x="457200" y="1631156"/>
+            <a:ext cx="4040188" cy="2963466"/>
           </a:xfrm>
         </p:spPr>
         <p:txBody>
@@ -1582,8 +1582,8 @@
         </p:nvSpPr>
         <p:spPr>
           <a:xfrm>
-            <a:off x="4645025" y="1535113"/>
-            <a:ext cx="4041775" cy="639762"/>
+            <a:off x="4645026" y="1151335"/>
+            <a:ext cx="4041775" cy="479822"/>
           </a:xfrm>
         </p:spPr>
         <p:txBody>
@@ -1647,8 +1647,8 @@
         </p:nvSpPr>
         <p:spPr>
           <a:xfrm>
-            <a:off x="4645025" y="2174875"/>
-            <a:ext cx="4041775" cy="3951288"/>
+            <a:off x="4645026" y="1631156"/>
+            <a:ext cx="4041775" cy="2963466"/>
           </a:xfrm>
         </p:spPr>
         <p:txBody>
@@ -1737,7 +1737,7 @@
           <a:p>
             <a:fld id="{9CEA959E-6A41-412C-8C82-2C072CF95BF2}" type="datetimeFigureOut">
               <a:rPr lang="zh-TW" altLang="en-US" smtClean="0"/>
-              <a:t>2018/7/21</a:t>
+              <a:t>2019/10/10</a:t>
             </a:fld>
             <a:endParaRPr lang="zh-TW" altLang="en-US"/>
           </a:p>
@@ -1850,7 +1850,7 @@
           <a:p>
             <a:fld id="{9CEA959E-6A41-412C-8C82-2C072CF95BF2}" type="datetimeFigureOut">
               <a:rPr lang="zh-TW" altLang="en-US" smtClean="0"/>
-              <a:t>2018/7/21</a:t>
+              <a:t>2019/10/10</a:t>
             </a:fld>
             <a:endParaRPr lang="zh-TW" altLang="en-US"/>
           </a:p>
@@ -1940,7 +1940,7 @@
           <a:p>
             <a:fld id="{9CEA959E-6A41-412C-8C82-2C072CF95BF2}" type="datetimeFigureOut">
               <a:rPr lang="zh-TW" altLang="en-US" smtClean="0"/>
-              <a:t>2018/7/21</a:t>
+              <a:t>2019/10/10</a:t>
             </a:fld>
             <a:endParaRPr lang="zh-TW" altLang="en-US"/>
           </a:p>
@@ -2025,8 +2025,8 @@
         </p:nvSpPr>
         <p:spPr>
           <a:xfrm>
-            <a:off x="457200" y="273050"/>
-            <a:ext cx="3008313" cy="1162050"/>
+            <a:off x="457201" y="204787"/>
+            <a:ext cx="3008313" cy="871538"/>
           </a:xfrm>
         </p:spPr>
         <p:txBody>
@@ -2057,8 +2057,8 @@
         </p:nvSpPr>
         <p:spPr>
           <a:xfrm>
-            <a:off x="3575050" y="273050"/>
-            <a:ext cx="5111750" cy="5853113"/>
+            <a:off x="3575050" y="204788"/>
+            <a:ext cx="5111750" cy="4389835"/>
           </a:xfrm>
         </p:spPr>
         <p:txBody>
@@ -2142,8 +2142,8 @@
         </p:nvSpPr>
         <p:spPr>
           <a:xfrm>
-            <a:off x="457200" y="1435100"/>
-            <a:ext cx="3008313" cy="4691063"/>
+            <a:off x="457201" y="1076326"/>
+            <a:ext cx="3008313" cy="3518297"/>
           </a:xfrm>
         </p:spPr>
         <p:txBody>
@@ -2212,7 +2212,7 @@
           <a:p>
             <a:fld id="{9CEA959E-6A41-412C-8C82-2C072CF95BF2}" type="datetimeFigureOut">
               <a:rPr lang="zh-TW" altLang="en-US" smtClean="0"/>
-              <a:t>2018/7/21</a:t>
+              <a:t>2019/10/10</a:t>
             </a:fld>
             <a:endParaRPr lang="zh-TW" altLang="en-US"/>
           </a:p>
@@ -2297,8 +2297,8 @@
         </p:nvSpPr>
         <p:spPr>
           <a:xfrm>
-            <a:off x="1792288" y="4800600"/>
-            <a:ext cx="5486400" cy="566738"/>
+            <a:off x="1792288" y="3600450"/>
+            <a:ext cx="5486400" cy="425054"/>
           </a:xfrm>
         </p:spPr>
         <p:txBody>
@@ -2329,8 +2329,8 @@
         </p:nvSpPr>
         <p:spPr>
           <a:xfrm>
-            <a:off x="1792288" y="612775"/>
-            <a:ext cx="5486400" cy="4114800"/>
+            <a:off x="1792288" y="459581"/>
+            <a:ext cx="5486400" cy="3086100"/>
           </a:xfrm>
         </p:spPr>
         <p:txBody>
@@ -2394,8 +2394,8 @@
         </p:nvSpPr>
         <p:spPr>
           <a:xfrm>
-            <a:off x="1792288" y="5367338"/>
-            <a:ext cx="5486400" cy="804862"/>
+            <a:off x="1792288" y="4025503"/>
+            <a:ext cx="5486400" cy="603647"/>
           </a:xfrm>
         </p:spPr>
         <p:txBody>
@@ -2464,7 +2464,7 @@
           <a:p>
             <a:fld id="{9CEA959E-6A41-412C-8C82-2C072CF95BF2}" type="datetimeFigureOut">
               <a:rPr lang="zh-TW" altLang="en-US" smtClean="0"/>
-              <a:t>2018/7/21</a:t>
+              <a:t>2019/10/10</a:t>
             </a:fld>
             <a:endParaRPr lang="zh-TW" altLang="en-US"/>
           </a:p>
@@ -2559,8 +2559,8 @@
         </p:nvSpPr>
         <p:spPr>
           <a:xfrm>
-            <a:off x="457200" y="274638"/>
-            <a:ext cx="8229600" cy="1143000"/>
+            <a:off x="457200" y="205979"/>
+            <a:ext cx="8229600" cy="857250"/>
           </a:xfrm>
           <a:prstGeom prst="rect">
             <a:avLst/>
@@ -2592,8 +2592,8 @@
         </p:nvSpPr>
         <p:spPr>
           <a:xfrm>
-            <a:off x="457200" y="1600200"/>
-            <a:ext cx="8229600" cy="4525963"/>
+            <a:off x="457200" y="1200151"/>
+            <a:ext cx="8229600" cy="3394472"/>
           </a:xfrm>
           <a:prstGeom prst="rect">
             <a:avLst/>
@@ -2654,8 +2654,8 @@
         </p:nvSpPr>
         <p:spPr>
           <a:xfrm>
-            <a:off x="457200" y="6356350"/>
-            <a:ext cx="2133600" cy="365125"/>
+            <a:off x="457200" y="4767263"/>
+            <a:ext cx="2133600" cy="273844"/>
           </a:xfrm>
           <a:prstGeom prst="rect">
             <a:avLst/>
@@ -2677,7 +2677,7 @@
           <a:p>
             <a:fld id="{9CEA959E-6A41-412C-8C82-2C072CF95BF2}" type="datetimeFigureOut">
               <a:rPr lang="zh-TW" altLang="en-US" smtClean="0"/>
-              <a:t>2018/7/21</a:t>
+              <a:t>2019/10/10</a:t>
             </a:fld>
             <a:endParaRPr lang="zh-TW" altLang="en-US"/>
           </a:p>
@@ -2695,8 +2695,8 @@
         </p:nvSpPr>
         <p:spPr>
           <a:xfrm>
-            <a:off x="3124200" y="6356350"/>
-            <a:ext cx="2895600" cy="365125"/>
+            <a:off x="3124200" y="4767263"/>
+            <a:ext cx="2895600" cy="273844"/>
           </a:xfrm>
           <a:prstGeom prst="rect">
             <a:avLst/>
@@ -2732,8 +2732,8 @@
         </p:nvSpPr>
         <p:spPr>
           <a:xfrm>
-            <a:off x="6553200" y="6356350"/>
-            <a:ext cx="2133600" cy="365125"/>
+            <a:off x="6553200" y="4767263"/>
+            <a:ext cx="2133600" cy="273844"/>
           </a:xfrm>
           <a:prstGeom prst="rect">
             <a:avLst/>
@@ -3065,7 +3065,7 @@
           <a:lstStyle/>
           <a:p>
             <a:r>
-              <a:rPr lang="zh-TW" altLang="en-US" b="1" dirty="0" smtClean="0">
+              <a:rPr lang="zh-TW" altLang="en-US" sz="4000" b="1" dirty="0" smtClean="0">
                 <a:solidFill>
                   <a:srgbClr val="000066"/>
                 </a:solidFill>
@@ -3074,7 +3074,7 @@
               </a:rPr>
               <a:t>我的心你要稱頌耶和華</a:t>
             </a:r>
-            <a:endParaRPr lang="zh-TW" altLang="en-US" b="1" dirty="0">
+            <a:endParaRPr lang="zh-TW" altLang="en-US" sz="4000" b="1" dirty="0">
               <a:solidFill>
                 <a:srgbClr val="000066"/>
               </a:solidFill>
@@ -3097,7 +3097,7 @@
         <p:spPr/>
         <p:txBody>
           <a:bodyPr>
-            <a:normAutofit/>
+            <a:noAutofit/>
           </a:bodyPr>
           <a:lstStyle/>
           <a:p>
@@ -3105,7 +3105,7 @@
               <a:buNone/>
             </a:pPr>
             <a:r>
-              <a:rPr lang="zh-TW" altLang="en-US" sz="5400" b="1" dirty="0">
+              <a:rPr lang="zh-TW" altLang="en-US" sz="4800" b="1" dirty="0">
                 <a:solidFill>
                   <a:srgbClr val="000066"/>
                 </a:solidFill>
@@ -3115,7 +3115,7 @@
               <a:t>我的心你要稱頌</a:t>
             </a:r>
             <a:r>
-              <a:rPr lang="zh-TW" altLang="en-US" sz="5400" b="1" dirty="0" smtClean="0">
+              <a:rPr lang="zh-TW" altLang="en-US" sz="4800" b="1" dirty="0" smtClean="0">
                 <a:solidFill>
                   <a:srgbClr val="000066"/>
                 </a:solidFill>
@@ -3124,7 +3124,7 @@
               </a:rPr>
               <a:t>耶和華</a:t>
             </a:r>
-            <a:endParaRPr lang="en-US" altLang="zh-TW" sz="5400" b="1" dirty="0" smtClean="0">
+            <a:endParaRPr lang="en-US" altLang="zh-TW" sz="4800" b="1" dirty="0" smtClean="0">
               <a:solidFill>
                 <a:srgbClr val="000066"/>
               </a:solidFill>
@@ -3137,7 +3137,7 @@
               <a:buNone/>
             </a:pPr>
             <a:r>
-              <a:rPr lang="zh-TW" altLang="en-US" sz="5400" b="1" dirty="0" smtClean="0">
+              <a:rPr lang="zh-TW" altLang="en-US" sz="4800" b="1" dirty="0" smtClean="0">
                 <a:solidFill>
                   <a:srgbClr val="000066"/>
                 </a:solidFill>
@@ -3147,7 +3147,7 @@
               <a:t>不可</a:t>
             </a:r>
             <a:r>
-              <a:rPr lang="zh-TW" altLang="en-US" sz="5400" b="1" dirty="0">
+              <a:rPr lang="zh-TW" altLang="en-US" sz="4800" b="1" dirty="0">
                 <a:solidFill>
                   <a:srgbClr val="000066"/>
                 </a:solidFill>
@@ -3157,7 +3157,7 @@
               <a:t>忘記祂的</a:t>
             </a:r>
             <a:r>
-              <a:rPr lang="zh-TW" altLang="en-US" sz="5400" b="1" dirty="0" smtClean="0">
+              <a:rPr lang="zh-TW" altLang="en-US" sz="4800" b="1" dirty="0" smtClean="0">
                 <a:solidFill>
                   <a:srgbClr val="000066"/>
                 </a:solidFill>
@@ -3166,7 +3166,7 @@
               </a:rPr>
               <a:t>恩惠</a:t>
             </a:r>
-            <a:endParaRPr lang="en-US" altLang="zh-TW" sz="5400" b="1" dirty="0">
+            <a:endParaRPr lang="en-US" altLang="zh-TW" sz="4800" b="1" dirty="0">
               <a:solidFill>
                 <a:srgbClr val="000066"/>
               </a:solidFill>
@@ -3179,7 +3179,7 @@
               <a:buNone/>
             </a:pPr>
             <a:r>
-              <a:rPr lang="zh-TW" altLang="en-US" sz="5400" b="1" dirty="0" smtClean="0">
+              <a:rPr lang="zh-TW" altLang="en-US" sz="4800" b="1" dirty="0" smtClean="0">
                 <a:solidFill>
                   <a:srgbClr val="000066"/>
                 </a:solidFill>
@@ -3189,7 +3189,7 @@
               <a:t>祂</a:t>
             </a:r>
             <a:r>
-              <a:rPr lang="zh-TW" altLang="en-US" sz="5400" b="1" dirty="0">
+              <a:rPr lang="zh-TW" altLang="en-US" sz="4800" b="1" dirty="0">
                 <a:solidFill>
                   <a:srgbClr val="000066"/>
                 </a:solidFill>
@@ -3199,7 +3199,7 @@
               <a:t>赦免你一切過犯</a:t>
             </a:r>
             <a:r>
-              <a:rPr lang="zh-TW" altLang="en-US" sz="5400" b="1" dirty="0" smtClean="0">
+              <a:rPr lang="zh-TW" altLang="en-US" sz="4800" b="1" dirty="0" smtClean="0">
                 <a:solidFill>
                   <a:srgbClr val="000066"/>
                 </a:solidFill>
@@ -3208,7 +3208,7 @@
               </a:rPr>
               <a:t>罪孽</a:t>
             </a:r>
-            <a:endParaRPr lang="en-US" altLang="zh-TW" sz="5400" b="1" dirty="0" smtClean="0">
+            <a:endParaRPr lang="en-US" altLang="zh-TW" sz="4800" b="1" dirty="0" smtClean="0">
               <a:solidFill>
                 <a:srgbClr val="000066"/>
               </a:solidFill>
@@ -3221,7 +3221,7 @@
               <a:buNone/>
             </a:pPr>
             <a:r>
-              <a:rPr lang="zh-TW" altLang="en-US" sz="5400" b="1" dirty="0" smtClean="0">
+              <a:rPr lang="zh-TW" altLang="en-US" sz="4800" b="1" dirty="0" smtClean="0">
                 <a:solidFill>
                   <a:srgbClr val="000066"/>
                 </a:solidFill>
@@ -3231,7 +3231,7 @@
               <a:t>醫治</a:t>
             </a:r>
             <a:r>
-              <a:rPr lang="zh-TW" altLang="en-US" sz="5400" b="1" dirty="0">
+              <a:rPr lang="zh-TW" altLang="en-US" sz="4800" b="1" dirty="0">
                 <a:solidFill>
                   <a:srgbClr val="000066"/>
                 </a:solidFill>
@@ -3286,7 +3286,7 @@
           <a:lstStyle/>
           <a:p>
             <a:r>
-              <a:rPr lang="zh-TW" altLang="en-US" b="1" dirty="0" smtClean="0">
+              <a:rPr lang="zh-TW" altLang="en-US" sz="4000" b="1" dirty="0">
                 <a:solidFill>
                   <a:srgbClr val="000066"/>
                 </a:solidFill>
@@ -3295,7 +3295,7 @@
               </a:rPr>
               <a:t>我的心你要稱頌耶和華</a:t>
             </a:r>
-            <a:endParaRPr lang="zh-TW" altLang="en-US" b="1" dirty="0">
+            <a:endParaRPr lang="zh-TW" altLang="en-US" sz="4000" b="1" dirty="0">
               <a:solidFill>
                 <a:srgbClr val="000066"/>
               </a:solidFill>
@@ -3318,7 +3318,7 @@
         <p:spPr/>
         <p:txBody>
           <a:bodyPr>
-            <a:normAutofit/>
+            <a:noAutofit/>
           </a:bodyPr>
           <a:lstStyle/>
           <a:p>
@@ -3326,7 +3326,7 @@
               <a:buNone/>
             </a:pPr>
             <a:r>
-              <a:rPr lang="zh-TW" altLang="en-US" sz="5400" b="1" dirty="0" smtClean="0">
+              <a:rPr lang="zh-TW" altLang="en-US" sz="4800" b="1" dirty="0">
                 <a:solidFill>
                   <a:srgbClr val="000066"/>
                 </a:solidFill>
@@ -3335,7 +3335,7 @@
               </a:rPr>
               <a:t>我的心你要稱頌耶和華</a:t>
             </a:r>
-            <a:endParaRPr lang="en-US" altLang="zh-TW" sz="5400" b="1" dirty="0" smtClean="0">
+            <a:endParaRPr lang="en-US" altLang="zh-TW" sz="4800" b="1" dirty="0">
               <a:solidFill>
                 <a:srgbClr val="000066"/>
               </a:solidFill>
@@ -3348,7 +3348,7 @@
               <a:buNone/>
             </a:pPr>
             <a:r>
-              <a:rPr lang="zh-TW" altLang="en-US" sz="5400" b="1" dirty="0" smtClean="0">
+              <a:rPr lang="zh-TW" altLang="en-US" sz="4800" b="1" dirty="0">
                 <a:solidFill>
                   <a:srgbClr val="000066"/>
                 </a:solidFill>
@@ -3357,7 +3357,7 @@
               </a:rPr>
               <a:t>不可忘記祂的恩惠</a:t>
             </a:r>
-            <a:endParaRPr lang="en-US" altLang="zh-TW" sz="5400" b="1" dirty="0" smtClean="0">
+            <a:endParaRPr lang="en-US" altLang="zh-TW" sz="4800" b="1" dirty="0">
               <a:solidFill>
                 <a:srgbClr val="000066"/>
               </a:solidFill>
@@ -3370,7 +3370,7 @@
               <a:buNone/>
             </a:pPr>
             <a:r>
-              <a:rPr lang="zh-TW" altLang="en-US" sz="5400" b="1" dirty="0" smtClean="0">
+              <a:rPr lang="zh-TW" altLang="en-US" sz="4800" b="1" dirty="0">
                 <a:solidFill>
                   <a:srgbClr val="000066"/>
                 </a:solidFill>
@@ -3379,7 +3379,7 @@
               </a:rPr>
               <a:t>祂以仁愛慈悲為你冠冕</a:t>
             </a:r>
-            <a:endParaRPr lang="en-US" altLang="zh-TW" sz="5400" b="1" dirty="0" smtClean="0">
+            <a:endParaRPr lang="en-US" altLang="zh-TW" sz="4800" b="1" dirty="0">
               <a:solidFill>
                 <a:srgbClr val="000066"/>
               </a:solidFill>
@@ -3392,7 +3392,7 @@
               <a:buNone/>
             </a:pPr>
             <a:r>
-              <a:rPr lang="zh-TW" altLang="en-US" sz="5400" b="1" dirty="0" smtClean="0">
+              <a:rPr lang="zh-TW" altLang="en-US" sz="4800" b="1" dirty="0">
                 <a:solidFill>
                   <a:srgbClr val="000066"/>
                 </a:solidFill>
@@ -3447,7 +3447,7 @@
           <a:lstStyle/>
           <a:p>
             <a:r>
-              <a:rPr lang="zh-TW" altLang="en-US" b="1" dirty="0" smtClean="0">
+              <a:rPr lang="zh-TW" altLang="en-US" sz="4000" b="1" dirty="0">
                 <a:solidFill>
                   <a:srgbClr val="000066"/>
                 </a:solidFill>
@@ -3456,7 +3456,7 @@
               </a:rPr>
               <a:t>我的心你要稱頌耶和華</a:t>
             </a:r>
-            <a:endParaRPr lang="zh-TW" altLang="en-US" b="1" dirty="0">
+            <a:endParaRPr lang="zh-TW" altLang="en-US" sz="4000" b="1" dirty="0">
               <a:solidFill>
                 <a:srgbClr val="000066"/>
               </a:solidFill>
@@ -3479,7 +3479,7 @@
         <p:spPr/>
         <p:txBody>
           <a:bodyPr>
-            <a:normAutofit/>
+            <a:noAutofit/>
           </a:bodyPr>
           <a:lstStyle/>
           <a:p>
@@ -3487,7 +3487,7 @@
               <a:buNone/>
             </a:pPr>
             <a:r>
-              <a:rPr lang="zh-TW" altLang="en-US" sz="5400" b="1" dirty="0" smtClean="0">
+              <a:rPr lang="zh-TW" altLang="en-US" sz="4800" b="1" dirty="0">
                 <a:solidFill>
                   <a:srgbClr val="000066"/>
                 </a:solidFill>
@@ -3496,7 +3496,7 @@
               </a:rPr>
               <a:t>天離地有何等的高</a:t>
             </a:r>
-            <a:endParaRPr lang="en-US" altLang="zh-TW" sz="5400" b="1" dirty="0" smtClean="0">
+            <a:endParaRPr lang="en-US" altLang="zh-TW" sz="4800" b="1" dirty="0">
               <a:solidFill>
                 <a:srgbClr val="000066"/>
               </a:solidFill>
@@ -3509,7 +3509,7 @@
               <a:buNone/>
             </a:pPr>
             <a:r>
-              <a:rPr lang="zh-TW" altLang="en-US" sz="5400" b="1" dirty="0" smtClean="0">
+              <a:rPr lang="zh-TW" altLang="en-US" sz="4800" b="1" dirty="0">
                 <a:solidFill>
                   <a:srgbClr val="000066"/>
                 </a:solidFill>
@@ -3518,7 +3518,7 @@
               </a:rPr>
               <a:t>祂的慈愛也何等的深</a:t>
             </a:r>
-            <a:endParaRPr lang="en-US" altLang="zh-TW" sz="5400" b="1" dirty="0" smtClean="0">
+            <a:endParaRPr lang="en-US" altLang="zh-TW" sz="4800" b="1" dirty="0">
               <a:solidFill>
                 <a:srgbClr val="000066"/>
               </a:solidFill>
@@ -3531,7 +3531,7 @@
               <a:buNone/>
             </a:pPr>
             <a:r>
-              <a:rPr lang="zh-TW" altLang="en-US" sz="5400" b="1" dirty="0" smtClean="0">
+              <a:rPr lang="zh-TW" altLang="en-US" sz="4800" b="1" dirty="0">
                 <a:solidFill>
                   <a:srgbClr val="000066"/>
                 </a:solidFill>
@@ -3540,7 +3540,7 @@
               </a:rPr>
               <a:t>東離西有多麼的遠</a:t>
             </a:r>
-            <a:endParaRPr lang="en-US" altLang="zh-TW" sz="5400" b="1" dirty="0" smtClean="0">
+            <a:endParaRPr lang="en-US" altLang="zh-TW" sz="4800" b="1" dirty="0">
               <a:solidFill>
                 <a:srgbClr val="000066"/>
               </a:solidFill>
@@ -3553,7 +3553,7 @@
               <a:buNone/>
             </a:pPr>
             <a:r>
-              <a:rPr lang="zh-TW" altLang="en-US" sz="5400" b="1" dirty="0" smtClean="0">
+              <a:rPr lang="zh-TW" altLang="en-US" sz="4800" b="1" dirty="0">
                 <a:solidFill>
                   <a:srgbClr val="000066"/>
                 </a:solidFill>
@@ -3608,7 +3608,7 @@
           <a:lstStyle/>
           <a:p>
             <a:r>
-              <a:rPr lang="zh-TW" altLang="en-US" b="1" dirty="0" smtClean="0">
+              <a:rPr lang="zh-TW" altLang="en-US" sz="4000" b="1" dirty="0">
                 <a:solidFill>
                   <a:srgbClr val="000066"/>
                 </a:solidFill>
@@ -3617,7 +3617,7 @@
               </a:rPr>
               <a:t>我的心你要稱頌耶和華</a:t>
             </a:r>
-            <a:endParaRPr lang="zh-TW" altLang="en-US" b="1" dirty="0">
+            <a:endParaRPr lang="zh-TW" altLang="en-US" sz="4000" b="1" dirty="0">
               <a:solidFill>
                 <a:srgbClr val="000066"/>
               </a:solidFill>
@@ -3640,7 +3640,7 @@
         <p:spPr/>
         <p:txBody>
           <a:bodyPr>
-            <a:normAutofit/>
+            <a:noAutofit/>
           </a:bodyPr>
           <a:lstStyle/>
           <a:p>
@@ -3648,7 +3648,7 @@
               <a:buNone/>
             </a:pPr>
             <a:r>
-              <a:rPr lang="zh-TW" altLang="en-US" sz="5400" b="1" dirty="0" smtClean="0">
+              <a:rPr lang="zh-TW" altLang="en-US" sz="4800" b="1" dirty="0">
                 <a:solidFill>
                   <a:srgbClr val="000066"/>
                 </a:solidFill>
@@ -3657,7 +3657,7 @@
               </a:rPr>
               <a:t>耶和華有憐憫的愛</a:t>
             </a:r>
-            <a:endParaRPr lang="en-US" altLang="zh-TW" sz="5400" b="1" dirty="0" smtClean="0">
+            <a:endParaRPr lang="en-US" altLang="zh-TW" sz="4800" b="1" dirty="0">
               <a:solidFill>
                 <a:srgbClr val="000066"/>
               </a:solidFill>
@@ -3670,7 +3670,7 @@
               <a:buNone/>
             </a:pPr>
             <a:r>
-              <a:rPr lang="zh-TW" altLang="en-US" sz="5400" b="1" dirty="0" smtClean="0">
+              <a:rPr lang="zh-TW" altLang="en-US" sz="4800" b="1" dirty="0">
                 <a:solidFill>
                   <a:srgbClr val="000066"/>
                 </a:solidFill>
@@ -3679,7 +3679,7 @@
               </a:rPr>
               <a:t>且有豐盛無盡的恩典</a:t>
             </a:r>
-            <a:endParaRPr lang="en-US" altLang="zh-TW" sz="5400" b="1" dirty="0" smtClean="0">
+            <a:endParaRPr lang="en-US" altLang="zh-TW" sz="4800" b="1" dirty="0">
               <a:solidFill>
                 <a:srgbClr val="000066"/>
               </a:solidFill>
@@ -3692,7 +3692,7 @@
               <a:buNone/>
             </a:pPr>
             <a:r>
-              <a:rPr lang="zh-TW" altLang="en-US" sz="5400" b="1" dirty="0" smtClean="0">
+              <a:rPr lang="zh-TW" altLang="en-US" sz="4800" b="1" dirty="0">
                 <a:solidFill>
                   <a:srgbClr val="000066"/>
                 </a:solidFill>
@@ -3701,7 +3701,7 @@
               </a:rPr>
               <a:t>從亙古直到永遠</a:t>
             </a:r>
-            <a:endParaRPr lang="en-US" altLang="zh-TW" sz="5400" b="1" dirty="0" smtClean="0">
+            <a:endParaRPr lang="en-US" altLang="zh-TW" sz="4800" b="1" dirty="0">
               <a:solidFill>
                 <a:srgbClr val="000066"/>
               </a:solidFill>
@@ -3714,7 +3714,7 @@
               <a:buNone/>
             </a:pPr>
             <a:r>
-              <a:rPr lang="zh-TW" altLang="en-US" sz="5400" b="1" dirty="0" smtClean="0">
+              <a:rPr lang="zh-TW" altLang="en-US" sz="4800" b="1" dirty="0">
                 <a:solidFill>
                   <a:srgbClr val="000066"/>
                 </a:solidFill>

--- a/我的心你要稱頌耶和華(崇拜版).pptx
+++ b/我的心你要稱頌耶和華(崇拜版).pptx
@@ -9,6 +9,21 @@
     <p:sldId id="257" r:id="rId3"/>
     <p:sldId id="258" r:id="rId4"/>
     <p:sldId id="259" r:id="rId5"/>
+    <p:sldId id="266" r:id="rId6"/>
+    <p:sldId id="267" r:id="rId7"/>
+    <p:sldId id="268" r:id="rId8"/>
+    <p:sldId id="269" r:id="rId9"/>
+    <p:sldId id="270" r:id="rId10"/>
+    <p:sldId id="271" r:id="rId11"/>
+    <p:sldId id="272" r:id="rId12"/>
+    <p:sldId id="260" r:id="rId13"/>
+    <p:sldId id="261" r:id="rId14"/>
+    <p:sldId id="262" r:id="rId15"/>
+    <p:sldId id="263" r:id="rId16"/>
+    <p:sldId id="264" r:id="rId17"/>
+    <p:sldId id="265" r:id="rId18"/>
+    <p:sldId id="273" r:id="rId19"/>
+    <p:sldId id="274" r:id="rId20"/>
   </p:sldIdLst>
   <p:sldSz cx="9144000" cy="5143500" type="screen16x9"/>
   <p:notesSz cx="6858000" cy="9144000"/>
@@ -291,7 +306,8 @@
           <a:p>
             <a:fld id="{9CEA959E-6A41-412C-8C82-2C072CF95BF2}" type="datetimeFigureOut">
               <a:rPr lang="zh-TW" altLang="en-US" smtClean="0"/>
-              <a:t>2019/10/10</a:t>
+              <a:pPr/>
+              <a:t>2020/6/30</a:t>
             </a:fld>
             <a:endParaRPr lang="zh-TW" altLang="en-US"/>
           </a:p>
@@ -333,6 +349,7 @@
           <a:p>
             <a:fld id="{04701D50-FEB6-49E9-9ADA-41C3AE42E539}" type="slidenum">
               <a:rPr lang="zh-TW" altLang="en-US" smtClean="0"/>
+              <a:pPr/>
               <a:t>‹#›</a:t>
             </a:fld>
             <a:endParaRPr lang="zh-TW" altLang="en-US"/>
@@ -456,7 +473,8 @@
           <a:p>
             <a:fld id="{9CEA959E-6A41-412C-8C82-2C072CF95BF2}" type="datetimeFigureOut">
               <a:rPr lang="zh-TW" altLang="en-US" smtClean="0"/>
-              <a:t>2019/10/10</a:t>
+              <a:pPr/>
+              <a:t>2020/6/30</a:t>
             </a:fld>
             <a:endParaRPr lang="zh-TW" altLang="en-US"/>
           </a:p>
@@ -498,6 +516,7 @@
           <a:p>
             <a:fld id="{04701D50-FEB6-49E9-9ADA-41C3AE42E539}" type="slidenum">
               <a:rPr lang="zh-TW" altLang="en-US" smtClean="0"/>
+              <a:pPr/>
               <a:t>‹#›</a:t>
             </a:fld>
             <a:endParaRPr lang="zh-TW" altLang="en-US"/>
@@ -631,7 +650,8 @@
           <a:p>
             <a:fld id="{9CEA959E-6A41-412C-8C82-2C072CF95BF2}" type="datetimeFigureOut">
               <a:rPr lang="zh-TW" altLang="en-US" smtClean="0"/>
-              <a:t>2019/10/10</a:t>
+              <a:pPr/>
+              <a:t>2020/6/30</a:t>
             </a:fld>
             <a:endParaRPr lang="zh-TW" altLang="en-US"/>
           </a:p>
@@ -673,6 +693,7 @@
           <a:p>
             <a:fld id="{04701D50-FEB6-49E9-9ADA-41C3AE42E539}" type="slidenum">
               <a:rPr lang="zh-TW" altLang="en-US" smtClean="0"/>
+              <a:pPr/>
               <a:t>‹#›</a:t>
             </a:fld>
             <a:endParaRPr lang="zh-TW" altLang="en-US"/>
@@ -796,7 +817,8 @@
           <a:p>
             <a:fld id="{9CEA959E-6A41-412C-8C82-2C072CF95BF2}" type="datetimeFigureOut">
               <a:rPr lang="zh-TW" altLang="en-US" smtClean="0"/>
-              <a:t>2019/10/10</a:t>
+              <a:pPr/>
+              <a:t>2020/6/30</a:t>
             </a:fld>
             <a:endParaRPr lang="zh-TW" altLang="en-US"/>
           </a:p>
@@ -838,6 +860,7 @@
           <a:p>
             <a:fld id="{04701D50-FEB6-49E9-9ADA-41C3AE42E539}" type="slidenum">
               <a:rPr lang="zh-TW" altLang="en-US" smtClean="0"/>
+              <a:pPr/>
               <a:t>‹#›</a:t>
             </a:fld>
             <a:endParaRPr lang="zh-TW" altLang="en-US"/>
@@ -1037,7 +1060,8 @@
           <a:p>
             <a:fld id="{9CEA959E-6A41-412C-8C82-2C072CF95BF2}" type="datetimeFigureOut">
               <a:rPr lang="zh-TW" altLang="en-US" smtClean="0"/>
-              <a:t>2019/10/10</a:t>
+              <a:pPr/>
+              <a:t>2020/6/30</a:t>
             </a:fld>
             <a:endParaRPr lang="zh-TW" altLang="en-US"/>
           </a:p>
@@ -1079,6 +1103,7 @@
           <a:p>
             <a:fld id="{04701D50-FEB6-49E9-9ADA-41C3AE42E539}" type="slidenum">
               <a:rPr lang="zh-TW" altLang="en-US" smtClean="0"/>
+              <a:pPr/>
               <a:t>‹#›</a:t>
             </a:fld>
             <a:endParaRPr lang="zh-TW" altLang="en-US"/>
@@ -1320,7 +1345,8 @@
           <a:p>
             <a:fld id="{9CEA959E-6A41-412C-8C82-2C072CF95BF2}" type="datetimeFigureOut">
               <a:rPr lang="zh-TW" altLang="en-US" smtClean="0"/>
-              <a:t>2019/10/10</a:t>
+              <a:pPr/>
+              <a:t>2020/6/30</a:t>
             </a:fld>
             <a:endParaRPr lang="zh-TW" altLang="en-US"/>
           </a:p>
@@ -1362,6 +1388,7 @@
           <a:p>
             <a:fld id="{04701D50-FEB6-49E9-9ADA-41C3AE42E539}" type="slidenum">
               <a:rPr lang="zh-TW" altLang="en-US" smtClean="0"/>
+              <a:pPr/>
               <a:t>‹#›</a:t>
             </a:fld>
             <a:endParaRPr lang="zh-TW" altLang="en-US"/>
@@ -1737,7 +1764,8 @@
           <a:p>
             <a:fld id="{9CEA959E-6A41-412C-8C82-2C072CF95BF2}" type="datetimeFigureOut">
               <a:rPr lang="zh-TW" altLang="en-US" smtClean="0"/>
-              <a:t>2019/10/10</a:t>
+              <a:pPr/>
+              <a:t>2020/6/30</a:t>
             </a:fld>
             <a:endParaRPr lang="zh-TW" altLang="en-US"/>
           </a:p>
@@ -1779,6 +1807,7 @@
           <a:p>
             <a:fld id="{04701D50-FEB6-49E9-9ADA-41C3AE42E539}" type="slidenum">
               <a:rPr lang="zh-TW" altLang="en-US" smtClean="0"/>
+              <a:pPr/>
               <a:t>‹#›</a:t>
             </a:fld>
             <a:endParaRPr lang="zh-TW" altLang="en-US"/>
@@ -1850,7 +1879,8 @@
           <a:p>
             <a:fld id="{9CEA959E-6A41-412C-8C82-2C072CF95BF2}" type="datetimeFigureOut">
               <a:rPr lang="zh-TW" altLang="en-US" smtClean="0"/>
-              <a:t>2019/10/10</a:t>
+              <a:pPr/>
+              <a:t>2020/6/30</a:t>
             </a:fld>
             <a:endParaRPr lang="zh-TW" altLang="en-US"/>
           </a:p>
@@ -1892,6 +1922,7 @@
           <a:p>
             <a:fld id="{04701D50-FEB6-49E9-9ADA-41C3AE42E539}" type="slidenum">
               <a:rPr lang="zh-TW" altLang="en-US" smtClean="0"/>
+              <a:pPr/>
               <a:t>‹#›</a:t>
             </a:fld>
             <a:endParaRPr lang="zh-TW" altLang="en-US"/>
@@ -1940,7 +1971,8 @@
           <a:p>
             <a:fld id="{9CEA959E-6A41-412C-8C82-2C072CF95BF2}" type="datetimeFigureOut">
               <a:rPr lang="zh-TW" altLang="en-US" smtClean="0"/>
-              <a:t>2019/10/10</a:t>
+              <a:pPr/>
+              <a:t>2020/6/30</a:t>
             </a:fld>
             <a:endParaRPr lang="zh-TW" altLang="en-US"/>
           </a:p>
@@ -1982,6 +2014,7 @@
           <a:p>
             <a:fld id="{04701D50-FEB6-49E9-9ADA-41C3AE42E539}" type="slidenum">
               <a:rPr lang="zh-TW" altLang="en-US" smtClean="0"/>
+              <a:pPr/>
               <a:t>‹#›</a:t>
             </a:fld>
             <a:endParaRPr lang="zh-TW" altLang="en-US"/>
@@ -2212,7 +2245,8 @@
           <a:p>
             <a:fld id="{9CEA959E-6A41-412C-8C82-2C072CF95BF2}" type="datetimeFigureOut">
               <a:rPr lang="zh-TW" altLang="en-US" smtClean="0"/>
-              <a:t>2019/10/10</a:t>
+              <a:pPr/>
+              <a:t>2020/6/30</a:t>
             </a:fld>
             <a:endParaRPr lang="zh-TW" altLang="en-US"/>
           </a:p>
@@ -2254,6 +2288,7 @@
           <a:p>
             <a:fld id="{04701D50-FEB6-49E9-9ADA-41C3AE42E539}" type="slidenum">
               <a:rPr lang="zh-TW" altLang="en-US" smtClean="0"/>
+              <a:pPr/>
               <a:t>‹#›</a:t>
             </a:fld>
             <a:endParaRPr lang="zh-TW" altLang="en-US"/>
@@ -2464,7 +2499,8 @@
           <a:p>
             <a:fld id="{9CEA959E-6A41-412C-8C82-2C072CF95BF2}" type="datetimeFigureOut">
               <a:rPr lang="zh-TW" altLang="en-US" smtClean="0"/>
-              <a:t>2019/10/10</a:t>
+              <a:pPr/>
+              <a:t>2020/6/30</a:t>
             </a:fld>
             <a:endParaRPr lang="zh-TW" altLang="en-US"/>
           </a:p>
@@ -2506,6 +2542,7 @@
           <a:p>
             <a:fld id="{04701D50-FEB6-49E9-9ADA-41C3AE42E539}" type="slidenum">
               <a:rPr lang="zh-TW" altLang="en-US" smtClean="0"/>
+              <a:pPr/>
               <a:t>‹#›</a:t>
             </a:fld>
             <a:endParaRPr lang="zh-TW" altLang="en-US"/>
@@ -2677,7 +2714,8 @@
           <a:p>
             <a:fld id="{9CEA959E-6A41-412C-8C82-2C072CF95BF2}" type="datetimeFigureOut">
               <a:rPr lang="zh-TW" altLang="en-US" smtClean="0"/>
-              <a:t>2019/10/10</a:t>
+              <a:pPr/>
+              <a:t>2020/6/30</a:t>
             </a:fld>
             <a:endParaRPr lang="zh-TW" altLang="en-US"/>
           </a:p>
@@ -2755,6 +2793,7 @@
           <a:p>
             <a:fld id="{04701D50-FEB6-49E9-9ADA-41C3AE42E539}" type="slidenum">
               <a:rPr lang="zh-TW" altLang="en-US" smtClean="0"/>
+              <a:pPr/>
               <a:t>‹#›</a:t>
             </a:fld>
             <a:endParaRPr lang="zh-TW" altLang="en-US"/>
@@ -3251,6 +3290,1343 @@
 </p:sld>
 </file>
 
+<file path=ppt/slides/slide10.xml><?xml version="1.0" encoding="utf-8"?>
+<p:sld xmlns:a="http://schemas.openxmlformats.org/drawingml/2006/main" xmlns:r="http://schemas.openxmlformats.org/officeDocument/2006/relationships" xmlns:p="http://schemas.openxmlformats.org/presentationml/2006/main">
+  <p:cSld>
+    <p:spTree>
+      <p:nvGrpSpPr>
+        <p:cNvPr id="1" name=""/>
+        <p:cNvGrpSpPr/>
+        <p:nvPr/>
+      </p:nvGrpSpPr>
+      <p:grpSpPr>
+        <a:xfrm>
+          <a:off x="0" y="0"/>
+          <a:ext cx="0" cy="0"/>
+          <a:chOff x="0" y="0"/>
+          <a:chExt cx="0" cy="0"/>
+        </a:xfrm>
+      </p:grpSpPr>
+      <p:sp>
+        <p:nvSpPr>
+          <p:cNvPr id="4" name="標題 3"/>
+          <p:cNvSpPr>
+            <a:spLocks noGrp="1"/>
+          </p:cNvSpPr>
+          <p:nvPr>
+            <p:ph type="title"/>
+          </p:nvPr>
+        </p:nvSpPr>
+        <p:spPr/>
+        <p:txBody>
+          <a:bodyPr>
+            <a:normAutofit/>
+          </a:bodyPr>
+          <a:lstStyle/>
+          <a:p>
+            <a:r>
+              <a:rPr lang="zh-TW" altLang="en-US" sz="4000" b="1" dirty="0">
+                <a:solidFill>
+                  <a:srgbClr val="000066"/>
+                </a:solidFill>
+                <a:latin typeface="微軟正黑體" pitchFamily="34" charset="-120"/>
+                <a:ea typeface="微軟正黑體" pitchFamily="34" charset="-120"/>
+              </a:rPr>
+              <a:t>我的心你要稱頌耶和華</a:t>
+            </a:r>
+          </a:p>
+        </p:txBody>
+      </p:sp>
+      <p:sp>
+        <p:nvSpPr>
+          <p:cNvPr id="5" name="內容版面配置區 4"/>
+          <p:cNvSpPr>
+            <a:spLocks noGrp="1"/>
+          </p:cNvSpPr>
+          <p:nvPr>
+            <p:ph idx="1"/>
+          </p:nvPr>
+        </p:nvSpPr>
+        <p:spPr/>
+        <p:txBody>
+          <a:bodyPr>
+            <a:noAutofit/>
+          </a:bodyPr>
+          <a:lstStyle/>
+          <a:p>
+            <a:pPr algn="ctr">
+              <a:buNone/>
+            </a:pPr>
+            <a:r>
+              <a:rPr lang="zh-TW" altLang="en-US" sz="4800" b="1" dirty="0">
+                <a:solidFill>
+                  <a:srgbClr val="000066"/>
+                </a:solidFill>
+                <a:latin typeface="微軟正黑體" pitchFamily="34" charset="-120"/>
+                <a:ea typeface="微軟正黑體" pitchFamily="34" charset="-120"/>
+              </a:rPr>
+              <a:t>耶和華有憐憫的愛</a:t>
+            </a:r>
+            <a:endParaRPr lang="en-US" altLang="zh-TW" sz="4800" b="1" dirty="0">
+              <a:solidFill>
+                <a:srgbClr val="000066"/>
+              </a:solidFill>
+              <a:latin typeface="微軟正黑體" pitchFamily="34" charset="-120"/>
+              <a:ea typeface="微軟正黑體" pitchFamily="34" charset="-120"/>
+            </a:endParaRPr>
+          </a:p>
+          <a:p>
+            <a:pPr algn="ctr">
+              <a:buNone/>
+            </a:pPr>
+            <a:r>
+              <a:rPr lang="zh-TW" altLang="en-US" sz="4800" b="1" dirty="0">
+                <a:solidFill>
+                  <a:srgbClr val="000066"/>
+                </a:solidFill>
+                <a:latin typeface="微軟正黑體" pitchFamily="34" charset="-120"/>
+                <a:ea typeface="微軟正黑體" pitchFamily="34" charset="-120"/>
+              </a:rPr>
+              <a:t>且有豐盛無盡的恩典</a:t>
+            </a:r>
+            <a:endParaRPr lang="en-US" altLang="zh-TW" sz="4800" b="1" dirty="0">
+              <a:solidFill>
+                <a:srgbClr val="000066"/>
+              </a:solidFill>
+              <a:latin typeface="微軟正黑體" pitchFamily="34" charset="-120"/>
+              <a:ea typeface="微軟正黑體" pitchFamily="34" charset="-120"/>
+            </a:endParaRPr>
+          </a:p>
+          <a:p>
+            <a:pPr algn="ctr">
+              <a:buNone/>
+            </a:pPr>
+            <a:r>
+              <a:rPr lang="zh-TW" altLang="en-US" sz="4800" b="1" dirty="0">
+                <a:solidFill>
+                  <a:srgbClr val="000066"/>
+                </a:solidFill>
+                <a:latin typeface="微軟正黑體" pitchFamily="34" charset="-120"/>
+                <a:ea typeface="微軟正黑體" pitchFamily="34" charset="-120"/>
+              </a:rPr>
+              <a:t>從亙古直到永遠</a:t>
+            </a:r>
+            <a:endParaRPr lang="en-US" altLang="zh-TW" sz="4800" b="1" dirty="0">
+              <a:solidFill>
+                <a:srgbClr val="000066"/>
+              </a:solidFill>
+              <a:latin typeface="微軟正黑體" pitchFamily="34" charset="-120"/>
+              <a:ea typeface="微軟正黑體" pitchFamily="34" charset="-120"/>
+            </a:endParaRPr>
+          </a:p>
+          <a:p>
+            <a:pPr algn="ctr">
+              <a:buNone/>
+            </a:pPr>
+            <a:r>
+              <a:rPr lang="zh-TW" altLang="en-US" sz="4800" b="1" dirty="0">
+                <a:solidFill>
+                  <a:srgbClr val="000066"/>
+                </a:solidFill>
+                <a:latin typeface="微軟正黑體" pitchFamily="34" charset="-120"/>
+                <a:ea typeface="微軟正黑體" pitchFamily="34" charset="-120"/>
+              </a:rPr>
+              <a:t>耶和華祂是我的神</a:t>
+            </a:r>
+          </a:p>
+        </p:txBody>
+      </p:sp>
+    </p:spTree>
+  </p:cSld>
+  <p:clrMapOvr>
+    <a:masterClrMapping/>
+  </p:clrMapOvr>
+</p:sld>
+</file>
+
+<file path=ppt/slides/slide11.xml><?xml version="1.0" encoding="utf-8"?>
+<p:sld xmlns:a="http://schemas.openxmlformats.org/drawingml/2006/main" xmlns:r="http://schemas.openxmlformats.org/officeDocument/2006/relationships" xmlns:p="http://schemas.openxmlformats.org/presentationml/2006/main">
+  <p:cSld>
+    <p:spTree>
+      <p:nvGrpSpPr>
+        <p:cNvPr id="1" name=""/>
+        <p:cNvGrpSpPr/>
+        <p:nvPr/>
+      </p:nvGrpSpPr>
+      <p:grpSpPr>
+        <a:xfrm>
+          <a:off x="0" y="0"/>
+          <a:ext cx="0" cy="0"/>
+          <a:chOff x="0" y="0"/>
+          <a:chExt cx="0" cy="0"/>
+        </a:xfrm>
+      </p:grpSpPr>
+      <p:sp>
+        <p:nvSpPr>
+          <p:cNvPr id="4" name="標題 3"/>
+          <p:cNvSpPr>
+            <a:spLocks noGrp="1"/>
+          </p:cNvSpPr>
+          <p:nvPr>
+            <p:ph type="title"/>
+          </p:nvPr>
+        </p:nvSpPr>
+        <p:spPr/>
+        <p:txBody>
+          <a:bodyPr>
+            <a:normAutofit/>
+          </a:bodyPr>
+          <a:lstStyle/>
+          <a:p>
+            <a:r>
+              <a:rPr lang="zh-TW" altLang="en-US" sz="4000" b="1" dirty="0">
+                <a:solidFill>
+                  <a:srgbClr val="000066"/>
+                </a:solidFill>
+                <a:latin typeface="微軟正黑體" pitchFamily="34" charset="-120"/>
+                <a:ea typeface="微軟正黑體" pitchFamily="34" charset="-120"/>
+              </a:rPr>
+              <a:t>我的心你要稱頌耶和華</a:t>
+            </a:r>
+          </a:p>
+        </p:txBody>
+      </p:sp>
+      <p:sp>
+        <p:nvSpPr>
+          <p:cNvPr id="5" name="內容版面配置區 4"/>
+          <p:cNvSpPr>
+            <a:spLocks noGrp="1"/>
+          </p:cNvSpPr>
+          <p:nvPr>
+            <p:ph idx="1"/>
+          </p:nvPr>
+        </p:nvSpPr>
+        <p:spPr/>
+        <p:txBody>
+          <a:bodyPr>
+            <a:noAutofit/>
+          </a:bodyPr>
+          <a:lstStyle/>
+          <a:p>
+            <a:pPr algn="ctr">
+              <a:buNone/>
+            </a:pPr>
+            <a:r>
+              <a:rPr lang="zh-TW" altLang="en-US" sz="4800" b="1" dirty="0">
+                <a:solidFill>
+                  <a:srgbClr val="000066"/>
+                </a:solidFill>
+                <a:latin typeface="微軟正黑體" pitchFamily="34" charset="-120"/>
+                <a:ea typeface="微軟正黑體" pitchFamily="34" charset="-120"/>
+              </a:rPr>
+              <a:t>耶和華有憐憫的愛</a:t>
+            </a:r>
+            <a:endParaRPr lang="en-US" altLang="zh-TW" sz="4800" b="1" dirty="0">
+              <a:solidFill>
+                <a:srgbClr val="000066"/>
+              </a:solidFill>
+              <a:latin typeface="微軟正黑體" pitchFamily="34" charset="-120"/>
+              <a:ea typeface="微軟正黑體" pitchFamily="34" charset="-120"/>
+            </a:endParaRPr>
+          </a:p>
+          <a:p>
+            <a:pPr algn="ctr">
+              <a:buNone/>
+            </a:pPr>
+            <a:r>
+              <a:rPr lang="zh-TW" altLang="en-US" sz="4800" b="1" dirty="0">
+                <a:solidFill>
+                  <a:srgbClr val="000066"/>
+                </a:solidFill>
+                <a:latin typeface="微軟正黑體" pitchFamily="34" charset="-120"/>
+                <a:ea typeface="微軟正黑體" pitchFamily="34" charset="-120"/>
+              </a:rPr>
+              <a:t>且有豐盛無盡的恩典</a:t>
+            </a:r>
+            <a:endParaRPr lang="en-US" altLang="zh-TW" sz="4800" b="1" dirty="0">
+              <a:solidFill>
+                <a:srgbClr val="000066"/>
+              </a:solidFill>
+              <a:latin typeface="微軟正黑體" pitchFamily="34" charset="-120"/>
+              <a:ea typeface="微軟正黑體" pitchFamily="34" charset="-120"/>
+            </a:endParaRPr>
+          </a:p>
+          <a:p>
+            <a:pPr algn="ctr">
+              <a:buNone/>
+            </a:pPr>
+            <a:r>
+              <a:rPr lang="zh-TW" altLang="en-US" sz="4800" b="1" dirty="0">
+                <a:solidFill>
+                  <a:srgbClr val="000066"/>
+                </a:solidFill>
+                <a:latin typeface="微軟正黑體" pitchFamily="34" charset="-120"/>
+                <a:ea typeface="微軟正黑體" pitchFamily="34" charset="-120"/>
+              </a:rPr>
+              <a:t>從亙古直到永遠</a:t>
+            </a:r>
+            <a:endParaRPr lang="en-US" altLang="zh-TW" sz="4800" b="1" dirty="0">
+              <a:solidFill>
+                <a:srgbClr val="000066"/>
+              </a:solidFill>
+              <a:latin typeface="微軟正黑體" pitchFamily="34" charset="-120"/>
+              <a:ea typeface="微軟正黑體" pitchFamily="34" charset="-120"/>
+            </a:endParaRPr>
+          </a:p>
+          <a:p>
+            <a:pPr algn="ctr">
+              <a:buNone/>
+            </a:pPr>
+            <a:r>
+              <a:rPr lang="zh-TW" altLang="en-US" sz="4800" b="1" dirty="0">
+                <a:solidFill>
+                  <a:srgbClr val="000066"/>
+                </a:solidFill>
+                <a:latin typeface="微軟正黑體" pitchFamily="34" charset="-120"/>
+                <a:ea typeface="微軟正黑體" pitchFamily="34" charset="-120"/>
+              </a:rPr>
+              <a:t>耶和華祂是我的神</a:t>
+            </a:r>
+          </a:p>
+        </p:txBody>
+      </p:sp>
+    </p:spTree>
+  </p:cSld>
+  <p:clrMapOvr>
+    <a:masterClrMapping/>
+  </p:clrMapOvr>
+</p:sld>
+</file>
+
+<file path=ppt/slides/slide12.xml><?xml version="1.0" encoding="utf-8"?>
+<p:sld xmlns:a="http://schemas.openxmlformats.org/drawingml/2006/main" xmlns:r="http://schemas.openxmlformats.org/officeDocument/2006/relationships" xmlns:p="http://schemas.openxmlformats.org/presentationml/2006/main">
+  <p:cSld>
+    <p:spTree>
+      <p:nvGrpSpPr>
+        <p:cNvPr id="1" name=""/>
+        <p:cNvGrpSpPr/>
+        <p:nvPr/>
+      </p:nvGrpSpPr>
+      <p:grpSpPr>
+        <a:xfrm>
+          <a:off x="0" y="0"/>
+          <a:ext cx="0" cy="0"/>
+          <a:chOff x="0" y="0"/>
+          <a:chExt cx="0" cy="0"/>
+        </a:xfrm>
+      </p:grpSpPr>
+      <p:sp>
+        <p:nvSpPr>
+          <p:cNvPr id="2" name="標題 1"/>
+          <p:cNvSpPr>
+            <a:spLocks noGrp="1"/>
+          </p:cNvSpPr>
+          <p:nvPr>
+            <p:ph type="title"/>
+          </p:nvPr>
+        </p:nvSpPr>
+        <p:spPr/>
+        <p:txBody>
+          <a:bodyPr/>
+          <a:lstStyle/>
+          <a:p>
+            <a:r>
+              <a:rPr lang="zh-TW" altLang="en-US" b="1" dirty="0">
+                <a:latin typeface="微軟正黑體" pitchFamily="34" charset="-120"/>
+                <a:ea typeface="微軟正黑體" pitchFamily="34" charset="-120"/>
+              </a:rPr>
+              <a:t>我以禱告來到你跟前</a:t>
+            </a:r>
+          </a:p>
+        </p:txBody>
+      </p:sp>
+      <p:sp>
+        <p:nvSpPr>
+          <p:cNvPr id="3" name="內容版面配置區 2"/>
+          <p:cNvSpPr>
+            <a:spLocks noGrp="1"/>
+          </p:cNvSpPr>
+          <p:nvPr>
+            <p:ph idx="1"/>
+          </p:nvPr>
+        </p:nvSpPr>
+        <p:spPr/>
+        <p:txBody>
+          <a:bodyPr>
+            <a:normAutofit fontScale="92500" lnSpcReduction="10000"/>
+          </a:bodyPr>
+          <a:lstStyle/>
+          <a:p>
+            <a:pPr algn="ctr">
+              <a:buNone/>
+            </a:pPr>
+            <a:r>
+              <a:rPr lang="zh-TW" altLang="en-US" sz="5400" b="1" dirty="0">
+                <a:latin typeface="微軟正黑體" pitchFamily="34" charset="-120"/>
+                <a:ea typeface="微軟正黑體" pitchFamily="34" charset="-120"/>
+              </a:rPr>
+              <a:t>我以禱告來到你</a:t>
+            </a:r>
+            <a:r>
+              <a:rPr lang="zh-TW" altLang="en-US" sz="5400" b="1" dirty="0" smtClean="0">
+                <a:latin typeface="微軟正黑體" pitchFamily="34" charset="-120"/>
+                <a:ea typeface="微軟正黑體" pitchFamily="34" charset="-120"/>
+              </a:rPr>
+              <a:t>跟前</a:t>
+            </a:r>
+            <a:endParaRPr lang="en-US" altLang="zh-TW" sz="5400" b="1" dirty="0" smtClean="0">
+              <a:latin typeface="微軟正黑體" pitchFamily="34" charset="-120"/>
+              <a:ea typeface="微軟正黑體" pitchFamily="34" charset="-120"/>
+            </a:endParaRPr>
+          </a:p>
+          <a:p>
+            <a:pPr algn="ctr">
+              <a:buNone/>
+            </a:pPr>
+            <a:r>
+              <a:rPr lang="zh-TW" altLang="en-US" sz="5400" b="1" dirty="0" smtClean="0">
+                <a:latin typeface="微軟正黑體" pitchFamily="34" charset="-120"/>
+                <a:ea typeface="微軟正黑體" pitchFamily="34" charset="-120"/>
+              </a:rPr>
+              <a:t>我</a:t>
+            </a:r>
+            <a:r>
+              <a:rPr lang="zh-TW" altLang="en-US" sz="5400" b="1" dirty="0">
+                <a:latin typeface="微軟正黑體" pitchFamily="34" charset="-120"/>
+                <a:ea typeface="微軟正黑體" pitchFamily="34" charset="-120"/>
+              </a:rPr>
+              <a:t>要尋求</a:t>
+            </a:r>
+            <a:r>
+              <a:rPr lang="zh-TW" altLang="en-US" sz="5400" b="1" dirty="0" smtClean="0">
+                <a:latin typeface="微軟正黑體" pitchFamily="34" charset="-120"/>
+                <a:ea typeface="微軟正黑體" pitchFamily="34" charset="-120"/>
+              </a:rPr>
+              <a:t>你</a:t>
+            </a:r>
+            <a:endParaRPr lang="en-US" altLang="zh-TW" sz="5400" b="1" dirty="0">
+              <a:latin typeface="微軟正黑體" pitchFamily="34" charset="-120"/>
+              <a:ea typeface="微軟正黑體" pitchFamily="34" charset="-120"/>
+            </a:endParaRPr>
+          </a:p>
+          <a:p>
+            <a:pPr algn="ctr">
+              <a:buNone/>
+            </a:pPr>
+            <a:r>
+              <a:rPr lang="zh-TW" altLang="en-US" sz="5400" b="1" dirty="0" smtClean="0">
+                <a:latin typeface="微軟正黑體" pitchFamily="34" charset="-120"/>
+                <a:ea typeface="微軟正黑體" pitchFamily="34" charset="-120"/>
+              </a:rPr>
+              <a:t>我</a:t>
+            </a:r>
+            <a:r>
+              <a:rPr lang="zh-TW" altLang="en-US" sz="5400" b="1" dirty="0">
+                <a:latin typeface="微軟正黑體" pitchFamily="34" charset="-120"/>
+                <a:ea typeface="微軟正黑體" pitchFamily="34" charset="-120"/>
+              </a:rPr>
+              <a:t>要站在破口</a:t>
+            </a:r>
+            <a:r>
+              <a:rPr lang="zh-TW" altLang="en-US" sz="5400" b="1" dirty="0" smtClean="0">
+                <a:latin typeface="微軟正黑體" pitchFamily="34" charset="-120"/>
+                <a:ea typeface="微軟正黑體" pitchFamily="34" charset="-120"/>
+              </a:rPr>
+              <a:t>之中</a:t>
+            </a:r>
+            <a:endParaRPr lang="en-US" altLang="zh-TW" sz="5400" b="1" dirty="0" smtClean="0">
+              <a:latin typeface="微軟正黑體" pitchFamily="34" charset="-120"/>
+              <a:ea typeface="微軟正黑體" pitchFamily="34" charset="-120"/>
+            </a:endParaRPr>
+          </a:p>
+          <a:p>
+            <a:pPr algn="ctr">
+              <a:buNone/>
+            </a:pPr>
+            <a:r>
+              <a:rPr lang="zh-TW" altLang="en-US" sz="5400" b="1" dirty="0" smtClean="0">
+                <a:latin typeface="微軟正黑體" pitchFamily="34" charset="-120"/>
+                <a:ea typeface="微軟正黑體" pitchFamily="34" charset="-120"/>
+              </a:rPr>
+              <a:t>在</a:t>
+            </a:r>
+            <a:r>
+              <a:rPr lang="zh-TW" altLang="en-US" sz="5400" b="1" dirty="0">
+                <a:latin typeface="微軟正黑體" pitchFamily="34" charset="-120"/>
+                <a:ea typeface="微軟正黑體" pitchFamily="34" charset="-120"/>
+              </a:rPr>
+              <a:t>那裡我</a:t>
+            </a:r>
+            <a:r>
+              <a:rPr lang="zh-TW" altLang="en-US" sz="5400" b="1" dirty="0" smtClean="0">
+                <a:latin typeface="微軟正黑體" pitchFamily="34" charset="-120"/>
+                <a:ea typeface="微軟正黑體" pitchFamily="34" charset="-120"/>
+              </a:rPr>
+              <a:t>尋求你</a:t>
+            </a:r>
+            <a:endParaRPr lang="zh-TW" altLang="en-US" sz="5400" b="1" dirty="0">
+              <a:latin typeface="微軟正黑體" pitchFamily="34" charset="-120"/>
+              <a:ea typeface="微軟正黑體" pitchFamily="34" charset="-120"/>
+            </a:endParaRPr>
+          </a:p>
+        </p:txBody>
+      </p:sp>
+    </p:spTree>
+  </p:cSld>
+  <p:clrMapOvr>
+    <a:masterClrMapping/>
+  </p:clrMapOvr>
+</p:sld>
+</file>
+
+<file path=ppt/slides/slide13.xml><?xml version="1.0" encoding="utf-8"?>
+<p:sld xmlns:a="http://schemas.openxmlformats.org/drawingml/2006/main" xmlns:r="http://schemas.openxmlformats.org/officeDocument/2006/relationships" xmlns:p="http://schemas.openxmlformats.org/presentationml/2006/main">
+  <p:cSld>
+    <p:spTree>
+      <p:nvGrpSpPr>
+        <p:cNvPr id="1" name=""/>
+        <p:cNvGrpSpPr/>
+        <p:nvPr/>
+      </p:nvGrpSpPr>
+      <p:grpSpPr>
+        <a:xfrm>
+          <a:off x="0" y="0"/>
+          <a:ext cx="0" cy="0"/>
+          <a:chOff x="0" y="0"/>
+          <a:chExt cx="0" cy="0"/>
+        </a:xfrm>
+      </p:grpSpPr>
+      <p:sp>
+        <p:nvSpPr>
+          <p:cNvPr id="2" name="標題 1"/>
+          <p:cNvSpPr>
+            <a:spLocks noGrp="1"/>
+          </p:cNvSpPr>
+          <p:nvPr>
+            <p:ph type="title"/>
+          </p:nvPr>
+        </p:nvSpPr>
+        <p:spPr/>
+        <p:txBody>
+          <a:bodyPr/>
+          <a:lstStyle/>
+          <a:p>
+            <a:r>
+              <a:rPr lang="zh-TW" altLang="en-US" b="1" dirty="0">
+                <a:latin typeface="微軟正黑體" pitchFamily="34" charset="-120"/>
+                <a:ea typeface="微軟正黑體" pitchFamily="34" charset="-120"/>
+              </a:rPr>
+              <a:t>我以禱告來到你跟前</a:t>
+            </a:r>
+          </a:p>
+        </p:txBody>
+      </p:sp>
+      <p:sp>
+        <p:nvSpPr>
+          <p:cNvPr id="3" name="內容版面配置區 2"/>
+          <p:cNvSpPr>
+            <a:spLocks noGrp="1"/>
+          </p:cNvSpPr>
+          <p:nvPr>
+            <p:ph idx="1"/>
+          </p:nvPr>
+        </p:nvSpPr>
+        <p:spPr/>
+        <p:txBody>
+          <a:bodyPr>
+            <a:normAutofit/>
+          </a:bodyPr>
+          <a:lstStyle/>
+          <a:p>
+            <a:pPr algn="ctr">
+              <a:buNone/>
+            </a:pPr>
+            <a:r>
+              <a:rPr lang="zh-TW" altLang="en-US" sz="5400" b="1" dirty="0">
+                <a:latin typeface="微軟正黑體" pitchFamily="34" charset="-120"/>
+                <a:ea typeface="微軟正黑體" pitchFamily="34" charset="-120"/>
+              </a:rPr>
+              <a:t>每一次我禱告</a:t>
+            </a:r>
+            <a:endParaRPr lang="en-US" altLang="zh-TW" sz="5400" b="1" dirty="0">
+              <a:latin typeface="微軟正黑體" pitchFamily="34" charset="-120"/>
+              <a:ea typeface="微軟正黑體" pitchFamily="34" charset="-120"/>
+            </a:endParaRPr>
+          </a:p>
+          <a:p>
+            <a:pPr algn="ctr">
+              <a:buNone/>
+            </a:pPr>
+            <a:r>
+              <a:rPr lang="zh-TW" altLang="en-US" sz="5400" b="1" dirty="0">
+                <a:latin typeface="微軟正黑體" pitchFamily="34" charset="-120"/>
+                <a:ea typeface="微軟正黑體" pitchFamily="34" charset="-120"/>
+              </a:rPr>
+              <a:t>我搖動你的手</a:t>
+            </a:r>
+            <a:endParaRPr lang="en-US" altLang="zh-TW" sz="5400" b="1" dirty="0">
+              <a:latin typeface="微軟正黑體" pitchFamily="34" charset="-120"/>
+              <a:ea typeface="微軟正黑體" pitchFamily="34" charset="-120"/>
+            </a:endParaRPr>
+          </a:p>
+          <a:p>
+            <a:pPr algn="ctr">
+              <a:buNone/>
+            </a:pPr>
+            <a:r>
+              <a:rPr lang="zh-TW" altLang="en-US" sz="5400" b="1" dirty="0">
+                <a:latin typeface="微軟正黑體" pitchFamily="34" charset="-120"/>
+                <a:ea typeface="微軟正黑體" pitchFamily="34" charset="-120"/>
+              </a:rPr>
+              <a:t>禱告做的事我的手不能做</a:t>
+            </a:r>
+          </a:p>
+        </p:txBody>
+      </p:sp>
+    </p:spTree>
+  </p:cSld>
+  <p:clrMapOvr>
+    <a:masterClrMapping/>
+  </p:clrMapOvr>
+</p:sld>
+</file>
+
+<file path=ppt/slides/slide14.xml><?xml version="1.0" encoding="utf-8"?>
+<p:sld xmlns:a="http://schemas.openxmlformats.org/drawingml/2006/main" xmlns:r="http://schemas.openxmlformats.org/officeDocument/2006/relationships" xmlns:p="http://schemas.openxmlformats.org/presentationml/2006/main">
+  <p:cSld>
+    <p:spTree>
+      <p:nvGrpSpPr>
+        <p:cNvPr id="1" name=""/>
+        <p:cNvGrpSpPr/>
+        <p:nvPr/>
+      </p:nvGrpSpPr>
+      <p:grpSpPr>
+        <a:xfrm>
+          <a:off x="0" y="0"/>
+          <a:ext cx="0" cy="0"/>
+          <a:chOff x="0" y="0"/>
+          <a:chExt cx="0" cy="0"/>
+        </a:xfrm>
+      </p:grpSpPr>
+      <p:sp>
+        <p:nvSpPr>
+          <p:cNvPr id="2" name="標題 1"/>
+          <p:cNvSpPr>
+            <a:spLocks noGrp="1"/>
+          </p:cNvSpPr>
+          <p:nvPr>
+            <p:ph type="title"/>
+          </p:nvPr>
+        </p:nvSpPr>
+        <p:spPr/>
+        <p:txBody>
+          <a:bodyPr/>
+          <a:lstStyle/>
+          <a:p>
+            <a:r>
+              <a:rPr lang="zh-TW" altLang="en-US" b="1" dirty="0">
+                <a:latin typeface="微軟正黑體" pitchFamily="34" charset="-120"/>
+                <a:ea typeface="微軟正黑體" pitchFamily="34" charset="-120"/>
+              </a:rPr>
+              <a:t>我以禱告來到你跟前</a:t>
+            </a:r>
+          </a:p>
+        </p:txBody>
+      </p:sp>
+      <p:sp>
+        <p:nvSpPr>
+          <p:cNvPr id="3" name="內容版面配置區 2"/>
+          <p:cNvSpPr>
+            <a:spLocks noGrp="1"/>
+          </p:cNvSpPr>
+          <p:nvPr>
+            <p:ph idx="1"/>
+          </p:nvPr>
+        </p:nvSpPr>
+        <p:spPr/>
+        <p:txBody>
+          <a:bodyPr>
+            <a:normAutofit fontScale="92500" lnSpcReduction="10000"/>
+          </a:bodyPr>
+          <a:lstStyle/>
+          <a:p>
+            <a:pPr algn="ctr">
+              <a:buNone/>
+            </a:pPr>
+            <a:r>
+              <a:rPr lang="zh-TW" altLang="en-US" sz="5400" b="1" dirty="0">
+                <a:latin typeface="微軟正黑體" pitchFamily="34" charset="-120"/>
+                <a:ea typeface="微軟正黑體" pitchFamily="34" charset="-120"/>
+              </a:rPr>
+              <a:t>每一次我禱告</a:t>
+            </a:r>
+            <a:endParaRPr lang="en-US" altLang="zh-TW" sz="5400" b="1" dirty="0">
+              <a:latin typeface="微軟正黑體" pitchFamily="34" charset="-120"/>
+              <a:ea typeface="微軟正黑體" pitchFamily="34" charset="-120"/>
+            </a:endParaRPr>
+          </a:p>
+          <a:p>
+            <a:pPr algn="ctr">
+              <a:buNone/>
+            </a:pPr>
+            <a:r>
+              <a:rPr lang="zh-TW" altLang="en-US" sz="5400" b="1" dirty="0">
+                <a:latin typeface="微軟正黑體" pitchFamily="34" charset="-120"/>
+                <a:ea typeface="微軟正黑體" pitchFamily="34" charset="-120"/>
+              </a:rPr>
+              <a:t>大山被挪移</a:t>
+            </a:r>
+            <a:endParaRPr lang="en-US" altLang="zh-TW" sz="5400" b="1" dirty="0">
+              <a:latin typeface="微軟正黑體" pitchFamily="34" charset="-120"/>
+              <a:ea typeface="微軟正黑體" pitchFamily="34" charset="-120"/>
+            </a:endParaRPr>
+          </a:p>
+          <a:p>
+            <a:pPr algn="ctr">
+              <a:buNone/>
+            </a:pPr>
+            <a:r>
+              <a:rPr lang="zh-TW" altLang="en-US" sz="5400" b="1" dirty="0">
+                <a:latin typeface="微軟正黑體" pitchFamily="34" charset="-120"/>
+                <a:ea typeface="微軟正黑體" pitchFamily="34" charset="-120"/>
+              </a:rPr>
+              <a:t>道路被鋪平</a:t>
+            </a:r>
+            <a:endParaRPr lang="en-US" altLang="zh-TW" sz="5400" b="1" dirty="0">
+              <a:latin typeface="微軟正黑體" pitchFamily="34" charset="-120"/>
+              <a:ea typeface="微軟正黑體" pitchFamily="34" charset="-120"/>
+            </a:endParaRPr>
+          </a:p>
+          <a:p>
+            <a:pPr algn="ctr">
+              <a:buNone/>
+            </a:pPr>
+            <a:r>
+              <a:rPr lang="zh-TW" altLang="en-US" sz="5400" b="1" dirty="0">
+                <a:latin typeface="微軟正黑體" pitchFamily="34" charset="-120"/>
+                <a:ea typeface="微軟正黑體" pitchFamily="34" charset="-120"/>
+              </a:rPr>
+              <a:t>使列國歸向你</a:t>
+            </a:r>
+          </a:p>
+        </p:txBody>
+      </p:sp>
+    </p:spTree>
+  </p:cSld>
+  <p:clrMapOvr>
+    <a:masterClrMapping/>
+  </p:clrMapOvr>
+</p:sld>
+</file>
+
+<file path=ppt/slides/slide15.xml><?xml version="1.0" encoding="utf-8"?>
+<p:sld xmlns:a="http://schemas.openxmlformats.org/drawingml/2006/main" xmlns:r="http://schemas.openxmlformats.org/officeDocument/2006/relationships" xmlns:p="http://schemas.openxmlformats.org/presentationml/2006/main">
+  <p:cSld>
+    <p:spTree>
+      <p:nvGrpSpPr>
+        <p:cNvPr id="1" name=""/>
+        <p:cNvGrpSpPr/>
+        <p:nvPr/>
+      </p:nvGrpSpPr>
+      <p:grpSpPr>
+        <a:xfrm>
+          <a:off x="0" y="0"/>
+          <a:ext cx="0" cy="0"/>
+          <a:chOff x="0" y="0"/>
+          <a:chExt cx="0" cy="0"/>
+        </a:xfrm>
+      </p:grpSpPr>
+      <p:sp>
+        <p:nvSpPr>
+          <p:cNvPr id="2" name="標題 1"/>
+          <p:cNvSpPr>
+            <a:spLocks noGrp="1"/>
+          </p:cNvSpPr>
+          <p:nvPr>
+            <p:ph type="title"/>
+          </p:nvPr>
+        </p:nvSpPr>
+        <p:spPr/>
+        <p:txBody>
+          <a:bodyPr/>
+          <a:lstStyle/>
+          <a:p>
+            <a:r>
+              <a:rPr lang="zh-TW" altLang="en-US" b="1" dirty="0">
+                <a:latin typeface="微軟正黑體" pitchFamily="34" charset="-120"/>
+                <a:ea typeface="微軟正黑體" pitchFamily="34" charset="-120"/>
+              </a:rPr>
+              <a:t>我以禱告來到你跟前</a:t>
+            </a:r>
+          </a:p>
+        </p:txBody>
+      </p:sp>
+      <p:sp>
+        <p:nvSpPr>
+          <p:cNvPr id="3" name="內容版面配置區 2"/>
+          <p:cNvSpPr>
+            <a:spLocks noGrp="1"/>
+          </p:cNvSpPr>
+          <p:nvPr>
+            <p:ph idx="1"/>
+          </p:nvPr>
+        </p:nvSpPr>
+        <p:spPr/>
+        <p:txBody>
+          <a:bodyPr>
+            <a:normAutofit fontScale="92500" lnSpcReduction="10000"/>
+          </a:bodyPr>
+          <a:lstStyle/>
+          <a:p>
+            <a:pPr algn="ctr">
+              <a:buNone/>
+            </a:pPr>
+            <a:r>
+              <a:rPr lang="zh-TW" altLang="en-US" sz="5400" b="1" dirty="0">
+                <a:latin typeface="微軟正黑體" pitchFamily="34" charset="-120"/>
+                <a:ea typeface="微軟正黑體" pitchFamily="34" charset="-120"/>
+              </a:rPr>
+              <a:t>主我是軟弱及無助</a:t>
+            </a:r>
+            <a:endParaRPr lang="en-US" altLang="zh-TW" sz="5400" b="1" dirty="0">
+              <a:latin typeface="微軟正黑體" pitchFamily="34" charset="-120"/>
+              <a:ea typeface="微軟正黑體" pitchFamily="34" charset="-120"/>
+            </a:endParaRPr>
+          </a:p>
+          <a:p>
+            <a:pPr algn="ctr">
+              <a:buNone/>
+            </a:pPr>
+            <a:r>
+              <a:rPr lang="zh-TW" altLang="en-US" sz="5400" b="1" dirty="0">
+                <a:latin typeface="微軟正黑體" pitchFamily="34" charset="-120"/>
+                <a:ea typeface="微軟正黑體" pitchFamily="34" charset="-120"/>
+              </a:rPr>
+              <a:t>你卻是我的力量</a:t>
+            </a:r>
+            <a:endParaRPr lang="en-US" altLang="zh-TW" sz="5400" b="1" dirty="0">
+              <a:latin typeface="微軟正黑體" pitchFamily="34" charset="-120"/>
+              <a:ea typeface="微軟正黑體" pitchFamily="34" charset="-120"/>
+            </a:endParaRPr>
+          </a:p>
+          <a:p>
+            <a:pPr algn="ctr">
+              <a:buNone/>
+            </a:pPr>
+            <a:r>
+              <a:rPr lang="zh-TW" altLang="en-US" sz="5400" b="1" dirty="0">
+                <a:latin typeface="微軟正黑體" pitchFamily="34" charset="-120"/>
+                <a:ea typeface="微軟正黑體" pitchFamily="34" charset="-120"/>
+              </a:rPr>
+              <a:t>以你親切的手引導我</a:t>
+            </a:r>
+            <a:endParaRPr lang="en-US" altLang="zh-TW" sz="5400" b="1" dirty="0">
+              <a:latin typeface="微軟正黑體" pitchFamily="34" charset="-120"/>
+              <a:ea typeface="微軟正黑體" pitchFamily="34" charset="-120"/>
+            </a:endParaRPr>
+          </a:p>
+          <a:p>
+            <a:pPr algn="ctr">
+              <a:buNone/>
+            </a:pPr>
+            <a:r>
+              <a:rPr lang="zh-TW" altLang="en-US" sz="5400" b="1" dirty="0">
+                <a:latin typeface="微軟正黑體" pitchFamily="34" charset="-120"/>
+                <a:ea typeface="微軟正黑體" pitchFamily="34" charset="-120"/>
+              </a:rPr>
+              <a:t>那就是我的得勝</a:t>
+            </a:r>
+          </a:p>
+        </p:txBody>
+      </p:sp>
+    </p:spTree>
+  </p:cSld>
+  <p:clrMapOvr>
+    <a:masterClrMapping/>
+  </p:clrMapOvr>
+</p:sld>
+</file>
+
+<file path=ppt/slides/slide16.xml><?xml version="1.0" encoding="utf-8"?>
+<p:sld xmlns:a="http://schemas.openxmlformats.org/drawingml/2006/main" xmlns:r="http://schemas.openxmlformats.org/officeDocument/2006/relationships" xmlns:p="http://schemas.openxmlformats.org/presentationml/2006/main">
+  <p:cSld>
+    <p:spTree>
+      <p:nvGrpSpPr>
+        <p:cNvPr id="1" name=""/>
+        <p:cNvGrpSpPr/>
+        <p:nvPr/>
+      </p:nvGrpSpPr>
+      <p:grpSpPr>
+        <a:xfrm>
+          <a:off x="0" y="0"/>
+          <a:ext cx="0" cy="0"/>
+          <a:chOff x="0" y="0"/>
+          <a:chExt cx="0" cy="0"/>
+        </a:xfrm>
+      </p:grpSpPr>
+      <p:sp>
+        <p:nvSpPr>
+          <p:cNvPr id="2" name="標題 1"/>
+          <p:cNvSpPr>
+            <a:spLocks noGrp="1"/>
+          </p:cNvSpPr>
+          <p:nvPr>
+            <p:ph type="title"/>
+          </p:nvPr>
+        </p:nvSpPr>
+        <p:spPr/>
+        <p:txBody>
+          <a:bodyPr/>
+          <a:lstStyle/>
+          <a:p>
+            <a:r>
+              <a:rPr lang="zh-TW" altLang="en-US" b="1" dirty="0">
+                <a:latin typeface="微軟正黑體" pitchFamily="34" charset="-120"/>
+                <a:ea typeface="微軟正黑體" pitchFamily="34" charset="-120"/>
+              </a:rPr>
+              <a:t>我以禱告來到你跟前</a:t>
+            </a:r>
+          </a:p>
+        </p:txBody>
+      </p:sp>
+      <p:sp>
+        <p:nvSpPr>
+          <p:cNvPr id="3" name="內容版面配置區 2"/>
+          <p:cNvSpPr>
+            <a:spLocks noGrp="1"/>
+          </p:cNvSpPr>
+          <p:nvPr>
+            <p:ph idx="1"/>
+          </p:nvPr>
+        </p:nvSpPr>
+        <p:spPr/>
+        <p:txBody>
+          <a:bodyPr>
+            <a:normAutofit/>
+          </a:bodyPr>
+          <a:lstStyle/>
+          <a:p>
+            <a:pPr algn="ctr">
+              <a:buNone/>
+            </a:pPr>
+            <a:r>
+              <a:rPr lang="zh-TW" altLang="en-US" sz="5400" b="1" dirty="0">
+                <a:latin typeface="微軟正黑體" pitchFamily="34" charset="-120"/>
+                <a:ea typeface="微軟正黑體" pitchFamily="34" charset="-120"/>
+              </a:rPr>
+              <a:t>每一次我禱告</a:t>
+            </a:r>
+            <a:endParaRPr lang="en-US" altLang="zh-TW" sz="5400" b="1" dirty="0">
+              <a:latin typeface="微軟正黑體" pitchFamily="34" charset="-120"/>
+              <a:ea typeface="微軟正黑體" pitchFamily="34" charset="-120"/>
+            </a:endParaRPr>
+          </a:p>
+          <a:p>
+            <a:pPr algn="ctr">
+              <a:buNone/>
+            </a:pPr>
+            <a:r>
+              <a:rPr lang="zh-TW" altLang="en-US" sz="5400" b="1" dirty="0">
+                <a:latin typeface="微軟正黑體" pitchFamily="34" charset="-120"/>
+                <a:ea typeface="微軟正黑體" pitchFamily="34" charset="-120"/>
+              </a:rPr>
+              <a:t>我搖動你的手</a:t>
+            </a:r>
+            <a:endParaRPr lang="en-US" altLang="zh-TW" sz="5400" b="1" dirty="0">
+              <a:latin typeface="微軟正黑體" pitchFamily="34" charset="-120"/>
+              <a:ea typeface="微軟正黑體" pitchFamily="34" charset="-120"/>
+            </a:endParaRPr>
+          </a:p>
+          <a:p>
+            <a:pPr algn="ctr">
+              <a:buNone/>
+            </a:pPr>
+            <a:r>
+              <a:rPr lang="zh-TW" altLang="en-US" sz="5400" b="1" dirty="0">
+                <a:latin typeface="微軟正黑體" pitchFamily="34" charset="-120"/>
+                <a:ea typeface="微軟正黑體" pitchFamily="34" charset="-120"/>
+              </a:rPr>
+              <a:t>禱告做的事我的手不能做</a:t>
+            </a:r>
+          </a:p>
+        </p:txBody>
+      </p:sp>
+    </p:spTree>
+  </p:cSld>
+  <p:clrMapOvr>
+    <a:masterClrMapping/>
+  </p:clrMapOvr>
+</p:sld>
+</file>
+
+<file path=ppt/slides/slide17.xml><?xml version="1.0" encoding="utf-8"?>
+<p:sld xmlns:a="http://schemas.openxmlformats.org/drawingml/2006/main" xmlns:r="http://schemas.openxmlformats.org/officeDocument/2006/relationships" xmlns:p="http://schemas.openxmlformats.org/presentationml/2006/main">
+  <p:cSld>
+    <p:spTree>
+      <p:nvGrpSpPr>
+        <p:cNvPr id="1" name=""/>
+        <p:cNvGrpSpPr/>
+        <p:nvPr/>
+      </p:nvGrpSpPr>
+      <p:grpSpPr>
+        <a:xfrm>
+          <a:off x="0" y="0"/>
+          <a:ext cx="0" cy="0"/>
+          <a:chOff x="0" y="0"/>
+          <a:chExt cx="0" cy="0"/>
+        </a:xfrm>
+      </p:grpSpPr>
+      <p:sp>
+        <p:nvSpPr>
+          <p:cNvPr id="2" name="標題 1"/>
+          <p:cNvSpPr>
+            <a:spLocks noGrp="1"/>
+          </p:cNvSpPr>
+          <p:nvPr>
+            <p:ph type="title"/>
+          </p:nvPr>
+        </p:nvSpPr>
+        <p:spPr/>
+        <p:txBody>
+          <a:bodyPr/>
+          <a:lstStyle/>
+          <a:p>
+            <a:r>
+              <a:rPr lang="zh-TW" altLang="en-US" b="1" dirty="0">
+                <a:latin typeface="微軟正黑體" pitchFamily="34" charset="-120"/>
+                <a:ea typeface="微軟正黑體" pitchFamily="34" charset="-120"/>
+              </a:rPr>
+              <a:t>我以禱告來到你跟前</a:t>
+            </a:r>
+          </a:p>
+        </p:txBody>
+      </p:sp>
+      <p:sp>
+        <p:nvSpPr>
+          <p:cNvPr id="3" name="內容版面配置區 2"/>
+          <p:cNvSpPr>
+            <a:spLocks noGrp="1"/>
+          </p:cNvSpPr>
+          <p:nvPr>
+            <p:ph idx="1"/>
+          </p:nvPr>
+        </p:nvSpPr>
+        <p:spPr/>
+        <p:txBody>
+          <a:bodyPr>
+            <a:normAutofit fontScale="92500" lnSpcReduction="10000"/>
+          </a:bodyPr>
+          <a:lstStyle/>
+          <a:p>
+            <a:pPr algn="ctr">
+              <a:buNone/>
+            </a:pPr>
+            <a:r>
+              <a:rPr lang="zh-TW" altLang="en-US" sz="5400" b="1" dirty="0">
+                <a:latin typeface="微軟正黑體" pitchFamily="34" charset="-120"/>
+                <a:ea typeface="微軟正黑體" pitchFamily="34" charset="-120"/>
+              </a:rPr>
+              <a:t>每一次我禱告</a:t>
+            </a:r>
+            <a:endParaRPr lang="en-US" altLang="zh-TW" sz="5400" b="1" dirty="0">
+              <a:latin typeface="微軟正黑體" pitchFamily="34" charset="-120"/>
+              <a:ea typeface="微軟正黑體" pitchFamily="34" charset="-120"/>
+            </a:endParaRPr>
+          </a:p>
+          <a:p>
+            <a:pPr algn="ctr">
+              <a:buNone/>
+            </a:pPr>
+            <a:r>
+              <a:rPr lang="zh-TW" altLang="en-US" sz="5400" b="1" dirty="0">
+                <a:latin typeface="微軟正黑體" pitchFamily="34" charset="-120"/>
+                <a:ea typeface="微軟正黑體" pitchFamily="34" charset="-120"/>
+              </a:rPr>
+              <a:t>大山被挪移</a:t>
+            </a:r>
+            <a:endParaRPr lang="en-US" altLang="zh-TW" sz="5400" b="1" dirty="0">
+              <a:latin typeface="微軟正黑體" pitchFamily="34" charset="-120"/>
+              <a:ea typeface="微軟正黑體" pitchFamily="34" charset="-120"/>
+            </a:endParaRPr>
+          </a:p>
+          <a:p>
+            <a:pPr algn="ctr">
+              <a:buNone/>
+            </a:pPr>
+            <a:r>
+              <a:rPr lang="zh-TW" altLang="en-US" sz="5400" b="1" dirty="0">
+                <a:latin typeface="微軟正黑體" pitchFamily="34" charset="-120"/>
+                <a:ea typeface="微軟正黑體" pitchFamily="34" charset="-120"/>
+              </a:rPr>
+              <a:t>道路被鋪平</a:t>
+            </a:r>
+            <a:endParaRPr lang="en-US" altLang="zh-TW" sz="5400" b="1" dirty="0">
+              <a:latin typeface="微軟正黑體" pitchFamily="34" charset="-120"/>
+              <a:ea typeface="微軟正黑體" pitchFamily="34" charset="-120"/>
+            </a:endParaRPr>
+          </a:p>
+          <a:p>
+            <a:pPr algn="ctr">
+              <a:buNone/>
+            </a:pPr>
+            <a:r>
+              <a:rPr lang="zh-TW" altLang="en-US" sz="5400" b="1" dirty="0">
+                <a:latin typeface="微軟正黑體" pitchFamily="34" charset="-120"/>
+                <a:ea typeface="微軟正黑體" pitchFamily="34" charset="-120"/>
+              </a:rPr>
+              <a:t>使列國歸向你</a:t>
+            </a:r>
+          </a:p>
+        </p:txBody>
+      </p:sp>
+    </p:spTree>
+  </p:cSld>
+  <p:clrMapOvr>
+    <a:masterClrMapping/>
+  </p:clrMapOvr>
+</p:sld>
+</file>
+
+<file path=ppt/slides/slide18.xml><?xml version="1.0" encoding="utf-8"?>
+<p:sld xmlns:a="http://schemas.openxmlformats.org/drawingml/2006/main" xmlns:r="http://schemas.openxmlformats.org/officeDocument/2006/relationships" xmlns:p="http://schemas.openxmlformats.org/presentationml/2006/main">
+  <p:cSld>
+    <p:spTree>
+      <p:nvGrpSpPr>
+        <p:cNvPr id="1" name=""/>
+        <p:cNvGrpSpPr/>
+        <p:nvPr/>
+      </p:nvGrpSpPr>
+      <p:grpSpPr>
+        <a:xfrm>
+          <a:off x="0" y="0"/>
+          <a:ext cx="0" cy="0"/>
+          <a:chOff x="0" y="0"/>
+          <a:chExt cx="0" cy="0"/>
+        </a:xfrm>
+      </p:grpSpPr>
+      <p:sp>
+        <p:nvSpPr>
+          <p:cNvPr id="2" name="標題 1"/>
+          <p:cNvSpPr>
+            <a:spLocks noGrp="1"/>
+          </p:cNvSpPr>
+          <p:nvPr>
+            <p:ph type="title"/>
+          </p:nvPr>
+        </p:nvSpPr>
+        <p:spPr/>
+        <p:txBody>
+          <a:bodyPr/>
+          <a:lstStyle/>
+          <a:p>
+            <a:r>
+              <a:rPr lang="zh-TW" altLang="en-US" b="1" dirty="0">
+                <a:latin typeface="微軟正黑體" pitchFamily="34" charset="-120"/>
+                <a:ea typeface="微軟正黑體" pitchFamily="34" charset="-120"/>
+              </a:rPr>
+              <a:t>我以禱告來到你跟前</a:t>
+            </a:r>
+          </a:p>
+        </p:txBody>
+      </p:sp>
+      <p:sp>
+        <p:nvSpPr>
+          <p:cNvPr id="3" name="內容版面配置區 2"/>
+          <p:cNvSpPr>
+            <a:spLocks noGrp="1"/>
+          </p:cNvSpPr>
+          <p:nvPr>
+            <p:ph idx="1"/>
+          </p:nvPr>
+        </p:nvSpPr>
+        <p:spPr/>
+        <p:txBody>
+          <a:bodyPr>
+            <a:normAutofit/>
+          </a:bodyPr>
+          <a:lstStyle/>
+          <a:p>
+            <a:pPr algn="ctr">
+              <a:buNone/>
+            </a:pPr>
+            <a:r>
+              <a:rPr lang="zh-TW" altLang="en-US" sz="5400" b="1" dirty="0">
+                <a:latin typeface="微軟正黑體" pitchFamily="34" charset="-120"/>
+                <a:ea typeface="微軟正黑體" pitchFamily="34" charset="-120"/>
+              </a:rPr>
+              <a:t>每一次我禱告</a:t>
+            </a:r>
+            <a:endParaRPr lang="en-US" altLang="zh-TW" sz="5400" b="1" dirty="0">
+              <a:latin typeface="微軟正黑體" pitchFamily="34" charset="-120"/>
+              <a:ea typeface="微軟正黑體" pitchFamily="34" charset="-120"/>
+            </a:endParaRPr>
+          </a:p>
+          <a:p>
+            <a:pPr algn="ctr">
+              <a:buNone/>
+            </a:pPr>
+            <a:r>
+              <a:rPr lang="zh-TW" altLang="en-US" sz="5400" b="1" dirty="0">
+                <a:latin typeface="微軟正黑體" pitchFamily="34" charset="-120"/>
+                <a:ea typeface="微軟正黑體" pitchFamily="34" charset="-120"/>
+              </a:rPr>
+              <a:t>我搖動你的手</a:t>
+            </a:r>
+            <a:endParaRPr lang="en-US" altLang="zh-TW" sz="5400" b="1" dirty="0">
+              <a:latin typeface="微軟正黑體" pitchFamily="34" charset="-120"/>
+              <a:ea typeface="微軟正黑體" pitchFamily="34" charset="-120"/>
+            </a:endParaRPr>
+          </a:p>
+          <a:p>
+            <a:pPr algn="ctr">
+              <a:buNone/>
+            </a:pPr>
+            <a:r>
+              <a:rPr lang="zh-TW" altLang="en-US" sz="5400" b="1" dirty="0">
+                <a:latin typeface="微軟正黑體" pitchFamily="34" charset="-120"/>
+                <a:ea typeface="微軟正黑體" pitchFamily="34" charset="-120"/>
+              </a:rPr>
+              <a:t>禱告做的事我的手不能做</a:t>
+            </a:r>
+          </a:p>
+        </p:txBody>
+      </p:sp>
+    </p:spTree>
+  </p:cSld>
+  <p:clrMapOvr>
+    <a:masterClrMapping/>
+  </p:clrMapOvr>
+</p:sld>
+</file>
+
+<file path=ppt/slides/slide19.xml><?xml version="1.0" encoding="utf-8"?>
+<p:sld xmlns:a="http://schemas.openxmlformats.org/drawingml/2006/main" xmlns:r="http://schemas.openxmlformats.org/officeDocument/2006/relationships" xmlns:p="http://schemas.openxmlformats.org/presentationml/2006/main">
+  <p:cSld>
+    <p:spTree>
+      <p:nvGrpSpPr>
+        <p:cNvPr id="1" name=""/>
+        <p:cNvGrpSpPr/>
+        <p:nvPr/>
+      </p:nvGrpSpPr>
+      <p:grpSpPr>
+        <a:xfrm>
+          <a:off x="0" y="0"/>
+          <a:ext cx="0" cy="0"/>
+          <a:chOff x="0" y="0"/>
+          <a:chExt cx="0" cy="0"/>
+        </a:xfrm>
+      </p:grpSpPr>
+      <p:sp>
+        <p:nvSpPr>
+          <p:cNvPr id="2" name="標題 1"/>
+          <p:cNvSpPr>
+            <a:spLocks noGrp="1"/>
+          </p:cNvSpPr>
+          <p:nvPr>
+            <p:ph type="title"/>
+          </p:nvPr>
+        </p:nvSpPr>
+        <p:spPr/>
+        <p:txBody>
+          <a:bodyPr/>
+          <a:lstStyle/>
+          <a:p>
+            <a:r>
+              <a:rPr lang="zh-TW" altLang="en-US" b="1" dirty="0">
+                <a:latin typeface="微軟正黑體" pitchFamily="34" charset="-120"/>
+                <a:ea typeface="微軟正黑體" pitchFamily="34" charset="-120"/>
+              </a:rPr>
+              <a:t>我以禱告來到你跟前</a:t>
+            </a:r>
+          </a:p>
+        </p:txBody>
+      </p:sp>
+      <p:sp>
+        <p:nvSpPr>
+          <p:cNvPr id="3" name="內容版面配置區 2"/>
+          <p:cNvSpPr>
+            <a:spLocks noGrp="1"/>
+          </p:cNvSpPr>
+          <p:nvPr>
+            <p:ph idx="1"/>
+          </p:nvPr>
+        </p:nvSpPr>
+        <p:spPr/>
+        <p:txBody>
+          <a:bodyPr>
+            <a:normAutofit fontScale="92500" lnSpcReduction="10000"/>
+          </a:bodyPr>
+          <a:lstStyle/>
+          <a:p>
+            <a:pPr algn="ctr">
+              <a:buNone/>
+            </a:pPr>
+            <a:r>
+              <a:rPr lang="zh-TW" altLang="en-US" sz="5400" b="1" dirty="0">
+                <a:latin typeface="微軟正黑體" pitchFamily="34" charset="-120"/>
+                <a:ea typeface="微軟正黑體" pitchFamily="34" charset="-120"/>
+              </a:rPr>
+              <a:t>每一次我禱告</a:t>
+            </a:r>
+            <a:endParaRPr lang="en-US" altLang="zh-TW" sz="5400" b="1" dirty="0">
+              <a:latin typeface="微軟正黑體" pitchFamily="34" charset="-120"/>
+              <a:ea typeface="微軟正黑體" pitchFamily="34" charset="-120"/>
+            </a:endParaRPr>
+          </a:p>
+          <a:p>
+            <a:pPr algn="ctr">
+              <a:buNone/>
+            </a:pPr>
+            <a:r>
+              <a:rPr lang="zh-TW" altLang="en-US" sz="5400" b="1" dirty="0">
+                <a:latin typeface="微軟正黑體" pitchFamily="34" charset="-120"/>
+                <a:ea typeface="微軟正黑體" pitchFamily="34" charset="-120"/>
+              </a:rPr>
+              <a:t>大山被挪移</a:t>
+            </a:r>
+            <a:endParaRPr lang="en-US" altLang="zh-TW" sz="5400" b="1" dirty="0">
+              <a:latin typeface="微軟正黑體" pitchFamily="34" charset="-120"/>
+              <a:ea typeface="微軟正黑體" pitchFamily="34" charset="-120"/>
+            </a:endParaRPr>
+          </a:p>
+          <a:p>
+            <a:pPr algn="ctr">
+              <a:buNone/>
+            </a:pPr>
+            <a:r>
+              <a:rPr lang="zh-TW" altLang="en-US" sz="5400" b="1" dirty="0">
+                <a:latin typeface="微軟正黑體" pitchFamily="34" charset="-120"/>
+                <a:ea typeface="微軟正黑體" pitchFamily="34" charset="-120"/>
+              </a:rPr>
+              <a:t>道路被鋪平</a:t>
+            </a:r>
+            <a:endParaRPr lang="en-US" altLang="zh-TW" sz="5400" b="1" dirty="0">
+              <a:latin typeface="微軟正黑體" pitchFamily="34" charset="-120"/>
+              <a:ea typeface="微軟正黑體" pitchFamily="34" charset="-120"/>
+            </a:endParaRPr>
+          </a:p>
+          <a:p>
+            <a:pPr algn="ctr">
+              <a:buNone/>
+            </a:pPr>
+            <a:r>
+              <a:rPr lang="zh-TW" altLang="en-US" sz="5400" b="1" dirty="0">
+                <a:latin typeface="微軟正黑體" pitchFamily="34" charset="-120"/>
+                <a:ea typeface="微軟正黑體" pitchFamily="34" charset="-120"/>
+              </a:rPr>
+              <a:t>使列國歸向你</a:t>
+            </a:r>
+          </a:p>
+        </p:txBody>
+      </p:sp>
+    </p:spTree>
+  </p:cSld>
+  <p:clrMapOvr>
+    <a:masterClrMapping/>
+  </p:clrMapOvr>
+</p:sld>
+</file>
+
 <file path=ppt/slides/slide2.xml><?xml version="1.0" encoding="utf-8"?>
 <p:sld xmlns:a="http://schemas.openxmlformats.org/drawingml/2006/main" xmlns:r="http://schemas.openxmlformats.org/officeDocument/2006/relationships" xmlns:p="http://schemas.openxmlformats.org/presentationml/2006/main">
   <p:cSld>
@@ -3295,13 +4671,6 @@
               </a:rPr>
               <a:t>我的心你要稱頌耶和華</a:t>
             </a:r>
-            <a:endParaRPr lang="zh-TW" altLang="en-US" sz="4000" b="1" dirty="0">
-              <a:solidFill>
-                <a:srgbClr val="000066"/>
-              </a:solidFill>
-              <a:latin typeface="微軟正黑體" pitchFamily="34" charset="-120"/>
-              <a:ea typeface="微軟正黑體" pitchFamily="34" charset="-120"/>
-            </a:endParaRPr>
           </a:p>
         </p:txBody>
       </p:sp>
@@ -3456,13 +4825,6 @@
               </a:rPr>
               <a:t>我的心你要稱頌耶和華</a:t>
             </a:r>
-            <a:endParaRPr lang="zh-TW" altLang="en-US" sz="4000" b="1" dirty="0">
-              <a:solidFill>
-                <a:srgbClr val="000066"/>
-              </a:solidFill>
-              <a:latin typeface="微軟正黑體" pitchFamily="34" charset="-120"/>
-              <a:ea typeface="微軟正黑體" pitchFamily="34" charset="-120"/>
-            </a:endParaRPr>
           </a:p>
         </p:txBody>
       </p:sp>
@@ -3617,6 +4979,160 @@
               </a:rPr>
               <a:t>我的心你要稱頌耶和華</a:t>
             </a:r>
+          </a:p>
+        </p:txBody>
+      </p:sp>
+      <p:sp>
+        <p:nvSpPr>
+          <p:cNvPr id="5" name="內容版面配置區 4"/>
+          <p:cNvSpPr>
+            <a:spLocks noGrp="1"/>
+          </p:cNvSpPr>
+          <p:nvPr>
+            <p:ph idx="1"/>
+          </p:nvPr>
+        </p:nvSpPr>
+        <p:spPr/>
+        <p:txBody>
+          <a:bodyPr>
+            <a:noAutofit/>
+          </a:bodyPr>
+          <a:lstStyle/>
+          <a:p>
+            <a:pPr algn="ctr">
+              <a:buNone/>
+            </a:pPr>
+            <a:r>
+              <a:rPr lang="zh-TW" altLang="en-US" sz="4800" b="1" dirty="0">
+                <a:solidFill>
+                  <a:srgbClr val="000066"/>
+                </a:solidFill>
+                <a:latin typeface="微軟正黑體" pitchFamily="34" charset="-120"/>
+                <a:ea typeface="微軟正黑體" pitchFamily="34" charset="-120"/>
+              </a:rPr>
+              <a:t>耶和華有憐憫的愛</a:t>
+            </a:r>
+            <a:endParaRPr lang="en-US" altLang="zh-TW" sz="4800" b="1" dirty="0">
+              <a:solidFill>
+                <a:srgbClr val="000066"/>
+              </a:solidFill>
+              <a:latin typeface="微軟正黑體" pitchFamily="34" charset="-120"/>
+              <a:ea typeface="微軟正黑體" pitchFamily="34" charset="-120"/>
+            </a:endParaRPr>
+          </a:p>
+          <a:p>
+            <a:pPr algn="ctr">
+              <a:buNone/>
+            </a:pPr>
+            <a:r>
+              <a:rPr lang="zh-TW" altLang="en-US" sz="4800" b="1" dirty="0">
+                <a:solidFill>
+                  <a:srgbClr val="000066"/>
+                </a:solidFill>
+                <a:latin typeface="微軟正黑體" pitchFamily="34" charset="-120"/>
+                <a:ea typeface="微軟正黑體" pitchFamily="34" charset="-120"/>
+              </a:rPr>
+              <a:t>且有豐盛無盡的恩典</a:t>
+            </a:r>
+            <a:endParaRPr lang="en-US" altLang="zh-TW" sz="4800" b="1" dirty="0">
+              <a:solidFill>
+                <a:srgbClr val="000066"/>
+              </a:solidFill>
+              <a:latin typeface="微軟正黑體" pitchFamily="34" charset="-120"/>
+              <a:ea typeface="微軟正黑體" pitchFamily="34" charset="-120"/>
+            </a:endParaRPr>
+          </a:p>
+          <a:p>
+            <a:pPr algn="ctr">
+              <a:buNone/>
+            </a:pPr>
+            <a:r>
+              <a:rPr lang="zh-TW" altLang="en-US" sz="4800" b="1" dirty="0">
+                <a:solidFill>
+                  <a:srgbClr val="000066"/>
+                </a:solidFill>
+                <a:latin typeface="微軟正黑體" pitchFamily="34" charset="-120"/>
+                <a:ea typeface="微軟正黑體" pitchFamily="34" charset="-120"/>
+              </a:rPr>
+              <a:t>從亙古直到永遠</a:t>
+            </a:r>
+            <a:endParaRPr lang="en-US" altLang="zh-TW" sz="4800" b="1" dirty="0">
+              <a:solidFill>
+                <a:srgbClr val="000066"/>
+              </a:solidFill>
+              <a:latin typeface="微軟正黑體" pitchFamily="34" charset="-120"/>
+              <a:ea typeface="微軟正黑體" pitchFamily="34" charset="-120"/>
+            </a:endParaRPr>
+          </a:p>
+          <a:p>
+            <a:pPr algn="ctr">
+              <a:buNone/>
+            </a:pPr>
+            <a:r>
+              <a:rPr lang="zh-TW" altLang="en-US" sz="4800" b="1" dirty="0">
+                <a:solidFill>
+                  <a:srgbClr val="000066"/>
+                </a:solidFill>
+                <a:latin typeface="微軟正黑體" pitchFamily="34" charset="-120"/>
+                <a:ea typeface="微軟正黑體" pitchFamily="34" charset="-120"/>
+              </a:rPr>
+              <a:t>耶和華祂是我的神</a:t>
+            </a:r>
+          </a:p>
+        </p:txBody>
+      </p:sp>
+    </p:spTree>
+  </p:cSld>
+  <p:clrMapOvr>
+    <a:masterClrMapping/>
+  </p:clrMapOvr>
+</p:sld>
+</file>
+
+<file path=ppt/slides/slide5.xml><?xml version="1.0" encoding="utf-8"?>
+<p:sld xmlns:a="http://schemas.openxmlformats.org/drawingml/2006/main" xmlns:r="http://schemas.openxmlformats.org/officeDocument/2006/relationships" xmlns:p="http://schemas.openxmlformats.org/presentationml/2006/main">
+  <p:cSld>
+    <p:spTree>
+      <p:nvGrpSpPr>
+        <p:cNvPr id="1" name=""/>
+        <p:cNvGrpSpPr/>
+        <p:nvPr/>
+      </p:nvGrpSpPr>
+      <p:grpSpPr>
+        <a:xfrm>
+          <a:off x="0" y="0"/>
+          <a:ext cx="0" cy="0"/>
+          <a:chOff x="0" y="0"/>
+          <a:chExt cx="0" cy="0"/>
+        </a:xfrm>
+      </p:grpSpPr>
+      <p:sp>
+        <p:nvSpPr>
+          <p:cNvPr id="4" name="標題 3"/>
+          <p:cNvSpPr>
+            <a:spLocks noGrp="1"/>
+          </p:cNvSpPr>
+          <p:nvPr>
+            <p:ph type="title"/>
+          </p:nvPr>
+        </p:nvSpPr>
+        <p:spPr/>
+        <p:txBody>
+          <a:bodyPr>
+            <a:normAutofit/>
+          </a:bodyPr>
+          <a:lstStyle/>
+          <a:p>
+            <a:r>
+              <a:rPr lang="zh-TW" altLang="en-US" sz="4000" b="1" dirty="0" smtClean="0">
+                <a:solidFill>
+                  <a:srgbClr val="000066"/>
+                </a:solidFill>
+                <a:latin typeface="微軟正黑體" pitchFamily="34" charset="-120"/>
+                <a:ea typeface="微軟正黑體" pitchFamily="34" charset="-120"/>
+              </a:rPr>
+              <a:t>我的心你要稱頌耶和華</a:t>
+            </a:r>
             <a:endParaRPr lang="zh-TW" altLang="en-US" sz="4000" b="1" dirty="0">
               <a:solidFill>
                 <a:srgbClr val="000066"/>
@@ -3655,7 +5171,59 @@
                 <a:latin typeface="微軟正黑體" pitchFamily="34" charset="-120"/>
                 <a:ea typeface="微軟正黑體" pitchFamily="34" charset="-120"/>
               </a:rPr>
-              <a:t>耶和華有憐憫的愛</a:t>
+              <a:t>我的心你要稱頌</a:t>
+            </a:r>
+            <a:r>
+              <a:rPr lang="zh-TW" altLang="en-US" sz="4800" b="1" dirty="0" smtClean="0">
+                <a:solidFill>
+                  <a:srgbClr val="000066"/>
+                </a:solidFill>
+                <a:latin typeface="微軟正黑體" pitchFamily="34" charset="-120"/>
+                <a:ea typeface="微軟正黑體" pitchFamily="34" charset="-120"/>
+              </a:rPr>
+              <a:t>耶和華</a:t>
+            </a:r>
+            <a:endParaRPr lang="en-US" altLang="zh-TW" sz="4800" b="1" dirty="0" smtClean="0">
+              <a:solidFill>
+                <a:srgbClr val="000066"/>
+              </a:solidFill>
+              <a:latin typeface="微軟正黑體" pitchFamily="34" charset="-120"/>
+              <a:ea typeface="微軟正黑體" pitchFamily="34" charset="-120"/>
+            </a:endParaRPr>
+          </a:p>
+          <a:p>
+            <a:pPr algn="ctr">
+              <a:buNone/>
+            </a:pPr>
+            <a:r>
+              <a:rPr lang="zh-TW" altLang="en-US" sz="4800" b="1" dirty="0" smtClean="0">
+                <a:solidFill>
+                  <a:srgbClr val="000066"/>
+                </a:solidFill>
+                <a:latin typeface="微軟正黑體" pitchFamily="34" charset="-120"/>
+                <a:ea typeface="微軟正黑體" pitchFamily="34" charset="-120"/>
+              </a:rPr>
+              <a:t>不可</a:t>
+            </a:r>
+            <a:r>
+              <a:rPr lang="zh-TW" altLang="en-US" sz="4800" b="1" dirty="0">
+                <a:solidFill>
+                  <a:srgbClr val="000066"/>
+                </a:solidFill>
+                <a:latin typeface="微軟正黑體" pitchFamily="34" charset="-120"/>
+                <a:ea typeface="微軟正黑體" pitchFamily="34" charset="-120"/>
+              </a:rPr>
+              <a:t>忘記祂的</a:t>
+            </a:r>
+            <a:r>
+              <a:rPr lang="zh-TW" altLang="en-US" sz="4800" b="1" dirty="0" smtClean="0">
+                <a:solidFill>
+                  <a:srgbClr val="000066"/>
+                </a:solidFill>
+                <a:latin typeface="微軟正黑體" pitchFamily="34" charset="-120"/>
+                <a:ea typeface="微軟正黑體" pitchFamily="34" charset="-120"/>
+              </a:rPr>
+              <a:t>恩惠</a:t>
             </a:r>
             <a:endParaRPr lang="en-US" altLang="zh-TW" sz="4800" b="1" dirty="0">
               <a:solidFill>
@@ -3670,6 +5238,16 @@
               <a:buNone/>
             </a:pPr>
             <a:r>
+              <a:rPr lang="zh-TW" altLang="en-US" sz="4800" b="1" dirty="0" smtClean="0">
+                <a:solidFill>
+                  <a:srgbClr val="000066"/>
+                </a:solidFill>
+                <a:latin typeface="微軟正黑體" pitchFamily="34" charset="-120"/>
+                <a:ea typeface="微軟正黑體" pitchFamily="34" charset="-120"/>
+              </a:rPr>
+              <a:t>祂</a:t>
+            </a:r>
+            <a:r>
               <a:rPr lang="zh-TW" altLang="en-US" sz="4800" b="1" dirty="0">
                 <a:solidFill>
                   <a:srgbClr val="000066"/>
@@ -3677,7 +5255,137 @@
                 <a:latin typeface="微軟正黑體" pitchFamily="34" charset="-120"/>
                 <a:ea typeface="微軟正黑體" pitchFamily="34" charset="-120"/>
               </a:rPr>
-              <a:t>且有豐盛無盡的恩典</a:t>
+              <a:t>赦免你一切過犯</a:t>
+            </a:r>
+            <a:r>
+              <a:rPr lang="zh-TW" altLang="en-US" sz="4800" b="1" dirty="0" smtClean="0">
+                <a:solidFill>
+                  <a:srgbClr val="000066"/>
+                </a:solidFill>
+                <a:latin typeface="微軟正黑體" pitchFamily="34" charset="-120"/>
+                <a:ea typeface="微軟正黑體" pitchFamily="34" charset="-120"/>
+              </a:rPr>
+              <a:t>罪孽</a:t>
+            </a:r>
+            <a:endParaRPr lang="en-US" altLang="zh-TW" sz="4800" b="1" dirty="0" smtClean="0">
+              <a:solidFill>
+                <a:srgbClr val="000066"/>
+              </a:solidFill>
+              <a:latin typeface="微軟正黑體" pitchFamily="34" charset="-120"/>
+              <a:ea typeface="微軟正黑體" pitchFamily="34" charset="-120"/>
+            </a:endParaRPr>
+          </a:p>
+          <a:p>
+            <a:pPr algn="ctr">
+              <a:buNone/>
+            </a:pPr>
+            <a:r>
+              <a:rPr lang="zh-TW" altLang="en-US" sz="4800" b="1" dirty="0" smtClean="0">
+                <a:solidFill>
+                  <a:srgbClr val="000066"/>
+                </a:solidFill>
+                <a:latin typeface="微軟正黑體" pitchFamily="34" charset="-120"/>
+                <a:ea typeface="微軟正黑體" pitchFamily="34" charset="-120"/>
+              </a:rPr>
+              <a:t>醫治</a:t>
+            </a:r>
+            <a:r>
+              <a:rPr lang="zh-TW" altLang="en-US" sz="4800" b="1" dirty="0">
+                <a:solidFill>
+                  <a:srgbClr val="000066"/>
+                </a:solidFill>
+                <a:latin typeface="微軟正黑體" pitchFamily="34" charset="-120"/>
+                <a:ea typeface="微軟正黑體" pitchFamily="34" charset="-120"/>
+              </a:rPr>
+              <a:t>你疾病復原</a:t>
+            </a:r>
+          </a:p>
+        </p:txBody>
+      </p:sp>
+    </p:spTree>
+  </p:cSld>
+  <p:clrMapOvr>
+    <a:masterClrMapping/>
+  </p:clrMapOvr>
+</p:sld>
+</file>
+
+<file path=ppt/slides/slide6.xml><?xml version="1.0" encoding="utf-8"?>
+<p:sld xmlns:a="http://schemas.openxmlformats.org/drawingml/2006/main" xmlns:r="http://schemas.openxmlformats.org/officeDocument/2006/relationships" xmlns:p="http://schemas.openxmlformats.org/presentationml/2006/main">
+  <p:cSld>
+    <p:spTree>
+      <p:nvGrpSpPr>
+        <p:cNvPr id="1" name=""/>
+        <p:cNvGrpSpPr/>
+        <p:nvPr/>
+      </p:nvGrpSpPr>
+      <p:grpSpPr>
+        <a:xfrm>
+          <a:off x="0" y="0"/>
+          <a:ext cx="0" cy="0"/>
+          <a:chOff x="0" y="0"/>
+          <a:chExt cx="0" cy="0"/>
+        </a:xfrm>
+      </p:grpSpPr>
+      <p:sp>
+        <p:nvSpPr>
+          <p:cNvPr id="4" name="標題 3"/>
+          <p:cNvSpPr>
+            <a:spLocks noGrp="1"/>
+          </p:cNvSpPr>
+          <p:nvPr>
+            <p:ph type="title"/>
+          </p:nvPr>
+        </p:nvSpPr>
+        <p:spPr/>
+        <p:txBody>
+          <a:bodyPr>
+            <a:normAutofit/>
+          </a:bodyPr>
+          <a:lstStyle/>
+          <a:p>
+            <a:r>
+              <a:rPr lang="zh-TW" altLang="en-US" sz="4000" b="1" dirty="0">
+                <a:solidFill>
+                  <a:srgbClr val="000066"/>
+                </a:solidFill>
+                <a:latin typeface="微軟正黑體" pitchFamily="34" charset="-120"/>
+                <a:ea typeface="微軟正黑體" pitchFamily="34" charset="-120"/>
+              </a:rPr>
+              <a:t>我的心你要稱頌耶和華</a:t>
+            </a:r>
+          </a:p>
+        </p:txBody>
+      </p:sp>
+      <p:sp>
+        <p:nvSpPr>
+          <p:cNvPr id="5" name="內容版面配置區 4"/>
+          <p:cNvSpPr>
+            <a:spLocks noGrp="1"/>
+          </p:cNvSpPr>
+          <p:nvPr>
+            <p:ph idx="1"/>
+          </p:nvPr>
+        </p:nvSpPr>
+        <p:spPr/>
+        <p:txBody>
+          <a:bodyPr>
+            <a:noAutofit/>
+          </a:bodyPr>
+          <a:lstStyle/>
+          <a:p>
+            <a:pPr algn="ctr">
+              <a:buNone/>
+            </a:pPr>
+            <a:r>
+              <a:rPr lang="zh-TW" altLang="en-US" sz="4800" b="1" dirty="0">
+                <a:solidFill>
+                  <a:srgbClr val="000066"/>
+                </a:solidFill>
+                <a:latin typeface="微軟正黑體" pitchFamily="34" charset="-120"/>
+                <a:ea typeface="微軟正黑體" pitchFamily="34" charset="-120"/>
+              </a:rPr>
+              <a:t>我的心你要稱頌耶和華</a:t>
             </a:r>
             <a:endParaRPr lang="en-US" altLang="zh-TW" sz="4800" b="1" dirty="0">
               <a:solidFill>
@@ -3699,7 +5407,7 @@
                 <a:latin typeface="微軟正黑體" pitchFamily="34" charset="-120"/>
                 <a:ea typeface="微軟正黑體" pitchFamily="34" charset="-120"/>
               </a:rPr>
-              <a:t>從亙古直到永遠</a:t>
+              <a:t>不可忘記祂的恩惠</a:t>
             </a:r>
             <a:endParaRPr lang="en-US" altLang="zh-TW" sz="4800" b="1" dirty="0">
               <a:solidFill>
@@ -3721,7 +5429,491 @@
                 <a:latin typeface="微軟正黑體" pitchFamily="34" charset="-120"/>
                 <a:ea typeface="微軟正黑體" pitchFamily="34" charset="-120"/>
               </a:rPr>
+              <a:t>祂以仁愛慈悲為你冠冕</a:t>
+            </a:r>
+            <a:endParaRPr lang="en-US" altLang="zh-TW" sz="4800" b="1" dirty="0">
+              <a:solidFill>
+                <a:srgbClr val="000066"/>
+              </a:solidFill>
+              <a:latin typeface="微軟正黑體" pitchFamily="34" charset="-120"/>
+              <a:ea typeface="微軟正黑體" pitchFamily="34" charset="-120"/>
+            </a:endParaRPr>
+          </a:p>
+          <a:p>
+            <a:pPr algn="ctr">
+              <a:buNone/>
+            </a:pPr>
+            <a:r>
+              <a:rPr lang="zh-TW" altLang="en-US" sz="4800" b="1" dirty="0">
+                <a:solidFill>
+                  <a:srgbClr val="000066"/>
+                </a:solidFill>
+                <a:latin typeface="微軟正黑體" pitchFamily="34" charset="-120"/>
+                <a:ea typeface="微軟正黑體" pitchFamily="34" charset="-120"/>
+              </a:rPr>
+              <a:t>為受屈的人伸冤</a:t>
+            </a:r>
+          </a:p>
+        </p:txBody>
+      </p:sp>
+    </p:spTree>
+  </p:cSld>
+  <p:clrMapOvr>
+    <a:masterClrMapping/>
+  </p:clrMapOvr>
+</p:sld>
+</file>
+
+<file path=ppt/slides/slide7.xml><?xml version="1.0" encoding="utf-8"?>
+<p:sld xmlns:a="http://schemas.openxmlformats.org/drawingml/2006/main" xmlns:r="http://schemas.openxmlformats.org/officeDocument/2006/relationships" xmlns:p="http://schemas.openxmlformats.org/presentationml/2006/main">
+  <p:cSld>
+    <p:spTree>
+      <p:nvGrpSpPr>
+        <p:cNvPr id="1" name=""/>
+        <p:cNvGrpSpPr/>
+        <p:nvPr/>
+      </p:nvGrpSpPr>
+      <p:grpSpPr>
+        <a:xfrm>
+          <a:off x="0" y="0"/>
+          <a:ext cx="0" cy="0"/>
+          <a:chOff x="0" y="0"/>
+          <a:chExt cx="0" cy="0"/>
+        </a:xfrm>
+      </p:grpSpPr>
+      <p:sp>
+        <p:nvSpPr>
+          <p:cNvPr id="4" name="標題 3"/>
+          <p:cNvSpPr>
+            <a:spLocks noGrp="1"/>
+          </p:cNvSpPr>
+          <p:nvPr>
+            <p:ph type="title"/>
+          </p:nvPr>
+        </p:nvSpPr>
+        <p:spPr/>
+        <p:txBody>
+          <a:bodyPr>
+            <a:normAutofit/>
+          </a:bodyPr>
+          <a:lstStyle/>
+          <a:p>
+            <a:r>
+              <a:rPr lang="zh-TW" altLang="en-US" sz="4000" b="1" dirty="0">
+                <a:solidFill>
+                  <a:srgbClr val="000066"/>
+                </a:solidFill>
+                <a:latin typeface="微軟正黑體" pitchFamily="34" charset="-120"/>
+                <a:ea typeface="微軟正黑體" pitchFamily="34" charset="-120"/>
+              </a:rPr>
+              <a:t>我的心你要稱頌耶和華</a:t>
+            </a:r>
+          </a:p>
+        </p:txBody>
+      </p:sp>
+      <p:sp>
+        <p:nvSpPr>
+          <p:cNvPr id="5" name="內容版面配置區 4"/>
+          <p:cNvSpPr>
+            <a:spLocks noGrp="1"/>
+          </p:cNvSpPr>
+          <p:nvPr>
+            <p:ph idx="1"/>
+          </p:nvPr>
+        </p:nvSpPr>
+        <p:spPr/>
+        <p:txBody>
+          <a:bodyPr>
+            <a:noAutofit/>
+          </a:bodyPr>
+          <a:lstStyle/>
+          <a:p>
+            <a:pPr algn="ctr">
+              <a:buNone/>
+            </a:pPr>
+            <a:r>
+              <a:rPr lang="zh-TW" altLang="en-US" sz="4800" b="1" dirty="0">
+                <a:solidFill>
+                  <a:srgbClr val="000066"/>
+                </a:solidFill>
+                <a:latin typeface="微軟正黑體" pitchFamily="34" charset="-120"/>
+                <a:ea typeface="微軟正黑體" pitchFamily="34" charset="-120"/>
+              </a:rPr>
+              <a:t>天離地有何等的高</a:t>
+            </a:r>
+            <a:endParaRPr lang="en-US" altLang="zh-TW" sz="4800" b="1" dirty="0">
+              <a:solidFill>
+                <a:srgbClr val="000066"/>
+              </a:solidFill>
+              <a:latin typeface="微軟正黑體" pitchFamily="34" charset="-120"/>
+              <a:ea typeface="微軟正黑體" pitchFamily="34" charset="-120"/>
+            </a:endParaRPr>
+          </a:p>
+          <a:p>
+            <a:pPr algn="ctr">
+              <a:buNone/>
+            </a:pPr>
+            <a:r>
+              <a:rPr lang="zh-TW" altLang="en-US" sz="4800" b="1" dirty="0">
+                <a:solidFill>
+                  <a:srgbClr val="000066"/>
+                </a:solidFill>
+                <a:latin typeface="微軟正黑體" pitchFamily="34" charset="-120"/>
+                <a:ea typeface="微軟正黑體" pitchFamily="34" charset="-120"/>
+              </a:rPr>
+              <a:t>祂的慈愛也何等的深</a:t>
+            </a:r>
+            <a:endParaRPr lang="en-US" altLang="zh-TW" sz="4800" b="1" dirty="0">
+              <a:solidFill>
+                <a:srgbClr val="000066"/>
+              </a:solidFill>
+              <a:latin typeface="微軟正黑體" pitchFamily="34" charset="-120"/>
+              <a:ea typeface="微軟正黑體" pitchFamily="34" charset="-120"/>
+            </a:endParaRPr>
+          </a:p>
+          <a:p>
+            <a:pPr algn="ctr">
+              <a:buNone/>
+            </a:pPr>
+            <a:r>
+              <a:rPr lang="zh-TW" altLang="en-US" sz="4800" b="1" dirty="0">
+                <a:solidFill>
+                  <a:srgbClr val="000066"/>
+                </a:solidFill>
+                <a:latin typeface="微軟正黑體" pitchFamily="34" charset="-120"/>
+                <a:ea typeface="微軟正黑體" pitchFamily="34" charset="-120"/>
+              </a:rPr>
+              <a:t>東離西有多麼的遠</a:t>
+            </a:r>
+            <a:endParaRPr lang="en-US" altLang="zh-TW" sz="4800" b="1" dirty="0">
+              <a:solidFill>
+                <a:srgbClr val="000066"/>
+              </a:solidFill>
+              <a:latin typeface="微軟正黑體" pitchFamily="34" charset="-120"/>
+              <a:ea typeface="微軟正黑體" pitchFamily="34" charset="-120"/>
+            </a:endParaRPr>
+          </a:p>
+          <a:p>
+            <a:pPr algn="ctr">
+              <a:buNone/>
+            </a:pPr>
+            <a:r>
+              <a:rPr lang="zh-TW" altLang="en-US" sz="4800" b="1" dirty="0">
+                <a:solidFill>
+                  <a:srgbClr val="000066"/>
+                </a:solidFill>
+                <a:latin typeface="微軟正黑體" pitchFamily="34" charset="-120"/>
+                <a:ea typeface="微軟正黑體" pitchFamily="34" charset="-120"/>
+              </a:rPr>
+              <a:t>祂使我的過犯也離我多遠</a:t>
+            </a:r>
+          </a:p>
+        </p:txBody>
+      </p:sp>
+    </p:spTree>
+  </p:cSld>
+  <p:clrMapOvr>
+    <a:masterClrMapping/>
+  </p:clrMapOvr>
+</p:sld>
+</file>
+
+<file path=ppt/slides/slide8.xml><?xml version="1.0" encoding="utf-8"?>
+<p:sld xmlns:a="http://schemas.openxmlformats.org/drawingml/2006/main" xmlns:r="http://schemas.openxmlformats.org/officeDocument/2006/relationships" xmlns:p="http://schemas.openxmlformats.org/presentationml/2006/main">
+  <p:cSld>
+    <p:spTree>
+      <p:nvGrpSpPr>
+        <p:cNvPr id="1" name=""/>
+        <p:cNvGrpSpPr/>
+        <p:nvPr/>
+      </p:nvGrpSpPr>
+      <p:grpSpPr>
+        <a:xfrm>
+          <a:off x="0" y="0"/>
+          <a:ext cx="0" cy="0"/>
+          <a:chOff x="0" y="0"/>
+          <a:chExt cx="0" cy="0"/>
+        </a:xfrm>
+      </p:grpSpPr>
+      <p:sp>
+        <p:nvSpPr>
+          <p:cNvPr id="4" name="標題 3"/>
+          <p:cNvSpPr>
+            <a:spLocks noGrp="1"/>
+          </p:cNvSpPr>
+          <p:nvPr>
+            <p:ph type="title"/>
+          </p:nvPr>
+        </p:nvSpPr>
+        <p:spPr/>
+        <p:txBody>
+          <a:bodyPr>
+            <a:normAutofit/>
+          </a:bodyPr>
+          <a:lstStyle/>
+          <a:p>
+            <a:r>
+              <a:rPr lang="zh-TW" altLang="en-US" sz="4000" b="1" dirty="0">
+                <a:solidFill>
+                  <a:srgbClr val="000066"/>
+                </a:solidFill>
+                <a:latin typeface="微軟正黑體" pitchFamily="34" charset="-120"/>
+                <a:ea typeface="微軟正黑體" pitchFamily="34" charset="-120"/>
+              </a:rPr>
+              <a:t>我的心你要稱頌耶和華</a:t>
+            </a:r>
+          </a:p>
+        </p:txBody>
+      </p:sp>
+      <p:sp>
+        <p:nvSpPr>
+          <p:cNvPr id="5" name="內容版面配置區 4"/>
+          <p:cNvSpPr>
+            <a:spLocks noGrp="1"/>
+          </p:cNvSpPr>
+          <p:nvPr>
+            <p:ph idx="1"/>
+          </p:nvPr>
+        </p:nvSpPr>
+        <p:spPr/>
+        <p:txBody>
+          <a:bodyPr>
+            <a:noAutofit/>
+          </a:bodyPr>
+          <a:lstStyle/>
+          <a:p>
+            <a:pPr algn="ctr">
+              <a:buNone/>
+            </a:pPr>
+            <a:r>
+              <a:rPr lang="zh-TW" altLang="en-US" sz="4800" b="1" dirty="0">
+                <a:solidFill>
+                  <a:srgbClr val="000066"/>
+                </a:solidFill>
+                <a:latin typeface="微軟正黑體" pitchFamily="34" charset="-120"/>
+                <a:ea typeface="微軟正黑體" pitchFamily="34" charset="-120"/>
+              </a:rPr>
+              <a:t>耶和華有憐憫的愛</a:t>
+            </a:r>
+            <a:endParaRPr lang="en-US" altLang="zh-TW" sz="4800" b="1" dirty="0">
+              <a:solidFill>
+                <a:srgbClr val="000066"/>
+              </a:solidFill>
+              <a:latin typeface="微軟正黑體" pitchFamily="34" charset="-120"/>
+              <a:ea typeface="微軟正黑體" pitchFamily="34" charset="-120"/>
+            </a:endParaRPr>
+          </a:p>
+          <a:p>
+            <a:pPr algn="ctr">
+              <a:buNone/>
+            </a:pPr>
+            <a:r>
+              <a:rPr lang="zh-TW" altLang="en-US" sz="4800" b="1" dirty="0">
+                <a:solidFill>
+                  <a:srgbClr val="000066"/>
+                </a:solidFill>
+                <a:latin typeface="微軟正黑體" pitchFamily="34" charset="-120"/>
+                <a:ea typeface="微軟正黑體" pitchFamily="34" charset="-120"/>
+              </a:rPr>
+              <a:t>且有豐盛無盡的恩典</a:t>
+            </a:r>
+            <a:endParaRPr lang="en-US" altLang="zh-TW" sz="4800" b="1" dirty="0">
+              <a:solidFill>
+                <a:srgbClr val="000066"/>
+              </a:solidFill>
+              <a:latin typeface="微軟正黑體" pitchFamily="34" charset="-120"/>
+              <a:ea typeface="微軟正黑體" pitchFamily="34" charset="-120"/>
+            </a:endParaRPr>
+          </a:p>
+          <a:p>
+            <a:pPr algn="ctr">
+              <a:buNone/>
+            </a:pPr>
+            <a:r>
+              <a:rPr lang="zh-TW" altLang="en-US" sz="4800" b="1" dirty="0">
+                <a:solidFill>
+                  <a:srgbClr val="000066"/>
+                </a:solidFill>
+                <a:latin typeface="微軟正黑體" pitchFamily="34" charset="-120"/>
+                <a:ea typeface="微軟正黑體" pitchFamily="34" charset="-120"/>
+              </a:rPr>
+              <a:t>從亙古直到永遠</a:t>
+            </a:r>
+            <a:endParaRPr lang="en-US" altLang="zh-TW" sz="4800" b="1" dirty="0">
+              <a:solidFill>
+                <a:srgbClr val="000066"/>
+              </a:solidFill>
+              <a:latin typeface="微軟正黑體" pitchFamily="34" charset="-120"/>
+              <a:ea typeface="微軟正黑體" pitchFamily="34" charset="-120"/>
+            </a:endParaRPr>
+          </a:p>
+          <a:p>
+            <a:pPr algn="ctr">
+              <a:buNone/>
+            </a:pPr>
+            <a:r>
+              <a:rPr lang="zh-TW" altLang="en-US" sz="4800" b="1" dirty="0">
+                <a:solidFill>
+                  <a:srgbClr val="000066"/>
+                </a:solidFill>
+                <a:latin typeface="微軟正黑體" pitchFamily="34" charset="-120"/>
+                <a:ea typeface="微軟正黑體" pitchFamily="34" charset="-120"/>
+              </a:rPr>
               <a:t>耶和華祂是我的神</a:t>
+            </a:r>
+          </a:p>
+        </p:txBody>
+      </p:sp>
+    </p:spTree>
+  </p:cSld>
+  <p:clrMapOvr>
+    <a:masterClrMapping/>
+  </p:clrMapOvr>
+</p:sld>
+</file>
+
+<file path=ppt/slides/slide9.xml><?xml version="1.0" encoding="utf-8"?>
+<p:sld xmlns:a="http://schemas.openxmlformats.org/drawingml/2006/main" xmlns:r="http://schemas.openxmlformats.org/officeDocument/2006/relationships" xmlns:p="http://schemas.openxmlformats.org/presentationml/2006/main">
+  <p:cSld>
+    <p:spTree>
+      <p:nvGrpSpPr>
+        <p:cNvPr id="1" name=""/>
+        <p:cNvGrpSpPr/>
+        <p:nvPr/>
+      </p:nvGrpSpPr>
+      <p:grpSpPr>
+        <a:xfrm>
+          <a:off x="0" y="0"/>
+          <a:ext cx="0" cy="0"/>
+          <a:chOff x="0" y="0"/>
+          <a:chExt cx="0" cy="0"/>
+        </a:xfrm>
+      </p:grpSpPr>
+      <p:sp>
+        <p:nvSpPr>
+          <p:cNvPr id="4" name="標題 3"/>
+          <p:cNvSpPr>
+            <a:spLocks noGrp="1"/>
+          </p:cNvSpPr>
+          <p:nvPr>
+            <p:ph type="title"/>
+          </p:nvPr>
+        </p:nvSpPr>
+        <p:spPr/>
+        <p:txBody>
+          <a:bodyPr>
+            <a:normAutofit/>
+          </a:bodyPr>
+          <a:lstStyle/>
+          <a:p>
+            <a:r>
+              <a:rPr lang="zh-TW" altLang="en-US" sz="4000" b="1" dirty="0">
+                <a:solidFill>
+                  <a:srgbClr val="000066"/>
+                </a:solidFill>
+                <a:latin typeface="微軟正黑體" pitchFamily="34" charset="-120"/>
+                <a:ea typeface="微軟正黑體" pitchFamily="34" charset="-120"/>
+              </a:rPr>
+              <a:t>我的心你要稱頌耶和華</a:t>
+            </a:r>
+          </a:p>
+        </p:txBody>
+      </p:sp>
+      <p:sp>
+        <p:nvSpPr>
+          <p:cNvPr id="5" name="內容版面配置區 4"/>
+          <p:cNvSpPr>
+            <a:spLocks noGrp="1"/>
+          </p:cNvSpPr>
+          <p:nvPr>
+            <p:ph idx="1"/>
+          </p:nvPr>
+        </p:nvSpPr>
+        <p:spPr/>
+        <p:txBody>
+          <a:bodyPr>
+            <a:noAutofit/>
+          </a:bodyPr>
+          <a:lstStyle/>
+          <a:p>
+            <a:pPr algn="ctr">
+              <a:buNone/>
+            </a:pPr>
+            <a:r>
+              <a:rPr lang="zh-TW" altLang="en-US" sz="4800" b="1" dirty="0">
+                <a:solidFill>
+                  <a:srgbClr val="000066"/>
+                </a:solidFill>
+                <a:latin typeface="微軟正黑體" pitchFamily="34" charset="-120"/>
+                <a:ea typeface="微軟正黑體" pitchFamily="34" charset="-120"/>
+              </a:rPr>
+              <a:t>天離地有何等的高</a:t>
+            </a:r>
+            <a:endParaRPr lang="en-US" altLang="zh-TW" sz="4800" b="1" dirty="0">
+              <a:solidFill>
+                <a:srgbClr val="000066"/>
+              </a:solidFill>
+              <a:latin typeface="微軟正黑體" pitchFamily="34" charset="-120"/>
+              <a:ea typeface="微軟正黑體" pitchFamily="34" charset="-120"/>
+            </a:endParaRPr>
+          </a:p>
+          <a:p>
+            <a:pPr algn="ctr">
+              <a:buNone/>
+            </a:pPr>
+            <a:r>
+              <a:rPr lang="zh-TW" altLang="en-US" sz="4800" b="1" dirty="0">
+                <a:solidFill>
+                  <a:srgbClr val="000066"/>
+                </a:solidFill>
+                <a:latin typeface="微軟正黑體" pitchFamily="34" charset="-120"/>
+                <a:ea typeface="微軟正黑體" pitchFamily="34" charset="-120"/>
+              </a:rPr>
+              <a:t>祂的慈愛也何等的深</a:t>
+            </a:r>
+            <a:endParaRPr lang="en-US" altLang="zh-TW" sz="4800" b="1" dirty="0">
+              <a:solidFill>
+                <a:srgbClr val="000066"/>
+              </a:solidFill>
+              <a:latin typeface="微軟正黑體" pitchFamily="34" charset="-120"/>
+              <a:ea typeface="微軟正黑體" pitchFamily="34" charset="-120"/>
+            </a:endParaRPr>
+          </a:p>
+          <a:p>
+            <a:pPr algn="ctr">
+              <a:buNone/>
+            </a:pPr>
+            <a:r>
+              <a:rPr lang="zh-TW" altLang="en-US" sz="4800" b="1" dirty="0">
+                <a:solidFill>
+                  <a:srgbClr val="000066"/>
+                </a:solidFill>
+                <a:latin typeface="微軟正黑體" pitchFamily="34" charset="-120"/>
+                <a:ea typeface="微軟正黑體" pitchFamily="34" charset="-120"/>
+              </a:rPr>
+              <a:t>東離西有多麼的遠</a:t>
+            </a:r>
+            <a:endParaRPr lang="en-US" altLang="zh-TW" sz="4800" b="1" dirty="0">
+              <a:solidFill>
+                <a:srgbClr val="000066"/>
+              </a:solidFill>
+              <a:latin typeface="微軟正黑體" pitchFamily="34" charset="-120"/>
+              <a:ea typeface="微軟正黑體" pitchFamily="34" charset="-120"/>
+            </a:endParaRPr>
+          </a:p>
+          <a:p>
+            <a:pPr algn="ctr">
+              <a:buNone/>
+            </a:pPr>
+            <a:r>
+              <a:rPr lang="zh-TW" altLang="en-US" sz="4800" b="1" dirty="0">
+                <a:solidFill>
+                  <a:srgbClr val="000066"/>
+                </a:solidFill>
+                <a:latin typeface="微軟正黑體" pitchFamily="34" charset="-120"/>
+                <a:ea typeface="微軟正黑體" pitchFamily="34" charset="-120"/>
+              </a:rPr>
+              <a:t>祂使我的過犯也離我多遠</a:t>
             </a:r>
           </a:p>
         </p:txBody>

--- a/我的心你要稱頌耶和華(崇拜版).pptx
+++ b/我的心你要稱頌耶和華(崇拜版).pptx
@@ -9,21 +9,11 @@
     <p:sldId id="257" r:id="rId3"/>
     <p:sldId id="258" r:id="rId4"/>
     <p:sldId id="259" r:id="rId5"/>
-    <p:sldId id="266" r:id="rId6"/>
-    <p:sldId id="267" r:id="rId7"/>
-    <p:sldId id="268" r:id="rId8"/>
-    <p:sldId id="269" r:id="rId9"/>
-    <p:sldId id="270" r:id="rId10"/>
-    <p:sldId id="271" r:id="rId11"/>
-    <p:sldId id="272" r:id="rId12"/>
-    <p:sldId id="260" r:id="rId13"/>
-    <p:sldId id="261" r:id="rId14"/>
-    <p:sldId id="262" r:id="rId15"/>
-    <p:sldId id="263" r:id="rId16"/>
-    <p:sldId id="264" r:id="rId17"/>
-    <p:sldId id="265" r:id="rId18"/>
-    <p:sldId id="273" r:id="rId19"/>
-    <p:sldId id="274" r:id="rId20"/>
+    <p:sldId id="260" r:id="rId6"/>
+    <p:sldId id="261" r:id="rId7"/>
+    <p:sldId id="262" r:id="rId8"/>
+    <p:sldId id="263" r:id="rId9"/>
+    <p:sldId id="264" r:id="rId10"/>
   </p:sldIdLst>
   <p:sldSz cx="9144000" cy="5143500" type="screen16x9"/>
   <p:notesSz cx="6858000" cy="9144000"/>
@@ -122,6 +112,22 @@
       </a:defRPr>
     </a:lvl9pPr>
   </p:defaultTextStyle>
+  <p:extLst>
+    <p:ext uri="{EFAFB233-063F-42B5-8137-9DF3F51BA10A}">
+      <p15:sldGuideLst xmlns:p15="http://schemas.microsoft.com/office/powerpoint/2012/main">
+        <p15:guide id="1" orient="horz" pos="1620">
+          <p15:clr>
+            <a:srgbClr val="A4A3A4"/>
+          </p15:clr>
+        </p15:guide>
+        <p15:guide id="2" pos="2880">
+          <p15:clr>
+            <a:srgbClr val="A4A3A4"/>
+          </p15:clr>
+        </p15:guide>
+      </p15:sldGuideLst>
+    </p:ext>
+  </p:extLst>
 </p:presentation>
 </file>
 
@@ -307,7 +313,7 @@
             <a:fld id="{9CEA959E-6A41-412C-8C82-2C072CF95BF2}" type="datetimeFigureOut">
               <a:rPr lang="zh-TW" altLang="en-US" smtClean="0"/>
               <a:pPr/>
-              <a:t>2020/6/30</a:t>
+              <a:t>2021/1/23</a:t>
             </a:fld>
             <a:endParaRPr lang="zh-TW" altLang="en-US"/>
           </a:p>
@@ -474,7 +480,7 @@
             <a:fld id="{9CEA959E-6A41-412C-8C82-2C072CF95BF2}" type="datetimeFigureOut">
               <a:rPr lang="zh-TW" altLang="en-US" smtClean="0"/>
               <a:pPr/>
-              <a:t>2020/6/30</a:t>
+              <a:t>2021/1/23</a:t>
             </a:fld>
             <a:endParaRPr lang="zh-TW" altLang="en-US"/>
           </a:p>
@@ -651,7 +657,7 @@
             <a:fld id="{9CEA959E-6A41-412C-8C82-2C072CF95BF2}" type="datetimeFigureOut">
               <a:rPr lang="zh-TW" altLang="en-US" smtClean="0"/>
               <a:pPr/>
-              <a:t>2020/6/30</a:t>
+              <a:t>2021/1/23</a:t>
             </a:fld>
             <a:endParaRPr lang="zh-TW" altLang="en-US"/>
           </a:p>
@@ -818,7 +824,7 @@
             <a:fld id="{9CEA959E-6A41-412C-8C82-2C072CF95BF2}" type="datetimeFigureOut">
               <a:rPr lang="zh-TW" altLang="en-US" smtClean="0"/>
               <a:pPr/>
-              <a:t>2020/6/30</a:t>
+              <a:t>2021/1/23</a:t>
             </a:fld>
             <a:endParaRPr lang="zh-TW" altLang="en-US"/>
           </a:p>
@@ -1061,7 +1067,7 @@
             <a:fld id="{9CEA959E-6A41-412C-8C82-2C072CF95BF2}" type="datetimeFigureOut">
               <a:rPr lang="zh-TW" altLang="en-US" smtClean="0"/>
               <a:pPr/>
-              <a:t>2020/6/30</a:t>
+              <a:t>2021/1/23</a:t>
             </a:fld>
             <a:endParaRPr lang="zh-TW" altLang="en-US"/>
           </a:p>
@@ -1346,7 +1352,7 @@
             <a:fld id="{9CEA959E-6A41-412C-8C82-2C072CF95BF2}" type="datetimeFigureOut">
               <a:rPr lang="zh-TW" altLang="en-US" smtClean="0"/>
               <a:pPr/>
-              <a:t>2020/6/30</a:t>
+              <a:t>2021/1/23</a:t>
             </a:fld>
             <a:endParaRPr lang="zh-TW" altLang="en-US"/>
           </a:p>
@@ -1765,7 +1771,7 @@
             <a:fld id="{9CEA959E-6A41-412C-8C82-2C072CF95BF2}" type="datetimeFigureOut">
               <a:rPr lang="zh-TW" altLang="en-US" smtClean="0"/>
               <a:pPr/>
-              <a:t>2020/6/30</a:t>
+              <a:t>2021/1/23</a:t>
             </a:fld>
             <a:endParaRPr lang="zh-TW" altLang="en-US"/>
           </a:p>
@@ -1880,7 +1886,7 @@
             <a:fld id="{9CEA959E-6A41-412C-8C82-2C072CF95BF2}" type="datetimeFigureOut">
               <a:rPr lang="zh-TW" altLang="en-US" smtClean="0"/>
               <a:pPr/>
-              <a:t>2020/6/30</a:t>
+              <a:t>2021/1/23</a:t>
             </a:fld>
             <a:endParaRPr lang="zh-TW" altLang="en-US"/>
           </a:p>
@@ -1972,7 +1978,7 @@
             <a:fld id="{9CEA959E-6A41-412C-8C82-2C072CF95BF2}" type="datetimeFigureOut">
               <a:rPr lang="zh-TW" altLang="en-US" smtClean="0"/>
               <a:pPr/>
-              <a:t>2020/6/30</a:t>
+              <a:t>2021/1/23</a:t>
             </a:fld>
             <a:endParaRPr lang="zh-TW" altLang="en-US"/>
           </a:p>
@@ -2246,7 +2252,7 @@
             <a:fld id="{9CEA959E-6A41-412C-8C82-2C072CF95BF2}" type="datetimeFigureOut">
               <a:rPr lang="zh-TW" altLang="en-US" smtClean="0"/>
               <a:pPr/>
-              <a:t>2020/6/30</a:t>
+              <a:t>2021/1/23</a:t>
             </a:fld>
             <a:endParaRPr lang="zh-TW" altLang="en-US"/>
           </a:p>
@@ -2500,7 +2506,7 @@
             <a:fld id="{9CEA959E-6A41-412C-8C82-2C072CF95BF2}" type="datetimeFigureOut">
               <a:rPr lang="zh-TW" altLang="en-US" smtClean="0"/>
               <a:pPr/>
-              <a:t>2020/6/30</a:t>
+              <a:t>2021/1/23</a:t>
             </a:fld>
             <a:endParaRPr lang="zh-TW" altLang="en-US"/>
           </a:p>
@@ -2715,7 +2721,7 @@
             <a:fld id="{9CEA959E-6A41-412C-8C82-2C072CF95BF2}" type="datetimeFigureOut">
               <a:rPr lang="zh-TW" altLang="en-US" smtClean="0"/>
               <a:pPr/>
-              <a:t>2020/6/30</a:t>
+              <a:t>2021/1/23</a:t>
             </a:fld>
             <a:endParaRPr lang="zh-TW" altLang="en-US"/>
           </a:p>
@@ -3096,1530 +3102,129 @@
             <p:ph type="title"/>
           </p:nvPr>
         </p:nvSpPr>
-        <p:spPr/>
+        <p:spPr>
+          <a:xfrm>
+            <a:off x="0" y="2143135"/>
+            <a:ext cx="9144000" cy="857250"/>
+          </a:xfrm>
+        </p:spPr>
         <p:txBody>
           <a:bodyPr>
-            <a:normAutofit/>
+            <a:noAutofit/>
           </a:bodyPr>
           <a:lstStyle/>
           <a:p>
             <a:r>
-              <a:rPr lang="zh-TW" altLang="en-US" sz="4000" b="1" dirty="0" smtClean="0">
+              <a:rPr lang="zh-TW" altLang="en-US" sz="5400" b="1" i="1" dirty="0" smtClean="0">
                 <a:solidFill>
                   <a:srgbClr val="000066"/>
                 </a:solidFill>
-                <a:latin typeface="微軟正黑體" pitchFamily="34" charset="-120"/>
-                <a:ea typeface="微軟正黑體" pitchFamily="34" charset="-120"/>
-              </a:rPr>
-              <a:t>我的心你要稱頌耶和華</a:t>
-            </a:r>
-            <a:endParaRPr lang="zh-TW" altLang="en-US" sz="4000" b="1" dirty="0">
-              <a:solidFill>
-                <a:srgbClr val="000066"/>
-              </a:solidFill>
-              <a:latin typeface="微軟正黑體" pitchFamily="34" charset="-120"/>
-              <a:ea typeface="微軟正黑體" pitchFamily="34" charset="-120"/>
-            </a:endParaRPr>
-          </a:p>
-        </p:txBody>
-      </p:sp>
-      <p:sp>
-        <p:nvSpPr>
-          <p:cNvPr id="5" name="內容版面配置區 4"/>
-          <p:cNvSpPr>
-            <a:spLocks noGrp="1"/>
-          </p:cNvSpPr>
-          <p:nvPr>
-            <p:ph idx="1"/>
-          </p:nvPr>
-        </p:nvSpPr>
-        <p:spPr/>
-        <p:txBody>
-          <a:bodyPr>
-            <a:noAutofit/>
-          </a:bodyPr>
-          <a:lstStyle/>
-          <a:p>
-            <a:pPr algn="ctr">
-              <a:buNone/>
-            </a:pPr>
-            <a:r>
-              <a:rPr lang="zh-TW" altLang="en-US" sz="4800" b="1" dirty="0">
-                <a:solidFill>
-                  <a:srgbClr val="000066"/>
-                </a:solidFill>
-                <a:latin typeface="微軟正黑體" pitchFamily="34" charset="-120"/>
-                <a:ea typeface="微軟正黑體" pitchFamily="34" charset="-120"/>
-              </a:rPr>
-              <a:t>我的心你要稱頌</a:t>
-            </a:r>
-            <a:r>
-              <a:rPr lang="zh-TW" altLang="en-US" sz="4800" b="1" dirty="0" smtClean="0">
-                <a:solidFill>
-                  <a:srgbClr val="000066"/>
-                </a:solidFill>
-                <a:latin typeface="微軟正黑體" pitchFamily="34" charset="-120"/>
-                <a:ea typeface="微軟正黑體" pitchFamily="34" charset="-120"/>
-              </a:rPr>
-              <a:t>耶和華</a:t>
-            </a:r>
-            <a:endParaRPr lang="en-US" altLang="zh-TW" sz="4800" b="1" dirty="0" smtClean="0">
-              <a:solidFill>
-                <a:srgbClr val="000066"/>
-              </a:solidFill>
-              <a:latin typeface="微軟正黑體" pitchFamily="34" charset="-120"/>
-              <a:ea typeface="微軟正黑體" pitchFamily="34" charset="-120"/>
-            </a:endParaRPr>
-          </a:p>
-          <a:p>
-            <a:pPr algn="ctr">
-              <a:buNone/>
-            </a:pPr>
-            <a:r>
-              <a:rPr lang="zh-TW" altLang="en-US" sz="4800" b="1" dirty="0" smtClean="0">
-                <a:solidFill>
-                  <a:srgbClr val="000066"/>
-                </a:solidFill>
-                <a:latin typeface="微軟正黑體" pitchFamily="34" charset="-120"/>
-                <a:ea typeface="微軟正黑體" pitchFamily="34" charset="-120"/>
-              </a:rPr>
-              <a:t>不可</a:t>
-            </a:r>
-            <a:r>
-              <a:rPr lang="zh-TW" altLang="en-US" sz="4800" b="1" dirty="0">
-                <a:solidFill>
-                  <a:srgbClr val="000066"/>
-                </a:solidFill>
-                <a:latin typeface="微軟正黑體" pitchFamily="34" charset="-120"/>
-                <a:ea typeface="微軟正黑體" pitchFamily="34" charset="-120"/>
-              </a:rPr>
-              <a:t>忘記祂的</a:t>
-            </a:r>
-            <a:r>
-              <a:rPr lang="zh-TW" altLang="en-US" sz="4800" b="1" dirty="0" smtClean="0">
-                <a:solidFill>
-                  <a:srgbClr val="000066"/>
-                </a:solidFill>
-                <a:latin typeface="微軟正黑體" pitchFamily="34" charset="-120"/>
-                <a:ea typeface="微軟正黑體" pitchFamily="34" charset="-120"/>
-              </a:rPr>
-              <a:t>恩惠</a:t>
-            </a:r>
-            <a:endParaRPr lang="en-US" altLang="zh-TW" sz="4800" b="1" dirty="0">
-              <a:solidFill>
-                <a:srgbClr val="000066"/>
-              </a:solidFill>
-              <a:latin typeface="微軟正黑體" pitchFamily="34" charset="-120"/>
-              <a:ea typeface="微軟正黑體" pitchFamily="34" charset="-120"/>
-            </a:endParaRPr>
-          </a:p>
-          <a:p>
-            <a:pPr algn="ctr">
-              <a:buNone/>
-            </a:pPr>
-            <a:r>
-              <a:rPr lang="zh-TW" altLang="en-US" sz="4800" b="1" dirty="0" smtClean="0">
-                <a:solidFill>
-                  <a:srgbClr val="000066"/>
-                </a:solidFill>
-                <a:latin typeface="微軟正黑體" pitchFamily="34" charset="-120"/>
-                <a:ea typeface="微軟正黑體" pitchFamily="34" charset="-120"/>
-              </a:rPr>
-              <a:t>祂</a:t>
-            </a:r>
-            <a:r>
-              <a:rPr lang="zh-TW" altLang="en-US" sz="4800" b="1" dirty="0">
-                <a:solidFill>
-                  <a:srgbClr val="000066"/>
-                </a:solidFill>
-                <a:latin typeface="微軟正黑體" pitchFamily="34" charset="-120"/>
-                <a:ea typeface="微軟正黑體" pitchFamily="34" charset="-120"/>
-              </a:rPr>
-              <a:t>赦免你一切過犯</a:t>
-            </a:r>
-            <a:r>
-              <a:rPr lang="zh-TW" altLang="en-US" sz="4800" b="1" dirty="0" smtClean="0">
-                <a:solidFill>
-                  <a:srgbClr val="000066"/>
-                </a:solidFill>
-                <a:latin typeface="微軟正黑體" pitchFamily="34" charset="-120"/>
-                <a:ea typeface="微軟正黑體" pitchFamily="34" charset="-120"/>
-              </a:rPr>
-              <a:t>罪孽</a:t>
-            </a:r>
-            <a:endParaRPr lang="en-US" altLang="zh-TW" sz="4800" b="1" dirty="0" smtClean="0">
-              <a:solidFill>
-                <a:srgbClr val="000066"/>
-              </a:solidFill>
-              <a:latin typeface="微軟正黑體" pitchFamily="34" charset="-120"/>
-              <a:ea typeface="微軟正黑體" pitchFamily="34" charset="-120"/>
-            </a:endParaRPr>
-          </a:p>
-          <a:p>
-            <a:pPr algn="ctr">
-              <a:buNone/>
-            </a:pPr>
-            <a:r>
-              <a:rPr lang="zh-TW" altLang="en-US" sz="4800" b="1" dirty="0" smtClean="0">
-                <a:solidFill>
-                  <a:srgbClr val="000066"/>
-                </a:solidFill>
-                <a:latin typeface="微軟正黑體" pitchFamily="34" charset="-120"/>
-                <a:ea typeface="微軟正黑體" pitchFamily="34" charset="-120"/>
-              </a:rPr>
-              <a:t>醫治</a:t>
-            </a:r>
-            <a:r>
-              <a:rPr lang="zh-TW" altLang="en-US" sz="4800" b="1" dirty="0">
-                <a:solidFill>
-                  <a:srgbClr val="000066"/>
-                </a:solidFill>
-                <a:latin typeface="微軟正黑體" pitchFamily="34" charset="-120"/>
-                <a:ea typeface="微軟正黑體" pitchFamily="34" charset="-120"/>
-              </a:rPr>
-              <a:t>你疾病復原</a:t>
-            </a:r>
-          </a:p>
-        </p:txBody>
-      </p:sp>
-    </p:spTree>
-  </p:cSld>
-  <p:clrMapOvr>
-    <a:masterClrMapping/>
-  </p:clrMapOvr>
-</p:sld>
-</file>
-
-<file path=ppt/slides/slide10.xml><?xml version="1.0" encoding="utf-8"?>
-<p:sld xmlns:a="http://schemas.openxmlformats.org/drawingml/2006/main" xmlns:r="http://schemas.openxmlformats.org/officeDocument/2006/relationships" xmlns:p="http://schemas.openxmlformats.org/presentationml/2006/main">
-  <p:cSld>
-    <p:spTree>
-      <p:nvGrpSpPr>
-        <p:cNvPr id="1" name=""/>
-        <p:cNvGrpSpPr/>
-        <p:nvPr/>
-      </p:nvGrpSpPr>
-      <p:grpSpPr>
-        <a:xfrm>
-          <a:off x="0" y="0"/>
-          <a:ext cx="0" cy="0"/>
-          <a:chOff x="0" y="0"/>
-          <a:chExt cx="0" cy="0"/>
-        </a:xfrm>
-      </p:grpSpPr>
-      <p:sp>
-        <p:nvSpPr>
-          <p:cNvPr id="4" name="標題 3"/>
-          <p:cNvSpPr>
-            <a:spLocks noGrp="1"/>
-          </p:cNvSpPr>
-          <p:nvPr>
-            <p:ph type="title"/>
-          </p:nvPr>
-        </p:nvSpPr>
-        <p:spPr/>
-        <p:txBody>
-          <a:bodyPr>
-            <a:normAutofit/>
-          </a:bodyPr>
-          <a:lstStyle/>
-          <a:p>
-            <a:r>
-              <a:rPr lang="zh-TW" altLang="en-US" sz="4000" b="1" dirty="0">
-                <a:solidFill>
-                  <a:srgbClr val="000066"/>
-                </a:solidFill>
-                <a:latin typeface="微軟正黑體" pitchFamily="34" charset="-120"/>
-                <a:ea typeface="微軟正黑體" pitchFamily="34" charset="-120"/>
-              </a:rPr>
-              <a:t>我的心你要稱頌耶和華</a:t>
-            </a:r>
-          </a:p>
-        </p:txBody>
-      </p:sp>
-      <p:sp>
-        <p:nvSpPr>
-          <p:cNvPr id="5" name="內容版面配置區 4"/>
-          <p:cNvSpPr>
-            <a:spLocks noGrp="1"/>
-          </p:cNvSpPr>
-          <p:nvPr>
-            <p:ph idx="1"/>
-          </p:nvPr>
-        </p:nvSpPr>
-        <p:spPr/>
-        <p:txBody>
-          <a:bodyPr>
-            <a:noAutofit/>
-          </a:bodyPr>
-          <a:lstStyle/>
-          <a:p>
-            <a:pPr algn="ctr">
-              <a:buNone/>
-            </a:pPr>
-            <a:r>
-              <a:rPr lang="zh-TW" altLang="en-US" sz="4800" b="1" dirty="0">
-                <a:solidFill>
-                  <a:srgbClr val="000066"/>
-                </a:solidFill>
-                <a:latin typeface="微軟正黑體" pitchFamily="34" charset="-120"/>
-                <a:ea typeface="微軟正黑體" pitchFamily="34" charset="-120"/>
-              </a:rPr>
-              <a:t>耶和華有憐憫的愛</a:t>
-            </a:r>
-            <a:endParaRPr lang="en-US" altLang="zh-TW" sz="4800" b="1" dirty="0">
-              <a:solidFill>
-                <a:srgbClr val="000066"/>
-              </a:solidFill>
-              <a:latin typeface="微軟正黑體" pitchFamily="34" charset="-120"/>
-              <a:ea typeface="微軟正黑體" pitchFamily="34" charset="-120"/>
-            </a:endParaRPr>
-          </a:p>
-          <a:p>
-            <a:pPr algn="ctr">
-              <a:buNone/>
-            </a:pPr>
-            <a:r>
-              <a:rPr lang="zh-TW" altLang="en-US" sz="4800" b="1" dirty="0">
-                <a:solidFill>
-                  <a:srgbClr val="000066"/>
-                </a:solidFill>
-                <a:latin typeface="微軟正黑體" pitchFamily="34" charset="-120"/>
-                <a:ea typeface="微軟正黑體" pitchFamily="34" charset="-120"/>
-              </a:rPr>
-              <a:t>且有豐盛無盡的恩典</a:t>
-            </a:r>
-            <a:endParaRPr lang="en-US" altLang="zh-TW" sz="4800" b="1" dirty="0">
-              <a:solidFill>
-                <a:srgbClr val="000066"/>
-              </a:solidFill>
-              <a:latin typeface="微軟正黑體" pitchFamily="34" charset="-120"/>
-              <a:ea typeface="微軟正黑體" pitchFamily="34" charset="-120"/>
-            </a:endParaRPr>
-          </a:p>
-          <a:p>
-            <a:pPr algn="ctr">
-              <a:buNone/>
-            </a:pPr>
-            <a:r>
-              <a:rPr lang="zh-TW" altLang="en-US" sz="4800" b="1" dirty="0">
-                <a:solidFill>
-                  <a:srgbClr val="000066"/>
-                </a:solidFill>
-                <a:latin typeface="微軟正黑體" pitchFamily="34" charset="-120"/>
-                <a:ea typeface="微軟正黑體" pitchFamily="34" charset="-120"/>
-              </a:rPr>
-              <a:t>從亙古直到永遠</a:t>
-            </a:r>
-            <a:endParaRPr lang="en-US" altLang="zh-TW" sz="4800" b="1" dirty="0">
-              <a:solidFill>
-                <a:srgbClr val="000066"/>
-              </a:solidFill>
-              <a:latin typeface="微軟正黑體" pitchFamily="34" charset="-120"/>
-              <a:ea typeface="微軟正黑體" pitchFamily="34" charset="-120"/>
-            </a:endParaRPr>
-          </a:p>
-          <a:p>
-            <a:pPr algn="ctr">
-              <a:buNone/>
-            </a:pPr>
-            <a:r>
-              <a:rPr lang="zh-TW" altLang="en-US" sz="4800" b="1" dirty="0">
-                <a:solidFill>
-                  <a:srgbClr val="000066"/>
-                </a:solidFill>
-                <a:latin typeface="微軟正黑體" pitchFamily="34" charset="-120"/>
-                <a:ea typeface="微軟正黑體" pitchFamily="34" charset="-120"/>
-              </a:rPr>
-              <a:t>耶和華祂是我的神</a:t>
-            </a:r>
-          </a:p>
-        </p:txBody>
-      </p:sp>
-    </p:spTree>
-  </p:cSld>
-  <p:clrMapOvr>
-    <a:masterClrMapping/>
-  </p:clrMapOvr>
-</p:sld>
-</file>
-
-<file path=ppt/slides/slide11.xml><?xml version="1.0" encoding="utf-8"?>
-<p:sld xmlns:a="http://schemas.openxmlformats.org/drawingml/2006/main" xmlns:r="http://schemas.openxmlformats.org/officeDocument/2006/relationships" xmlns:p="http://schemas.openxmlformats.org/presentationml/2006/main">
-  <p:cSld>
-    <p:spTree>
-      <p:nvGrpSpPr>
-        <p:cNvPr id="1" name=""/>
-        <p:cNvGrpSpPr/>
-        <p:nvPr/>
-      </p:nvGrpSpPr>
-      <p:grpSpPr>
-        <a:xfrm>
-          <a:off x="0" y="0"/>
-          <a:ext cx="0" cy="0"/>
-          <a:chOff x="0" y="0"/>
-          <a:chExt cx="0" cy="0"/>
-        </a:xfrm>
-      </p:grpSpPr>
-      <p:sp>
-        <p:nvSpPr>
-          <p:cNvPr id="4" name="標題 3"/>
-          <p:cNvSpPr>
-            <a:spLocks noGrp="1"/>
-          </p:cNvSpPr>
-          <p:nvPr>
-            <p:ph type="title"/>
-          </p:nvPr>
-        </p:nvSpPr>
-        <p:spPr/>
-        <p:txBody>
-          <a:bodyPr>
-            <a:normAutofit/>
-          </a:bodyPr>
-          <a:lstStyle/>
-          <a:p>
-            <a:r>
-              <a:rPr lang="zh-TW" altLang="en-US" sz="4000" b="1" dirty="0">
-                <a:solidFill>
-                  <a:srgbClr val="000066"/>
-                </a:solidFill>
-                <a:latin typeface="微軟正黑體" pitchFamily="34" charset="-120"/>
-                <a:ea typeface="微軟正黑體" pitchFamily="34" charset="-120"/>
-              </a:rPr>
-              <a:t>我的心你要稱頌耶和華</a:t>
-            </a:r>
-          </a:p>
-        </p:txBody>
-      </p:sp>
-      <p:sp>
-        <p:nvSpPr>
-          <p:cNvPr id="5" name="內容版面配置區 4"/>
-          <p:cNvSpPr>
-            <a:spLocks noGrp="1"/>
-          </p:cNvSpPr>
-          <p:nvPr>
-            <p:ph idx="1"/>
-          </p:nvPr>
-        </p:nvSpPr>
-        <p:spPr/>
-        <p:txBody>
-          <a:bodyPr>
-            <a:noAutofit/>
-          </a:bodyPr>
-          <a:lstStyle/>
-          <a:p>
-            <a:pPr algn="ctr">
-              <a:buNone/>
-            </a:pPr>
-            <a:r>
-              <a:rPr lang="zh-TW" altLang="en-US" sz="4800" b="1" dirty="0">
-                <a:solidFill>
-                  <a:srgbClr val="000066"/>
-                </a:solidFill>
-                <a:latin typeface="微軟正黑體" pitchFamily="34" charset="-120"/>
-                <a:ea typeface="微軟正黑體" pitchFamily="34" charset="-120"/>
-              </a:rPr>
-              <a:t>耶和華有憐憫的愛</a:t>
-            </a:r>
-            <a:endParaRPr lang="en-US" altLang="zh-TW" sz="4800" b="1" dirty="0">
-              <a:solidFill>
-                <a:srgbClr val="000066"/>
-              </a:solidFill>
-              <a:latin typeface="微軟正黑體" pitchFamily="34" charset="-120"/>
-              <a:ea typeface="微軟正黑體" pitchFamily="34" charset="-120"/>
-            </a:endParaRPr>
-          </a:p>
-          <a:p>
-            <a:pPr algn="ctr">
-              <a:buNone/>
-            </a:pPr>
-            <a:r>
-              <a:rPr lang="zh-TW" altLang="en-US" sz="4800" b="1" dirty="0">
-                <a:solidFill>
-                  <a:srgbClr val="000066"/>
-                </a:solidFill>
-                <a:latin typeface="微軟正黑體" pitchFamily="34" charset="-120"/>
-                <a:ea typeface="微軟正黑體" pitchFamily="34" charset="-120"/>
-              </a:rPr>
-              <a:t>且有豐盛無盡的恩典</a:t>
-            </a:r>
-            <a:endParaRPr lang="en-US" altLang="zh-TW" sz="4800" b="1" dirty="0">
-              <a:solidFill>
-                <a:srgbClr val="000066"/>
-              </a:solidFill>
-              <a:latin typeface="微軟正黑體" pitchFamily="34" charset="-120"/>
-              <a:ea typeface="微軟正黑體" pitchFamily="34" charset="-120"/>
-            </a:endParaRPr>
-          </a:p>
-          <a:p>
-            <a:pPr algn="ctr">
-              <a:buNone/>
-            </a:pPr>
-            <a:r>
-              <a:rPr lang="zh-TW" altLang="en-US" sz="4800" b="1" dirty="0">
-                <a:solidFill>
-                  <a:srgbClr val="000066"/>
-                </a:solidFill>
-                <a:latin typeface="微軟正黑體" pitchFamily="34" charset="-120"/>
-                <a:ea typeface="微軟正黑體" pitchFamily="34" charset="-120"/>
-              </a:rPr>
-              <a:t>從亙古直到永遠</a:t>
-            </a:r>
-            <a:endParaRPr lang="en-US" altLang="zh-TW" sz="4800" b="1" dirty="0">
-              <a:solidFill>
-                <a:srgbClr val="000066"/>
-              </a:solidFill>
-              <a:latin typeface="微軟正黑體" pitchFamily="34" charset="-120"/>
-              <a:ea typeface="微軟正黑體" pitchFamily="34" charset="-120"/>
-            </a:endParaRPr>
-          </a:p>
-          <a:p>
-            <a:pPr algn="ctr">
-              <a:buNone/>
-            </a:pPr>
-            <a:r>
-              <a:rPr lang="zh-TW" altLang="en-US" sz="4800" b="1" dirty="0">
-                <a:solidFill>
-                  <a:srgbClr val="000066"/>
-                </a:solidFill>
-                <a:latin typeface="微軟正黑體" pitchFamily="34" charset="-120"/>
-                <a:ea typeface="微軟正黑體" pitchFamily="34" charset="-120"/>
-              </a:rPr>
-              <a:t>耶和華祂是我的神</a:t>
-            </a:r>
-          </a:p>
-        </p:txBody>
-      </p:sp>
-    </p:spTree>
-  </p:cSld>
-  <p:clrMapOvr>
-    <a:masterClrMapping/>
-  </p:clrMapOvr>
-</p:sld>
-</file>
-
-<file path=ppt/slides/slide12.xml><?xml version="1.0" encoding="utf-8"?>
-<p:sld xmlns:a="http://schemas.openxmlformats.org/drawingml/2006/main" xmlns:r="http://schemas.openxmlformats.org/officeDocument/2006/relationships" xmlns:p="http://schemas.openxmlformats.org/presentationml/2006/main">
-  <p:cSld>
-    <p:spTree>
-      <p:nvGrpSpPr>
-        <p:cNvPr id="1" name=""/>
-        <p:cNvGrpSpPr/>
-        <p:nvPr/>
-      </p:nvGrpSpPr>
-      <p:grpSpPr>
-        <a:xfrm>
-          <a:off x="0" y="0"/>
-          <a:ext cx="0" cy="0"/>
-          <a:chOff x="0" y="0"/>
-          <a:chExt cx="0" cy="0"/>
-        </a:xfrm>
-      </p:grpSpPr>
-      <p:sp>
-        <p:nvSpPr>
-          <p:cNvPr id="2" name="標題 1"/>
-          <p:cNvSpPr>
-            <a:spLocks noGrp="1"/>
-          </p:cNvSpPr>
-          <p:nvPr>
-            <p:ph type="title"/>
-          </p:nvPr>
-        </p:nvSpPr>
-        <p:spPr/>
-        <p:txBody>
-          <a:bodyPr/>
-          <a:lstStyle/>
-          <a:p>
-            <a:r>
-              <a:rPr lang="zh-TW" altLang="en-US" b="1" dirty="0">
-                <a:latin typeface="微軟正黑體" pitchFamily="34" charset="-120"/>
-                <a:ea typeface="微軟正黑體" pitchFamily="34" charset="-120"/>
-              </a:rPr>
-              <a:t>我以禱告來到你跟前</a:t>
-            </a:r>
-          </a:p>
-        </p:txBody>
-      </p:sp>
-      <p:sp>
-        <p:nvSpPr>
-          <p:cNvPr id="3" name="內容版面配置區 2"/>
-          <p:cNvSpPr>
-            <a:spLocks noGrp="1"/>
-          </p:cNvSpPr>
-          <p:nvPr>
-            <p:ph idx="1"/>
-          </p:nvPr>
-        </p:nvSpPr>
-        <p:spPr/>
-        <p:txBody>
-          <a:bodyPr>
-            <a:normAutofit fontScale="92500" lnSpcReduction="10000"/>
-          </a:bodyPr>
-          <a:lstStyle/>
-          <a:p>
-            <a:pPr algn="ctr">
-              <a:buNone/>
-            </a:pPr>
-            <a:r>
-              <a:rPr lang="zh-TW" altLang="en-US" sz="5400" b="1" dirty="0">
-                <a:latin typeface="微軟正黑體" pitchFamily="34" charset="-120"/>
-                <a:ea typeface="微軟正黑體" pitchFamily="34" charset="-120"/>
-              </a:rPr>
-              <a:t>我以禱告來到你</a:t>
-            </a:r>
-            <a:r>
-              <a:rPr lang="zh-TW" altLang="en-US" sz="5400" b="1" dirty="0" smtClean="0">
-                <a:latin typeface="微軟正黑體" pitchFamily="34" charset="-120"/>
-                <a:ea typeface="微軟正黑體" pitchFamily="34" charset="-120"/>
-              </a:rPr>
-              <a:t>跟前</a:t>
-            </a:r>
-            <a:endParaRPr lang="en-US" altLang="zh-TW" sz="5400" b="1" dirty="0" smtClean="0">
-              <a:latin typeface="微軟正黑體" pitchFamily="34" charset="-120"/>
-              <a:ea typeface="微軟正黑體" pitchFamily="34" charset="-120"/>
-            </a:endParaRPr>
-          </a:p>
-          <a:p>
-            <a:pPr algn="ctr">
-              <a:buNone/>
-            </a:pPr>
-            <a:r>
-              <a:rPr lang="zh-TW" altLang="en-US" sz="5400" b="1" dirty="0" smtClean="0">
+                <a:effectLst>
+                  <a:outerShdw blurRad="38100" dist="38100" dir="2700000" algn="tl">
+                    <a:srgbClr val="000000">
+                      <a:alpha val="43137"/>
+                    </a:srgbClr>
+                  </a:outerShdw>
+                </a:effectLst>
                 <a:latin typeface="微軟正黑體" pitchFamily="34" charset="-120"/>
                 <a:ea typeface="微軟正黑體" pitchFamily="34" charset="-120"/>
               </a:rPr>
               <a:t>我</a:t>
             </a:r>
             <a:r>
-              <a:rPr lang="zh-TW" altLang="en-US" sz="5400" b="1" dirty="0">
+              <a:rPr lang="zh-TW" altLang="en-US" sz="5400" b="1" i="1" dirty="0">
+                <a:solidFill>
+                  <a:srgbClr val="000066"/>
+                </a:solidFill>
+                <a:effectLst>
+                  <a:outerShdw blurRad="38100" dist="38100" dir="2700000" algn="tl">
+                    <a:srgbClr val="000000">
+                      <a:alpha val="43137"/>
+                    </a:srgbClr>
+                  </a:outerShdw>
+                </a:effectLst>
                 <a:latin typeface="微軟正黑體" pitchFamily="34" charset="-120"/>
                 <a:ea typeface="微軟正黑體" pitchFamily="34" charset="-120"/>
               </a:rPr>
-              <a:t>要尋求</a:t>
-            </a:r>
-            <a:r>
-              <a:rPr lang="zh-TW" altLang="en-US" sz="5400" b="1" dirty="0" smtClean="0">
+              <a:t>的</a:t>
+            </a:r>
+            <a:r>
+              <a:rPr lang="zh-TW" altLang="en-US" sz="5400" b="1" i="1" dirty="0" smtClean="0">
+                <a:solidFill>
+                  <a:srgbClr val="000066"/>
+                </a:solidFill>
+                <a:effectLst>
+                  <a:outerShdw blurRad="38100" dist="38100" dir="2700000" algn="tl">
+                    <a:srgbClr val="000000">
+                      <a:alpha val="43137"/>
+                    </a:srgbClr>
+                  </a:outerShdw>
+                </a:effectLst>
+                <a:latin typeface="微軟正黑體" pitchFamily="34" charset="-120"/>
+                <a:ea typeface="微軟正黑體" pitchFamily="34" charset="-120"/>
+              </a:rPr>
+              <a:t>心</a:t>
+            </a:r>
+            <a:r>
+              <a:rPr lang="zh-CN" altLang="en-US" sz="5400" b="1" i="1" dirty="0" smtClean="0">
+                <a:solidFill>
+                  <a:srgbClr val="000066"/>
+                </a:solidFill>
+                <a:effectLst>
+                  <a:outerShdw blurRad="38100" dist="38100" dir="2700000" algn="tl">
+                    <a:srgbClr val="000000">
+                      <a:alpha val="43137"/>
+                    </a:srgbClr>
+                  </a:outerShdw>
+                </a:effectLst>
+                <a:latin typeface="微軟正黑體" pitchFamily="34" charset="-120"/>
+                <a:ea typeface="微軟正黑體" pitchFamily="34" charset="-120"/>
+              </a:rPr>
+              <a:t>，</a:t>
+            </a:r>
+            <a:r>
+              <a:rPr lang="zh-TW" altLang="en-US" sz="5400" b="1" i="1" dirty="0" smtClean="0">
+                <a:solidFill>
+                  <a:srgbClr val="000066"/>
+                </a:solidFill>
+                <a:effectLst>
+                  <a:outerShdw blurRad="38100" dist="38100" dir="2700000" algn="tl">
+                    <a:srgbClr val="000000">
+                      <a:alpha val="43137"/>
+                    </a:srgbClr>
+                  </a:outerShdw>
+                </a:effectLst>
                 <a:latin typeface="微軟正黑體" pitchFamily="34" charset="-120"/>
                 <a:ea typeface="微軟正黑體" pitchFamily="34" charset="-120"/>
               </a:rPr>
               <a:t>你</a:t>
             </a:r>
-            <a:endParaRPr lang="en-US" altLang="zh-TW" sz="5400" b="1" dirty="0">
-              <a:latin typeface="微軟正黑體" pitchFamily="34" charset="-120"/>
-              <a:ea typeface="微軟正黑體" pitchFamily="34" charset="-120"/>
-            </a:endParaRPr>
-          </a:p>
-          <a:p>
-            <a:pPr algn="ctr">
-              <a:buNone/>
-            </a:pPr>
-            <a:r>
-              <a:rPr lang="zh-TW" altLang="en-US" sz="5400" b="1" dirty="0" smtClean="0">
+            <a:r>
+              <a:rPr lang="zh-TW" altLang="en-US" sz="5400" b="1" i="1" dirty="0">
+                <a:solidFill>
+                  <a:srgbClr val="000066"/>
+                </a:solidFill>
+                <a:effectLst>
+                  <a:outerShdw blurRad="38100" dist="38100" dir="2700000" algn="tl">
+                    <a:srgbClr val="000000">
+                      <a:alpha val="43137"/>
+                    </a:srgbClr>
+                  </a:outerShdw>
+                </a:effectLst>
                 <a:latin typeface="微軟正黑體" pitchFamily="34" charset="-120"/>
                 <a:ea typeface="微軟正黑體" pitchFamily="34" charset="-120"/>
               </a:rPr>
-              <a:t>我</a:t>
-            </a:r>
-            <a:r>
-              <a:rPr lang="zh-TW" altLang="en-US" sz="5400" b="1" dirty="0">
-                <a:latin typeface="微軟正黑體" pitchFamily="34" charset="-120"/>
-                <a:ea typeface="微軟正黑體" pitchFamily="34" charset="-120"/>
-              </a:rPr>
-              <a:t>要站在破口</a:t>
-            </a:r>
-            <a:r>
-              <a:rPr lang="zh-TW" altLang="en-US" sz="5400" b="1" dirty="0" smtClean="0">
-                <a:latin typeface="微軟正黑體" pitchFamily="34" charset="-120"/>
-                <a:ea typeface="微軟正黑體" pitchFamily="34" charset="-120"/>
-              </a:rPr>
-              <a:t>之中</a:t>
-            </a:r>
-            <a:endParaRPr lang="en-US" altLang="zh-TW" sz="5400" b="1" dirty="0" smtClean="0">
-              <a:latin typeface="微軟正黑體" pitchFamily="34" charset="-120"/>
-              <a:ea typeface="微軟正黑體" pitchFamily="34" charset="-120"/>
-            </a:endParaRPr>
-          </a:p>
-          <a:p>
-            <a:pPr algn="ctr">
-              <a:buNone/>
-            </a:pPr>
-            <a:r>
-              <a:rPr lang="zh-TW" altLang="en-US" sz="5400" b="1" dirty="0" smtClean="0">
-                <a:latin typeface="微軟正黑體" pitchFamily="34" charset="-120"/>
-                <a:ea typeface="微軟正黑體" pitchFamily="34" charset="-120"/>
-              </a:rPr>
-              <a:t>在</a:t>
-            </a:r>
-            <a:r>
-              <a:rPr lang="zh-TW" altLang="en-US" sz="5400" b="1" dirty="0">
-                <a:latin typeface="微軟正黑體" pitchFamily="34" charset="-120"/>
-                <a:ea typeface="微軟正黑體" pitchFamily="34" charset="-120"/>
-              </a:rPr>
-              <a:t>那裡我</a:t>
-            </a:r>
-            <a:r>
-              <a:rPr lang="zh-TW" altLang="en-US" sz="5400" b="1" dirty="0" smtClean="0">
-                <a:latin typeface="微軟正黑體" pitchFamily="34" charset="-120"/>
-                <a:ea typeface="微軟正黑體" pitchFamily="34" charset="-120"/>
-              </a:rPr>
-              <a:t>尋求你</a:t>
-            </a:r>
-            <a:endParaRPr lang="zh-TW" altLang="en-US" sz="5400" b="1" dirty="0">
-              <a:latin typeface="微軟正黑體" pitchFamily="34" charset="-120"/>
-              <a:ea typeface="微軟正黑體" pitchFamily="34" charset="-120"/>
-            </a:endParaRPr>
+              <a:t>要稱頌耶和華</a:t>
+            </a:r>
           </a:p>
         </p:txBody>
       </p:sp>
     </p:spTree>
-  </p:cSld>
-  <p:clrMapOvr>
-    <a:masterClrMapping/>
-  </p:clrMapOvr>
-</p:sld>
-</file>
-
-<file path=ppt/slides/slide13.xml><?xml version="1.0" encoding="utf-8"?>
-<p:sld xmlns:a="http://schemas.openxmlformats.org/drawingml/2006/main" xmlns:r="http://schemas.openxmlformats.org/officeDocument/2006/relationships" xmlns:p="http://schemas.openxmlformats.org/presentationml/2006/main">
-  <p:cSld>
-    <p:spTree>
-      <p:nvGrpSpPr>
-        <p:cNvPr id="1" name=""/>
-        <p:cNvGrpSpPr/>
-        <p:nvPr/>
-      </p:nvGrpSpPr>
-      <p:grpSpPr>
-        <a:xfrm>
-          <a:off x="0" y="0"/>
-          <a:ext cx="0" cy="0"/>
-          <a:chOff x="0" y="0"/>
-          <a:chExt cx="0" cy="0"/>
-        </a:xfrm>
-      </p:grpSpPr>
-      <p:sp>
-        <p:nvSpPr>
-          <p:cNvPr id="2" name="標題 1"/>
-          <p:cNvSpPr>
-            <a:spLocks noGrp="1"/>
-          </p:cNvSpPr>
-          <p:nvPr>
-            <p:ph type="title"/>
-          </p:nvPr>
-        </p:nvSpPr>
-        <p:spPr/>
-        <p:txBody>
-          <a:bodyPr/>
-          <a:lstStyle/>
-          <a:p>
-            <a:r>
-              <a:rPr lang="zh-TW" altLang="en-US" b="1" dirty="0">
-                <a:latin typeface="微軟正黑體" pitchFamily="34" charset="-120"/>
-                <a:ea typeface="微軟正黑體" pitchFamily="34" charset="-120"/>
-              </a:rPr>
-              <a:t>我以禱告來到你跟前</a:t>
-            </a:r>
-          </a:p>
-        </p:txBody>
-      </p:sp>
-      <p:sp>
-        <p:nvSpPr>
-          <p:cNvPr id="3" name="內容版面配置區 2"/>
-          <p:cNvSpPr>
-            <a:spLocks noGrp="1"/>
-          </p:cNvSpPr>
-          <p:nvPr>
-            <p:ph idx="1"/>
-          </p:nvPr>
-        </p:nvSpPr>
-        <p:spPr/>
-        <p:txBody>
-          <a:bodyPr>
-            <a:normAutofit/>
-          </a:bodyPr>
-          <a:lstStyle/>
-          <a:p>
-            <a:pPr algn="ctr">
-              <a:buNone/>
-            </a:pPr>
-            <a:r>
-              <a:rPr lang="zh-TW" altLang="en-US" sz="5400" b="1" dirty="0">
-                <a:latin typeface="微軟正黑體" pitchFamily="34" charset="-120"/>
-                <a:ea typeface="微軟正黑體" pitchFamily="34" charset="-120"/>
-              </a:rPr>
-              <a:t>每一次我禱告</a:t>
-            </a:r>
-            <a:endParaRPr lang="en-US" altLang="zh-TW" sz="5400" b="1" dirty="0">
-              <a:latin typeface="微軟正黑體" pitchFamily="34" charset="-120"/>
-              <a:ea typeface="微軟正黑體" pitchFamily="34" charset="-120"/>
-            </a:endParaRPr>
-          </a:p>
-          <a:p>
-            <a:pPr algn="ctr">
-              <a:buNone/>
-            </a:pPr>
-            <a:r>
-              <a:rPr lang="zh-TW" altLang="en-US" sz="5400" b="1" dirty="0">
-                <a:latin typeface="微軟正黑體" pitchFamily="34" charset="-120"/>
-                <a:ea typeface="微軟正黑體" pitchFamily="34" charset="-120"/>
-              </a:rPr>
-              <a:t>我搖動你的手</a:t>
-            </a:r>
-            <a:endParaRPr lang="en-US" altLang="zh-TW" sz="5400" b="1" dirty="0">
-              <a:latin typeface="微軟正黑體" pitchFamily="34" charset="-120"/>
-              <a:ea typeface="微軟正黑體" pitchFamily="34" charset="-120"/>
-            </a:endParaRPr>
-          </a:p>
-          <a:p>
-            <a:pPr algn="ctr">
-              <a:buNone/>
-            </a:pPr>
-            <a:r>
-              <a:rPr lang="zh-TW" altLang="en-US" sz="5400" b="1" dirty="0">
-                <a:latin typeface="微軟正黑體" pitchFamily="34" charset="-120"/>
-                <a:ea typeface="微軟正黑體" pitchFamily="34" charset="-120"/>
-              </a:rPr>
-              <a:t>禱告做的事我的手不能做</a:t>
-            </a:r>
-          </a:p>
-        </p:txBody>
-      </p:sp>
-    </p:spTree>
-  </p:cSld>
-  <p:clrMapOvr>
-    <a:masterClrMapping/>
-  </p:clrMapOvr>
-</p:sld>
-</file>
-
-<file path=ppt/slides/slide14.xml><?xml version="1.0" encoding="utf-8"?>
-<p:sld xmlns:a="http://schemas.openxmlformats.org/drawingml/2006/main" xmlns:r="http://schemas.openxmlformats.org/officeDocument/2006/relationships" xmlns:p="http://schemas.openxmlformats.org/presentationml/2006/main">
-  <p:cSld>
-    <p:spTree>
-      <p:nvGrpSpPr>
-        <p:cNvPr id="1" name=""/>
-        <p:cNvGrpSpPr/>
-        <p:nvPr/>
-      </p:nvGrpSpPr>
-      <p:grpSpPr>
-        <a:xfrm>
-          <a:off x="0" y="0"/>
-          <a:ext cx="0" cy="0"/>
-          <a:chOff x="0" y="0"/>
-          <a:chExt cx="0" cy="0"/>
-        </a:xfrm>
-      </p:grpSpPr>
-      <p:sp>
-        <p:nvSpPr>
-          <p:cNvPr id="2" name="標題 1"/>
-          <p:cNvSpPr>
-            <a:spLocks noGrp="1"/>
-          </p:cNvSpPr>
-          <p:nvPr>
-            <p:ph type="title"/>
-          </p:nvPr>
-        </p:nvSpPr>
-        <p:spPr/>
-        <p:txBody>
-          <a:bodyPr/>
-          <a:lstStyle/>
-          <a:p>
-            <a:r>
-              <a:rPr lang="zh-TW" altLang="en-US" b="1" dirty="0">
-                <a:latin typeface="微軟正黑體" pitchFamily="34" charset="-120"/>
-                <a:ea typeface="微軟正黑體" pitchFamily="34" charset="-120"/>
-              </a:rPr>
-              <a:t>我以禱告來到你跟前</a:t>
-            </a:r>
-          </a:p>
-        </p:txBody>
-      </p:sp>
-      <p:sp>
-        <p:nvSpPr>
-          <p:cNvPr id="3" name="內容版面配置區 2"/>
-          <p:cNvSpPr>
-            <a:spLocks noGrp="1"/>
-          </p:cNvSpPr>
-          <p:nvPr>
-            <p:ph idx="1"/>
-          </p:nvPr>
-        </p:nvSpPr>
-        <p:spPr/>
-        <p:txBody>
-          <a:bodyPr>
-            <a:normAutofit fontScale="92500" lnSpcReduction="10000"/>
-          </a:bodyPr>
-          <a:lstStyle/>
-          <a:p>
-            <a:pPr algn="ctr">
-              <a:buNone/>
-            </a:pPr>
-            <a:r>
-              <a:rPr lang="zh-TW" altLang="en-US" sz="5400" b="1" dirty="0">
-                <a:latin typeface="微軟正黑體" pitchFamily="34" charset="-120"/>
-                <a:ea typeface="微軟正黑體" pitchFamily="34" charset="-120"/>
-              </a:rPr>
-              <a:t>每一次我禱告</a:t>
-            </a:r>
-            <a:endParaRPr lang="en-US" altLang="zh-TW" sz="5400" b="1" dirty="0">
-              <a:latin typeface="微軟正黑體" pitchFamily="34" charset="-120"/>
-              <a:ea typeface="微軟正黑體" pitchFamily="34" charset="-120"/>
-            </a:endParaRPr>
-          </a:p>
-          <a:p>
-            <a:pPr algn="ctr">
-              <a:buNone/>
-            </a:pPr>
-            <a:r>
-              <a:rPr lang="zh-TW" altLang="en-US" sz="5400" b="1" dirty="0">
-                <a:latin typeface="微軟正黑體" pitchFamily="34" charset="-120"/>
-                <a:ea typeface="微軟正黑體" pitchFamily="34" charset="-120"/>
-              </a:rPr>
-              <a:t>大山被挪移</a:t>
-            </a:r>
-            <a:endParaRPr lang="en-US" altLang="zh-TW" sz="5400" b="1" dirty="0">
-              <a:latin typeface="微軟正黑體" pitchFamily="34" charset="-120"/>
-              <a:ea typeface="微軟正黑體" pitchFamily="34" charset="-120"/>
-            </a:endParaRPr>
-          </a:p>
-          <a:p>
-            <a:pPr algn="ctr">
-              <a:buNone/>
-            </a:pPr>
-            <a:r>
-              <a:rPr lang="zh-TW" altLang="en-US" sz="5400" b="1" dirty="0">
-                <a:latin typeface="微軟正黑體" pitchFamily="34" charset="-120"/>
-                <a:ea typeface="微軟正黑體" pitchFamily="34" charset="-120"/>
-              </a:rPr>
-              <a:t>道路被鋪平</a:t>
-            </a:r>
-            <a:endParaRPr lang="en-US" altLang="zh-TW" sz="5400" b="1" dirty="0">
-              <a:latin typeface="微軟正黑體" pitchFamily="34" charset="-120"/>
-              <a:ea typeface="微軟正黑體" pitchFamily="34" charset="-120"/>
-            </a:endParaRPr>
-          </a:p>
-          <a:p>
-            <a:pPr algn="ctr">
-              <a:buNone/>
-            </a:pPr>
-            <a:r>
-              <a:rPr lang="zh-TW" altLang="en-US" sz="5400" b="1" dirty="0">
-                <a:latin typeface="微軟正黑體" pitchFamily="34" charset="-120"/>
-                <a:ea typeface="微軟正黑體" pitchFamily="34" charset="-120"/>
-              </a:rPr>
-              <a:t>使列國歸向你</a:t>
-            </a:r>
-          </a:p>
-        </p:txBody>
-      </p:sp>
-    </p:spTree>
-  </p:cSld>
-  <p:clrMapOvr>
-    <a:masterClrMapping/>
-  </p:clrMapOvr>
-</p:sld>
-</file>
-
-<file path=ppt/slides/slide15.xml><?xml version="1.0" encoding="utf-8"?>
-<p:sld xmlns:a="http://schemas.openxmlformats.org/drawingml/2006/main" xmlns:r="http://schemas.openxmlformats.org/officeDocument/2006/relationships" xmlns:p="http://schemas.openxmlformats.org/presentationml/2006/main">
-  <p:cSld>
-    <p:spTree>
-      <p:nvGrpSpPr>
-        <p:cNvPr id="1" name=""/>
-        <p:cNvGrpSpPr/>
-        <p:nvPr/>
-      </p:nvGrpSpPr>
-      <p:grpSpPr>
-        <a:xfrm>
-          <a:off x="0" y="0"/>
-          <a:ext cx="0" cy="0"/>
-          <a:chOff x="0" y="0"/>
-          <a:chExt cx="0" cy="0"/>
-        </a:xfrm>
-      </p:grpSpPr>
-      <p:sp>
-        <p:nvSpPr>
-          <p:cNvPr id="2" name="標題 1"/>
-          <p:cNvSpPr>
-            <a:spLocks noGrp="1"/>
-          </p:cNvSpPr>
-          <p:nvPr>
-            <p:ph type="title"/>
-          </p:nvPr>
-        </p:nvSpPr>
-        <p:spPr/>
-        <p:txBody>
-          <a:bodyPr/>
-          <a:lstStyle/>
-          <a:p>
-            <a:r>
-              <a:rPr lang="zh-TW" altLang="en-US" b="1" dirty="0">
-                <a:latin typeface="微軟正黑體" pitchFamily="34" charset="-120"/>
-                <a:ea typeface="微軟正黑體" pitchFamily="34" charset="-120"/>
-              </a:rPr>
-              <a:t>我以禱告來到你跟前</a:t>
-            </a:r>
-          </a:p>
-        </p:txBody>
-      </p:sp>
-      <p:sp>
-        <p:nvSpPr>
-          <p:cNvPr id="3" name="內容版面配置區 2"/>
-          <p:cNvSpPr>
-            <a:spLocks noGrp="1"/>
-          </p:cNvSpPr>
-          <p:nvPr>
-            <p:ph idx="1"/>
-          </p:nvPr>
-        </p:nvSpPr>
-        <p:spPr/>
-        <p:txBody>
-          <a:bodyPr>
-            <a:normAutofit fontScale="92500" lnSpcReduction="10000"/>
-          </a:bodyPr>
-          <a:lstStyle/>
-          <a:p>
-            <a:pPr algn="ctr">
-              <a:buNone/>
-            </a:pPr>
-            <a:r>
-              <a:rPr lang="zh-TW" altLang="en-US" sz="5400" b="1" dirty="0">
-                <a:latin typeface="微軟正黑體" pitchFamily="34" charset="-120"/>
-                <a:ea typeface="微軟正黑體" pitchFamily="34" charset="-120"/>
-              </a:rPr>
-              <a:t>主我是軟弱及無助</a:t>
-            </a:r>
-            <a:endParaRPr lang="en-US" altLang="zh-TW" sz="5400" b="1" dirty="0">
-              <a:latin typeface="微軟正黑體" pitchFamily="34" charset="-120"/>
-              <a:ea typeface="微軟正黑體" pitchFamily="34" charset="-120"/>
-            </a:endParaRPr>
-          </a:p>
-          <a:p>
-            <a:pPr algn="ctr">
-              <a:buNone/>
-            </a:pPr>
-            <a:r>
-              <a:rPr lang="zh-TW" altLang="en-US" sz="5400" b="1" dirty="0">
-                <a:latin typeface="微軟正黑體" pitchFamily="34" charset="-120"/>
-                <a:ea typeface="微軟正黑體" pitchFamily="34" charset="-120"/>
-              </a:rPr>
-              <a:t>你卻是我的力量</a:t>
-            </a:r>
-            <a:endParaRPr lang="en-US" altLang="zh-TW" sz="5400" b="1" dirty="0">
-              <a:latin typeface="微軟正黑體" pitchFamily="34" charset="-120"/>
-              <a:ea typeface="微軟正黑體" pitchFamily="34" charset="-120"/>
-            </a:endParaRPr>
-          </a:p>
-          <a:p>
-            <a:pPr algn="ctr">
-              <a:buNone/>
-            </a:pPr>
-            <a:r>
-              <a:rPr lang="zh-TW" altLang="en-US" sz="5400" b="1" dirty="0">
-                <a:latin typeface="微軟正黑體" pitchFamily="34" charset="-120"/>
-                <a:ea typeface="微軟正黑體" pitchFamily="34" charset="-120"/>
-              </a:rPr>
-              <a:t>以你親切的手引導我</a:t>
-            </a:r>
-            <a:endParaRPr lang="en-US" altLang="zh-TW" sz="5400" b="1" dirty="0">
-              <a:latin typeface="微軟正黑體" pitchFamily="34" charset="-120"/>
-              <a:ea typeface="微軟正黑體" pitchFamily="34" charset="-120"/>
-            </a:endParaRPr>
-          </a:p>
-          <a:p>
-            <a:pPr algn="ctr">
-              <a:buNone/>
-            </a:pPr>
-            <a:r>
-              <a:rPr lang="zh-TW" altLang="en-US" sz="5400" b="1" dirty="0">
-                <a:latin typeface="微軟正黑體" pitchFamily="34" charset="-120"/>
-                <a:ea typeface="微軟正黑體" pitchFamily="34" charset="-120"/>
-              </a:rPr>
-              <a:t>那就是我的得勝</a:t>
-            </a:r>
-          </a:p>
-        </p:txBody>
-      </p:sp>
-    </p:spTree>
-  </p:cSld>
-  <p:clrMapOvr>
-    <a:masterClrMapping/>
-  </p:clrMapOvr>
-</p:sld>
-</file>
-
-<file path=ppt/slides/slide16.xml><?xml version="1.0" encoding="utf-8"?>
-<p:sld xmlns:a="http://schemas.openxmlformats.org/drawingml/2006/main" xmlns:r="http://schemas.openxmlformats.org/officeDocument/2006/relationships" xmlns:p="http://schemas.openxmlformats.org/presentationml/2006/main">
-  <p:cSld>
-    <p:spTree>
-      <p:nvGrpSpPr>
-        <p:cNvPr id="1" name=""/>
-        <p:cNvGrpSpPr/>
-        <p:nvPr/>
-      </p:nvGrpSpPr>
-      <p:grpSpPr>
-        <a:xfrm>
-          <a:off x="0" y="0"/>
-          <a:ext cx="0" cy="0"/>
-          <a:chOff x="0" y="0"/>
-          <a:chExt cx="0" cy="0"/>
-        </a:xfrm>
-      </p:grpSpPr>
-      <p:sp>
-        <p:nvSpPr>
-          <p:cNvPr id="2" name="標題 1"/>
-          <p:cNvSpPr>
-            <a:spLocks noGrp="1"/>
-          </p:cNvSpPr>
-          <p:nvPr>
-            <p:ph type="title"/>
-          </p:nvPr>
-        </p:nvSpPr>
-        <p:spPr/>
-        <p:txBody>
-          <a:bodyPr/>
-          <a:lstStyle/>
-          <a:p>
-            <a:r>
-              <a:rPr lang="zh-TW" altLang="en-US" b="1" dirty="0">
-                <a:latin typeface="微軟正黑體" pitchFamily="34" charset="-120"/>
-                <a:ea typeface="微軟正黑體" pitchFamily="34" charset="-120"/>
-              </a:rPr>
-              <a:t>我以禱告來到你跟前</a:t>
-            </a:r>
-          </a:p>
-        </p:txBody>
-      </p:sp>
-      <p:sp>
-        <p:nvSpPr>
-          <p:cNvPr id="3" name="內容版面配置區 2"/>
-          <p:cNvSpPr>
-            <a:spLocks noGrp="1"/>
-          </p:cNvSpPr>
-          <p:nvPr>
-            <p:ph idx="1"/>
-          </p:nvPr>
-        </p:nvSpPr>
-        <p:spPr/>
-        <p:txBody>
-          <a:bodyPr>
-            <a:normAutofit/>
-          </a:bodyPr>
-          <a:lstStyle/>
-          <a:p>
-            <a:pPr algn="ctr">
-              <a:buNone/>
-            </a:pPr>
-            <a:r>
-              <a:rPr lang="zh-TW" altLang="en-US" sz="5400" b="1" dirty="0">
-                <a:latin typeface="微軟正黑體" pitchFamily="34" charset="-120"/>
-                <a:ea typeface="微軟正黑體" pitchFamily="34" charset="-120"/>
-              </a:rPr>
-              <a:t>每一次我禱告</a:t>
-            </a:r>
-            <a:endParaRPr lang="en-US" altLang="zh-TW" sz="5400" b="1" dirty="0">
-              <a:latin typeface="微軟正黑體" pitchFamily="34" charset="-120"/>
-              <a:ea typeface="微軟正黑體" pitchFamily="34" charset="-120"/>
-            </a:endParaRPr>
-          </a:p>
-          <a:p>
-            <a:pPr algn="ctr">
-              <a:buNone/>
-            </a:pPr>
-            <a:r>
-              <a:rPr lang="zh-TW" altLang="en-US" sz="5400" b="1" dirty="0">
-                <a:latin typeface="微軟正黑體" pitchFamily="34" charset="-120"/>
-                <a:ea typeface="微軟正黑體" pitchFamily="34" charset="-120"/>
-              </a:rPr>
-              <a:t>我搖動你的手</a:t>
-            </a:r>
-            <a:endParaRPr lang="en-US" altLang="zh-TW" sz="5400" b="1" dirty="0">
-              <a:latin typeface="微軟正黑體" pitchFamily="34" charset="-120"/>
-              <a:ea typeface="微軟正黑體" pitchFamily="34" charset="-120"/>
-            </a:endParaRPr>
-          </a:p>
-          <a:p>
-            <a:pPr algn="ctr">
-              <a:buNone/>
-            </a:pPr>
-            <a:r>
-              <a:rPr lang="zh-TW" altLang="en-US" sz="5400" b="1" dirty="0">
-                <a:latin typeface="微軟正黑體" pitchFamily="34" charset="-120"/>
-                <a:ea typeface="微軟正黑體" pitchFamily="34" charset="-120"/>
-              </a:rPr>
-              <a:t>禱告做的事我的手不能做</a:t>
-            </a:r>
-          </a:p>
-        </p:txBody>
-      </p:sp>
-    </p:spTree>
-  </p:cSld>
-  <p:clrMapOvr>
-    <a:masterClrMapping/>
-  </p:clrMapOvr>
-</p:sld>
-</file>
-
-<file path=ppt/slides/slide17.xml><?xml version="1.0" encoding="utf-8"?>
-<p:sld xmlns:a="http://schemas.openxmlformats.org/drawingml/2006/main" xmlns:r="http://schemas.openxmlformats.org/officeDocument/2006/relationships" xmlns:p="http://schemas.openxmlformats.org/presentationml/2006/main">
-  <p:cSld>
-    <p:spTree>
-      <p:nvGrpSpPr>
-        <p:cNvPr id="1" name=""/>
-        <p:cNvGrpSpPr/>
-        <p:nvPr/>
-      </p:nvGrpSpPr>
-      <p:grpSpPr>
-        <a:xfrm>
-          <a:off x="0" y="0"/>
-          <a:ext cx="0" cy="0"/>
-          <a:chOff x="0" y="0"/>
-          <a:chExt cx="0" cy="0"/>
-        </a:xfrm>
-      </p:grpSpPr>
-      <p:sp>
-        <p:nvSpPr>
-          <p:cNvPr id="2" name="標題 1"/>
-          <p:cNvSpPr>
-            <a:spLocks noGrp="1"/>
-          </p:cNvSpPr>
-          <p:nvPr>
-            <p:ph type="title"/>
-          </p:nvPr>
-        </p:nvSpPr>
-        <p:spPr/>
-        <p:txBody>
-          <a:bodyPr/>
-          <a:lstStyle/>
-          <a:p>
-            <a:r>
-              <a:rPr lang="zh-TW" altLang="en-US" b="1" dirty="0">
-                <a:latin typeface="微軟正黑體" pitchFamily="34" charset="-120"/>
-                <a:ea typeface="微軟正黑體" pitchFamily="34" charset="-120"/>
-              </a:rPr>
-              <a:t>我以禱告來到你跟前</a:t>
-            </a:r>
-          </a:p>
-        </p:txBody>
-      </p:sp>
-      <p:sp>
-        <p:nvSpPr>
-          <p:cNvPr id="3" name="內容版面配置區 2"/>
-          <p:cNvSpPr>
-            <a:spLocks noGrp="1"/>
-          </p:cNvSpPr>
-          <p:nvPr>
-            <p:ph idx="1"/>
-          </p:nvPr>
-        </p:nvSpPr>
-        <p:spPr/>
-        <p:txBody>
-          <a:bodyPr>
-            <a:normAutofit fontScale="92500" lnSpcReduction="10000"/>
-          </a:bodyPr>
-          <a:lstStyle/>
-          <a:p>
-            <a:pPr algn="ctr">
-              <a:buNone/>
-            </a:pPr>
-            <a:r>
-              <a:rPr lang="zh-TW" altLang="en-US" sz="5400" b="1" dirty="0">
-                <a:latin typeface="微軟正黑體" pitchFamily="34" charset="-120"/>
-                <a:ea typeface="微軟正黑體" pitchFamily="34" charset="-120"/>
-              </a:rPr>
-              <a:t>每一次我禱告</a:t>
-            </a:r>
-            <a:endParaRPr lang="en-US" altLang="zh-TW" sz="5400" b="1" dirty="0">
-              <a:latin typeface="微軟正黑體" pitchFamily="34" charset="-120"/>
-              <a:ea typeface="微軟正黑體" pitchFamily="34" charset="-120"/>
-            </a:endParaRPr>
-          </a:p>
-          <a:p>
-            <a:pPr algn="ctr">
-              <a:buNone/>
-            </a:pPr>
-            <a:r>
-              <a:rPr lang="zh-TW" altLang="en-US" sz="5400" b="1" dirty="0">
-                <a:latin typeface="微軟正黑體" pitchFamily="34" charset="-120"/>
-                <a:ea typeface="微軟正黑體" pitchFamily="34" charset="-120"/>
-              </a:rPr>
-              <a:t>大山被挪移</a:t>
-            </a:r>
-            <a:endParaRPr lang="en-US" altLang="zh-TW" sz="5400" b="1" dirty="0">
-              <a:latin typeface="微軟正黑體" pitchFamily="34" charset="-120"/>
-              <a:ea typeface="微軟正黑體" pitchFamily="34" charset="-120"/>
-            </a:endParaRPr>
-          </a:p>
-          <a:p>
-            <a:pPr algn="ctr">
-              <a:buNone/>
-            </a:pPr>
-            <a:r>
-              <a:rPr lang="zh-TW" altLang="en-US" sz="5400" b="1" dirty="0">
-                <a:latin typeface="微軟正黑體" pitchFamily="34" charset="-120"/>
-                <a:ea typeface="微軟正黑體" pitchFamily="34" charset="-120"/>
-              </a:rPr>
-              <a:t>道路被鋪平</a:t>
-            </a:r>
-            <a:endParaRPr lang="en-US" altLang="zh-TW" sz="5400" b="1" dirty="0">
-              <a:latin typeface="微軟正黑體" pitchFamily="34" charset="-120"/>
-              <a:ea typeface="微軟正黑體" pitchFamily="34" charset="-120"/>
-            </a:endParaRPr>
-          </a:p>
-          <a:p>
-            <a:pPr algn="ctr">
-              <a:buNone/>
-            </a:pPr>
-            <a:r>
-              <a:rPr lang="zh-TW" altLang="en-US" sz="5400" b="1" dirty="0">
-                <a:latin typeface="微軟正黑體" pitchFamily="34" charset="-120"/>
-                <a:ea typeface="微軟正黑體" pitchFamily="34" charset="-120"/>
-              </a:rPr>
-              <a:t>使列國歸向你</a:t>
-            </a:r>
-          </a:p>
-        </p:txBody>
-      </p:sp>
-    </p:spTree>
-  </p:cSld>
-  <p:clrMapOvr>
-    <a:masterClrMapping/>
-  </p:clrMapOvr>
-</p:sld>
-</file>
-
-<file path=ppt/slides/slide18.xml><?xml version="1.0" encoding="utf-8"?>
-<p:sld xmlns:a="http://schemas.openxmlformats.org/drawingml/2006/main" xmlns:r="http://schemas.openxmlformats.org/officeDocument/2006/relationships" xmlns:p="http://schemas.openxmlformats.org/presentationml/2006/main">
-  <p:cSld>
-    <p:spTree>
-      <p:nvGrpSpPr>
-        <p:cNvPr id="1" name=""/>
-        <p:cNvGrpSpPr/>
-        <p:nvPr/>
-      </p:nvGrpSpPr>
-      <p:grpSpPr>
-        <a:xfrm>
-          <a:off x="0" y="0"/>
-          <a:ext cx="0" cy="0"/>
-          <a:chOff x="0" y="0"/>
-          <a:chExt cx="0" cy="0"/>
-        </a:xfrm>
-      </p:grpSpPr>
-      <p:sp>
-        <p:nvSpPr>
-          <p:cNvPr id="2" name="標題 1"/>
-          <p:cNvSpPr>
-            <a:spLocks noGrp="1"/>
-          </p:cNvSpPr>
-          <p:nvPr>
-            <p:ph type="title"/>
-          </p:nvPr>
-        </p:nvSpPr>
-        <p:spPr/>
-        <p:txBody>
-          <a:bodyPr/>
-          <a:lstStyle/>
-          <a:p>
-            <a:r>
-              <a:rPr lang="zh-TW" altLang="en-US" b="1" dirty="0">
-                <a:latin typeface="微軟正黑體" pitchFamily="34" charset="-120"/>
-                <a:ea typeface="微軟正黑體" pitchFamily="34" charset="-120"/>
-              </a:rPr>
-              <a:t>我以禱告來到你跟前</a:t>
-            </a:r>
-          </a:p>
-        </p:txBody>
-      </p:sp>
-      <p:sp>
-        <p:nvSpPr>
-          <p:cNvPr id="3" name="內容版面配置區 2"/>
-          <p:cNvSpPr>
-            <a:spLocks noGrp="1"/>
-          </p:cNvSpPr>
-          <p:nvPr>
-            <p:ph idx="1"/>
-          </p:nvPr>
-        </p:nvSpPr>
-        <p:spPr/>
-        <p:txBody>
-          <a:bodyPr>
-            <a:normAutofit/>
-          </a:bodyPr>
-          <a:lstStyle/>
-          <a:p>
-            <a:pPr algn="ctr">
-              <a:buNone/>
-            </a:pPr>
-            <a:r>
-              <a:rPr lang="zh-TW" altLang="en-US" sz="5400" b="1" dirty="0">
-                <a:latin typeface="微軟正黑體" pitchFamily="34" charset="-120"/>
-                <a:ea typeface="微軟正黑體" pitchFamily="34" charset="-120"/>
-              </a:rPr>
-              <a:t>每一次我禱告</a:t>
-            </a:r>
-            <a:endParaRPr lang="en-US" altLang="zh-TW" sz="5400" b="1" dirty="0">
-              <a:latin typeface="微軟正黑體" pitchFamily="34" charset="-120"/>
-              <a:ea typeface="微軟正黑體" pitchFamily="34" charset="-120"/>
-            </a:endParaRPr>
-          </a:p>
-          <a:p>
-            <a:pPr algn="ctr">
-              <a:buNone/>
-            </a:pPr>
-            <a:r>
-              <a:rPr lang="zh-TW" altLang="en-US" sz="5400" b="1" dirty="0">
-                <a:latin typeface="微軟正黑體" pitchFamily="34" charset="-120"/>
-                <a:ea typeface="微軟正黑體" pitchFamily="34" charset="-120"/>
-              </a:rPr>
-              <a:t>我搖動你的手</a:t>
-            </a:r>
-            <a:endParaRPr lang="en-US" altLang="zh-TW" sz="5400" b="1" dirty="0">
-              <a:latin typeface="微軟正黑體" pitchFamily="34" charset="-120"/>
-              <a:ea typeface="微軟正黑體" pitchFamily="34" charset="-120"/>
-            </a:endParaRPr>
-          </a:p>
-          <a:p>
-            <a:pPr algn="ctr">
-              <a:buNone/>
-            </a:pPr>
-            <a:r>
-              <a:rPr lang="zh-TW" altLang="en-US" sz="5400" b="1" dirty="0">
-                <a:latin typeface="微軟正黑體" pitchFamily="34" charset="-120"/>
-                <a:ea typeface="微軟正黑體" pitchFamily="34" charset="-120"/>
-              </a:rPr>
-              <a:t>禱告做的事我的手不能做</a:t>
-            </a:r>
-          </a:p>
-        </p:txBody>
-      </p:sp>
-    </p:spTree>
-  </p:cSld>
-  <p:clrMapOvr>
-    <a:masterClrMapping/>
-  </p:clrMapOvr>
-</p:sld>
-</file>
-
-<file path=ppt/slides/slide19.xml><?xml version="1.0" encoding="utf-8"?>
-<p:sld xmlns:a="http://schemas.openxmlformats.org/drawingml/2006/main" xmlns:r="http://schemas.openxmlformats.org/officeDocument/2006/relationships" xmlns:p="http://schemas.openxmlformats.org/presentationml/2006/main">
-  <p:cSld>
-    <p:spTree>
-      <p:nvGrpSpPr>
-        <p:cNvPr id="1" name=""/>
-        <p:cNvGrpSpPr/>
-        <p:nvPr/>
-      </p:nvGrpSpPr>
-      <p:grpSpPr>
-        <a:xfrm>
-          <a:off x="0" y="0"/>
-          <a:ext cx="0" cy="0"/>
-          <a:chOff x="0" y="0"/>
-          <a:chExt cx="0" cy="0"/>
-        </a:xfrm>
-      </p:grpSpPr>
-      <p:sp>
-        <p:nvSpPr>
-          <p:cNvPr id="2" name="標題 1"/>
-          <p:cNvSpPr>
-            <a:spLocks noGrp="1"/>
-          </p:cNvSpPr>
-          <p:nvPr>
-            <p:ph type="title"/>
-          </p:nvPr>
-        </p:nvSpPr>
-        <p:spPr/>
-        <p:txBody>
-          <a:bodyPr/>
-          <a:lstStyle/>
-          <a:p>
-            <a:r>
-              <a:rPr lang="zh-TW" altLang="en-US" b="1" dirty="0">
-                <a:latin typeface="微軟正黑體" pitchFamily="34" charset="-120"/>
-                <a:ea typeface="微軟正黑體" pitchFamily="34" charset="-120"/>
-              </a:rPr>
-              <a:t>我以禱告來到你跟前</a:t>
-            </a:r>
-          </a:p>
-        </p:txBody>
-      </p:sp>
-      <p:sp>
-        <p:nvSpPr>
-          <p:cNvPr id="3" name="內容版面配置區 2"/>
-          <p:cNvSpPr>
-            <a:spLocks noGrp="1"/>
-          </p:cNvSpPr>
-          <p:nvPr>
-            <p:ph idx="1"/>
-          </p:nvPr>
-        </p:nvSpPr>
-        <p:spPr/>
-        <p:txBody>
-          <a:bodyPr>
-            <a:normAutofit fontScale="92500" lnSpcReduction="10000"/>
-          </a:bodyPr>
-          <a:lstStyle/>
-          <a:p>
-            <a:pPr algn="ctr">
-              <a:buNone/>
-            </a:pPr>
-            <a:r>
-              <a:rPr lang="zh-TW" altLang="en-US" sz="5400" b="1" dirty="0">
-                <a:latin typeface="微軟正黑體" pitchFamily="34" charset="-120"/>
-                <a:ea typeface="微軟正黑體" pitchFamily="34" charset="-120"/>
-              </a:rPr>
-              <a:t>每一次我禱告</a:t>
-            </a:r>
-            <a:endParaRPr lang="en-US" altLang="zh-TW" sz="5400" b="1" dirty="0">
-              <a:latin typeface="微軟正黑體" pitchFamily="34" charset="-120"/>
-              <a:ea typeface="微軟正黑體" pitchFamily="34" charset="-120"/>
-            </a:endParaRPr>
-          </a:p>
-          <a:p>
-            <a:pPr algn="ctr">
-              <a:buNone/>
-            </a:pPr>
-            <a:r>
-              <a:rPr lang="zh-TW" altLang="en-US" sz="5400" b="1" dirty="0">
-                <a:latin typeface="微軟正黑體" pitchFamily="34" charset="-120"/>
-                <a:ea typeface="微軟正黑體" pitchFamily="34" charset="-120"/>
-              </a:rPr>
-              <a:t>大山被挪移</a:t>
-            </a:r>
-            <a:endParaRPr lang="en-US" altLang="zh-TW" sz="5400" b="1" dirty="0">
-              <a:latin typeface="微軟正黑體" pitchFamily="34" charset="-120"/>
-              <a:ea typeface="微軟正黑體" pitchFamily="34" charset="-120"/>
-            </a:endParaRPr>
-          </a:p>
-          <a:p>
-            <a:pPr algn="ctr">
-              <a:buNone/>
-            </a:pPr>
-            <a:r>
-              <a:rPr lang="zh-TW" altLang="en-US" sz="5400" b="1" dirty="0">
-                <a:latin typeface="微軟正黑體" pitchFamily="34" charset="-120"/>
-                <a:ea typeface="微軟正黑體" pitchFamily="34" charset="-120"/>
-              </a:rPr>
-              <a:t>道路被鋪平</a:t>
-            </a:r>
-            <a:endParaRPr lang="en-US" altLang="zh-TW" sz="5400" b="1" dirty="0">
-              <a:latin typeface="微軟正黑體" pitchFamily="34" charset="-120"/>
-              <a:ea typeface="微軟正黑體" pitchFamily="34" charset="-120"/>
-            </a:endParaRPr>
-          </a:p>
-          <a:p>
-            <a:pPr algn="ctr">
-              <a:buNone/>
-            </a:pPr>
-            <a:r>
-              <a:rPr lang="zh-TW" altLang="en-US" sz="5400" b="1" dirty="0">
-                <a:latin typeface="微軟正黑體" pitchFamily="34" charset="-120"/>
-                <a:ea typeface="微軟正黑體" pitchFamily="34" charset="-120"/>
-              </a:rPr>
-              <a:t>使列國歸向你</a:t>
-            </a:r>
-          </a:p>
-        </p:txBody>
-      </p:sp>
-    </p:spTree>
+    <p:extLst>
+      <p:ext uri="{BB962C8B-B14F-4D97-AF65-F5344CB8AC3E}">
+        <p14:creationId xmlns:p14="http://schemas.microsoft.com/office/powerpoint/2010/main" val="215861891"/>
+      </p:ext>
+    </p:extLst>
   </p:cSld>
   <p:clrMapOvr>
     <a:masterClrMapping/>
@@ -4646,48 +3251,23 @@
       </p:grpSpPr>
       <p:sp>
         <p:nvSpPr>
-          <p:cNvPr id="4" name="標題 3"/>
-          <p:cNvSpPr>
-            <a:spLocks noGrp="1"/>
-          </p:cNvSpPr>
-          <p:nvPr>
-            <p:ph type="title"/>
-          </p:nvPr>
-        </p:nvSpPr>
-        <p:spPr/>
-        <p:txBody>
-          <a:bodyPr>
+          <p:cNvPr id="5" name="內容版面配置區 4"/>
+          <p:cNvSpPr>
+            <a:spLocks noGrp="1"/>
+          </p:cNvSpPr>
+          <p:nvPr>
+            <p:ph idx="1"/>
+          </p:nvPr>
+        </p:nvSpPr>
+        <p:spPr>
+          <a:xfrm>
+            <a:off x="0" y="1563639"/>
+            <a:ext cx="9144000" cy="1803647"/>
+          </a:xfrm>
+        </p:spPr>
+        <p:txBody>
+          <a:bodyPr anchor="ctr">
             <a:normAutofit/>
-          </a:bodyPr>
-          <a:lstStyle/>
-          <a:p>
-            <a:r>
-              <a:rPr lang="zh-TW" altLang="en-US" sz="4000" b="1" dirty="0">
-                <a:solidFill>
-                  <a:srgbClr val="000066"/>
-                </a:solidFill>
-                <a:latin typeface="微軟正黑體" pitchFamily="34" charset="-120"/>
-                <a:ea typeface="微軟正黑體" pitchFamily="34" charset="-120"/>
-              </a:rPr>
-              <a:t>我的心你要稱頌耶和華</a:t>
-            </a:r>
-          </a:p>
-        </p:txBody>
-      </p:sp>
-      <p:sp>
-        <p:nvSpPr>
-          <p:cNvPr id="5" name="內容版面配置區 4"/>
-          <p:cNvSpPr>
-            <a:spLocks noGrp="1"/>
-          </p:cNvSpPr>
-          <p:nvPr>
-            <p:ph idx="1"/>
-          </p:nvPr>
-        </p:nvSpPr>
-        <p:spPr/>
-        <p:txBody>
-          <a:bodyPr>
-            <a:noAutofit/>
           </a:bodyPr>
           <a:lstStyle/>
           <a:p>
@@ -4734,46 +3314,14 @@
               <a:ea typeface="微軟正黑體" pitchFamily="34" charset="-120"/>
             </a:endParaRPr>
           </a:p>
-          <a:p>
-            <a:pPr algn="ctr">
-              <a:buNone/>
-            </a:pPr>
-            <a:r>
-              <a:rPr lang="zh-TW" altLang="en-US" sz="4800" b="1" dirty="0">
-                <a:solidFill>
-                  <a:srgbClr val="000066"/>
-                </a:solidFill>
-                <a:latin typeface="微軟正黑體" pitchFamily="34" charset="-120"/>
-                <a:ea typeface="微軟正黑體" pitchFamily="34" charset="-120"/>
-              </a:rPr>
-              <a:t>祂以仁愛慈悲為你冠冕</a:t>
-            </a:r>
-            <a:endParaRPr lang="en-US" altLang="zh-TW" sz="4800" b="1" dirty="0">
-              <a:solidFill>
-                <a:srgbClr val="000066"/>
-              </a:solidFill>
-              <a:latin typeface="微軟正黑體" pitchFamily="34" charset="-120"/>
-              <a:ea typeface="微軟正黑體" pitchFamily="34" charset="-120"/>
-            </a:endParaRPr>
-          </a:p>
-          <a:p>
-            <a:pPr algn="ctr">
-              <a:buNone/>
-            </a:pPr>
-            <a:r>
-              <a:rPr lang="zh-TW" altLang="en-US" sz="4800" b="1" dirty="0">
-                <a:solidFill>
-                  <a:srgbClr val="000066"/>
-                </a:solidFill>
-                <a:latin typeface="微軟正黑體" pitchFamily="34" charset="-120"/>
-                <a:ea typeface="微軟正黑體" pitchFamily="34" charset="-120"/>
-              </a:rPr>
-              <a:t>為受屈的人伸冤</a:t>
-            </a:r>
-          </a:p>
         </p:txBody>
       </p:sp>
     </p:spTree>
+    <p:extLst>
+      <p:ext uri="{BB962C8B-B14F-4D97-AF65-F5344CB8AC3E}">
+        <p14:creationId xmlns:p14="http://schemas.microsoft.com/office/powerpoint/2010/main" val="667814651"/>
+      </p:ext>
+    </p:extLst>
   </p:cSld>
   <p:clrMapOvr>
     <a:masterClrMapping/>
@@ -4800,48 +3348,23 @@
       </p:grpSpPr>
       <p:sp>
         <p:nvSpPr>
-          <p:cNvPr id="4" name="標題 3"/>
-          <p:cNvSpPr>
-            <a:spLocks noGrp="1"/>
-          </p:cNvSpPr>
-          <p:nvPr>
-            <p:ph type="title"/>
-          </p:nvPr>
-        </p:nvSpPr>
-        <p:spPr/>
-        <p:txBody>
-          <a:bodyPr>
+          <p:cNvPr id="5" name="內容版面配置區 4"/>
+          <p:cNvSpPr>
+            <a:spLocks noGrp="1"/>
+          </p:cNvSpPr>
+          <p:nvPr>
+            <p:ph idx="1"/>
+          </p:nvPr>
+        </p:nvSpPr>
+        <p:spPr>
+          <a:xfrm>
+            <a:off x="0" y="1563639"/>
+            <a:ext cx="9144000" cy="1803647"/>
+          </a:xfrm>
+        </p:spPr>
+        <p:txBody>
+          <a:bodyPr anchor="ctr">
             <a:normAutofit/>
-          </a:bodyPr>
-          <a:lstStyle/>
-          <a:p>
-            <a:r>
-              <a:rPr lang="zh-TW" altLang="en-US" sz="4000" b="1" dirty="0">
-                <a:solidFill>
-                  <a:srgbClr val="000066"/>
-                </a:solidFill>
-                <a:latin typeface="微軟正黑體" pitchFamily="34" charset="-120"/>
-                <a:ea typeface="微軟正黑體" pitchFamily="34" charset="-120"/>
-              </a:rPr>
-              <a:t>我的心你要稱頌耶和華</a:t>
-            </a:r>
-          </a:p>
-        </p:txBody>
-      </p:sp>
-      <p:sp>
-        <p:nvSpPr>
-          <p:cNvPr id="5" name="內容版面配置區 4"/>
-          <p:cNvSpPr>
-            <a:spLocks noGrp="1"/>
-          </p:cNvSpPr>
-          <p:nvPr>
-            <p:ph idx="1"/>
-          </p:nvPr>
-        </p:nvSpPr>
-        <p:spPr/>
-        <p:txBody>
-          <a:bodyPr>
-            <a:noAutofit/>
           </a:bodyPr>
           <a:lstStyle/>
           <a:p>
@@ -4856,7 +3379,7 @@
                 <a:latin typeface="微軟正黑體" pitchFamily="34" charset="-120"/>
                 <a:ea typeface="微軟正黑體" pitchFamily="34" charset="-120"/>
               </a:rPr>
-              <a:t>天離地有何等的高</a:t>
+              <a:t>祂赦免你一切過犯罪孽</a:t>
             </a:r>
             <a:endParaRPr lang="en-US" altLang="zh-TW" sz="4800" b="1" dirty="0">
               <a:solidFill>
@@ -4878,9 +3401,9 @@
                 <a:latin typeface="微軟正黑體" pitchFamily="34" charset="-120"/>
                 <a:ea typeface="微軟正黑體" pitchFamily="34" charset="-120"/>
               </a:rPr>
-              <a:t>祂的慈愛也何等的深</a:t>
-            </a:r>
-            <a:endParaRPr lang="en-US" altLang="zh-TW" sz="4800" b="1" dirty="0">
+              <a:t>醫治你疾病復原</a:t>
+            </a:r>
+            <a:endParaRPr lang="zh-TW" altLang="en-US" sz="4800" b="1" dirty="0">
               <a:solidFill>
                 <a:srgbClr val="000066"/>
               </a:solidFill>
@@ -4888,46 +3411,14 @@
               <a:ea typeface="微軟正黑體" pitchFamily="34" charset="-120"/>
             </a:endParaRPr>
           </a:p>
-          <a:p>
-            <a:pPr algn="ctr">
-              <a:buNone/>
-            </a:pPr>
-            <a:r>
-              <a:rPr lang="zh-TW" altLang="en-US" sz="4800" b="1" dirty="0">
-                <a:solidFill>
-                  <a:srgbClr val="000066"/>
-                </a:solidFill>
-                <a:latin typeface="微軟正黑體" pitchFamily="34" charset="-120"/>
-                <a:ea typeface="微軟正黑體" pitchFamily="34" charset="-120"/>
-              </a:rPr>
-              <a:t>東離西有多麼的遠</a:t>
-            </a:r>
-            <a:endParaRPr lang="en-US" altLang="zh-TW" sz="4800" b="1" dirty="0">
-              <a:solidFill>
-                <a:srgbClr val="000066"/>
-              </a:solidFill>
-              <a:latin typeface="微軟正黑體" pitchFamily="34" charset="-120"/>
-              <a:ea typeface="微軟正黑體" pitchFamily="34" charset="-120"/>
-            </a:endParaRPr>
-          </a:p>
-          <a:p>
-            <a:pPr algn="ctr">
-              <a:buNone/>
-            </a:pPr>
-            <a:r>
-              <a:rPr lang="zh-TW" altLang="en-US" sz="4800" b="1" dirty="0">
-                <a:solidFill>
-                  <a:srgbClr val="000066"/>
-                </a:solidFill>
-                <a:latin typeface="微軟正黑體" pitchFamily="34" charset="-120"/>
-                <a:ea typeface="微軟正黑體" pitchFamily="34" charset="-120"/>
-              </a:rPr>
-              <a:t>祂使我的過犯也離我多遠</a:t>
-            </a:r>
-          </a:p>
         </p:txBody>
       </p:sp>
     </p:spTree>
+    <p:extLst>
+      <p:ext uri="{BB962C8B-B14F-4D97-AF65-F5344CB8AC3E}">
+        <p14:creationId xmlns:p14="http://schemas.microsoft.com/office/powerpoint/2010/main" val="1616670920"/>
+      </p:ext>
+    </p:extLst>
   </p:cSld>
   <p:clrMapOvr>
     <a:masterClrMapping/>
@@ -4954,23 +3445,31 @@
       </p:grpSpPr>
       <p:sp>
         <p:nvSpPr>
-          <p:cNvPr id="4" name="標題 3"/>
-          <p:cNvSpPr>
-            <a:spLocks noGrp="1"/>
-          </p:cNvSpPr>
-          <p:nvPr>
-            <p:ph type="title"/>
-          </p:nvPr>
-        </p:nvSpPr>
-        <p:spPr/>
-        <p:txBody>
-          <a:bodyPr>
+          <p:cNvPr id="5" name="內容版面配置區 4"/>
+          <p:cNvSpPr>
+            <a:spLocks noGrp="1"/>
+          </p:cNvSpPr>
+          <p:nvPr>
+            <p:ph idx="1"/>
+          </p:nvPr>
+        </p:nvSpPr>
+        <p:spPr>
+          <a:xfrm>
+            <a:off x="0" y="1563639"/>
+            <a:ext cx="9144000" cy="1803647"/>
+          </a:xfrm>
+        </p:spPr>
+        <p:txBody>
+          <a:bodyPr anchor="ctr">
             <a:normAutofit/>
           </a:bodyPr>
           <a:lstStyle/>
           <a:p>
-            <a:r>
-              <a:rPr lang="zh-TW" altLang="en-US" sz="4000" b="1" dirty="0">
+            <a:pPr algn="ctr">
+              <a:buNone/>
+            </a:pPr>
+            <a:r>
+              <a:rPr lang="zh-TW" altLang="en-US" sz="4800" b="1" dirty="0">
                 <a:solidFill>
                   <a:srgbClr val="000066"/>
                 </a:solidFill>
@@ -4979,25 +3478,14 @@
               </a:rPr>
               <a:t>我的心你要稱頌耶和華</a:t>
             </a:r>
-          </a:p>
-        </p:txBody>
-      </p:sp>
-      <p:sp>
-        <p:nvSpPr>
-          <p:cNvPr id="5" name="內容版面配置區 4"/>
-          <p:cNvSpPr>
-            <a:spLocks noGrp="1"/>
-          </p:cNvSpPr>
-          <p:nvPr>
-            <p:ph idx="1"/>
-          </p:nvPr>
-        </p:nvSpPr>
-        <p:spPr/>
-        <p:txBody>
-          <a:bodyPr>
-            <a:noAutofit/>
-          </a:bodyPr>
-          <a:lstStyle/>
+            <a:endParaRPr lang="en-US" altLang="zh-TW" sz="4800" b="1" dirty="0">
+              <a:solidFill>
+                <a:srgbClr val="000066"/>
+              </a:solidFill>
+              <a:latin typeface="微軟正黑體" pitchFamily="34" charset="-120"/>
+              <a:ea typeface="微軟正黑體" pitchFamily="34" charset="-120"/>
+            </a:endParaRPr>
+          </a:p>
           <a:p>
             <a:pPr algn="ctr">
               <a:buNone/>
@@ -5010,7 +3498,7 @@
                 <a:latin typeface="微軟正黑體" pitchFamily="34" charset="-120"/>
                 <a:ea typeface="微軟正黑體" pitchFamily="34" charset="-120"/>
               </a:rPr>
-              <a:t>耶和華有憐憫的愛</a:t>
+              <a:t>不可忘記祂的恩惠</a:t>
             </a:r>
             <a:endParaRPr lang="en-US" altLang="zh-TW" sz="4800" b="1" dirty="0">
               <a:solidFill>
@@ -5020,68 +3508,14 @@
               <a:ea typeface="微軟正黑體" pitchFamily="34" charset="-120"/>
             </a:endParaRPr>
           </a:p>
-          <a:p>
-            <a:pPr algn="ctr">
-              <a:buNone/>
-            </a:pPr>
-            <a:r>
-              <a:rPr lang="zh-TW" altLang="en-US" sz="4800" b="1" dirty="0">
-                <a:solidFill>
-                  <a:srgbClr val="000066"/>
-                </a:solidFill>
-                <a:latin typeface="微軟正黑體" pitchFamily="34" charset="-120"/>
-                <a:ea typeface="微軟正黑體" pitchFamily="34" charset="-120"/>
-              </a:rPr>
-              <a:t>且有豐盛無盡的恩典</a:t>
-            </a:r>
-            <a:endParaRPr lang="en-US" altLang="zh-TW" sz="4800" b="1" dirty="0">
-              <a:solidFill>
-                <a:srgbClr val="000066"/>
-              </a:solidFill>
-              <a:latin typeface="微軟正黑體" pitchFamily="34" charset="-120"/>
-              <a:ea typeface="微軟正黑體" pitchFamily="34" charset="-120"/>
-            </a:endParaRPr>
-          </a:p>
-          <a:p>
-            <a:pPr algn="ctr">
-              <a:buNone/>
-            </a:pPr>
-            <a:r>
-              <a:rPr lang="zh-TW" altLang="en-US" sz="4800" b="1" dirty="0">
-                <a:solidFill>
-                  <a:srgbClr val="000066"/>
-                </a:solidFill>
-                <a:latin typeface="微軟正黑體" pitchFamily="34" charset="-120"/>
-                <a:ea typeface="微軟正黑體" pitchFamily="34" charset="-120"/>
-              </a:rPr>
-              <a:t>從亙古直到永遠</a:t>
-            </a:r>
-            <a:endParaRPr lang="en-US" altLang="zh-TW" sz="4800" b="1" dirty="0">
-              <a:solidFill>
-                <a:srgbClr val="000066"/>
-              </a:solidFill>
-              <a:latin typeface="微軟正黑體" pitchFamily="34" charset="-120"/>
-              <a:ea typeface="微軟正黑體" pitchFamily="34" charset="-120"/>
-            </a:endParaRPr>
-          </a:p>
-          <a:p>
-            <a:pPr algn="ctr">
-              <a:buNone/>
-            </a:pPr>
-            <a:r>
-              <a:rPr lang="zh-TW" altLang="en-US" sz="4800" b="1" dirty="0">
-                <a:solidFill>
-                  <a:srgbClr val="000066"/>
-                </a:solidFill>
-                <a:latin typeface="微軟正黑體" pitchFamily="34" charset="-120"/>
-                <a:ea typeface="微軟正黑體" pitchFamily="34" charset="-120"/>
-              </a:rPr>
-              <a:t>耶和華祂是我的神</a:t>
-            </a:r>
-          </a:p>
         </p:txBody>
       </p:sp>
     </p:spTree>
+    <p:extLst>
+      <p:ext uri="{BB962C8B-B14F-4D97-AF65-F5344CB8AC3E}">
+        <p14:creationId xmlns:p14="http://schemas.microsoft.com/office/powerpoint/2010/main" val="3081702635"/>
+      </p:ext>
+    </p:extLst>
   </p:cSld>
   <p:clrMapOvr>
     <a:masterClrMapping/>
@@ -5108,55 +3542,23 @@
       </p:grpSpPr>
       <p:sp>
         <p:nvSpPr>
-          <p:cNvPr id="4" name="標題 3"/>
-          <p:cNvSpPr>
-            <a:spLocks noGrp="1"/>
-          </p:cNvSpPr>
-          <p:nvPr>
-            <p:ph type="title"/>
-          </p:nvPr>
-        </p:nvSpPr>
-        <p:spPr/>
-        <p:txBody>
-          <a:bodyPr>
+          <p:cNvPr id="5" name="內容版面配置區 4"/>
+          <p:cNvSpPr>
+            <a:spLocks noGrp="1"/>
+          </p:cNvSpPr>
+          <p:nvPr>
+            <p:ph idx="1"/>
+          </p:nvPr>
+        </p:nvSpPr>
+        <p:spPr>
+          <a:xfrm>
+            <a:off x="0" y="1563639"/>
+            <a:ext cx="9144000" cy="1803647"/>
+          </a:xfrm>
+        </p:spPr>
+        <p:txBody>
+          <a:bodyPr anchor="ctr">
             <a:normAutofit/>
-          </a:bodyPr>
-          <a:lstStyle/>
-          <a:p>
-            <a:r>
-              <a:rPr lang="zh-TW" altLang="en-US" sz="4000" b="1" dirty="0" smtClean="0">
-                <a:solidFill>
-                  <a:srgbClr val="000066"/>
-                </a:solidFill>
-                <a:latin typeface="微軟正黑體" pitchFamily="34" charset="-120"/>
-                <a:ea typeface="微軟正黑體" pitchFamily="34" charset="-120"/>
-              </a:rPr>
-              <a:t>我的心你要稱頌耶和華</a:t>
-            </a:r>
-            <a:endParaRPr lang="zh-TW" altLang="en-US" sz="4000" b="1" dirty="0">
-              <a:solidFill>
-                <a:srgbClr val="000066"/>
-              </a:solidFill>
-              <a:latin typeface="微軟正黑體" pitchFamily="34" charset="-120"/>
-              <a:ea typeface="微軟正黑體" pitchFamily="34" charset="-120"/>
-            </a:endParaRPr>
-          </a:p>
-        </p:txBody>
-      </p:sp>
-      <p:sp>
-        <p:nvSpPr>
-          <p:cNvPr id="5" name="內容版面配置區 4"/>
-          <p:cNvSpPr>
-            <a:spLocks noGrp="1"/>
-          </p:cNvSpPr>
-          <p:nvPr>
-            <p:ph idx="1"/>
-          </p:nvPr>
-        </p:nvSpPr>
-        <p:spPr/>
-        <p:txBody>
-          <a:bodyPr>
-            <a:noAutofit/>
           </a:bodyPr>
           <a:lstStyle/>
           <a:p>
@@ -5171,19 +3573,9 @@
                 <a:latin typeface="微軟正黑體" pitchFamily="34" charset="-120"/>
                 <a:ea typeface="微軟正黑體" pitchFamily="34" charset="-120"/>
               </a:rPr>
-              <a:t>我的心你要稱頌</a:t>
-            </a:r>
-            <a:r>
-              <a:rPr lang="zh-TW" altLang="en-US" sz="4800" b="1" dirty="0" smtClean="0">
-                <a:solidFill>
-                  <a:srgbClr val="000066"/>
-                </a:solidFill>
-                <a:latin typeface="微軟正黑體" pitchFamily="34" charset="-120"/>
-                <a:ea typeface="微軟正黑體" pitchFamily="34" charset="-120"/>
-              </a:rPr>
-              <a:t>耶和華</a:t>
-            </a:r>
-            <a:endParaRPr lang="en-US" altLang="zh-TW" sz="4800" b="1" dirty="0" smtClean="0">
+              <a:t>祂以仁愛慈悲為你冠冕</a:t>
+            </a:r>
+            <a:endParaRPr lang="en-US" altLang="zh-TW" sz="4800" b="1" dirty="0">
               <a:solidFill>
                 <a:srgbClr val="000066"/>
               </a:solidFill>
@@ -5195,16 +3587,6 @@
             <a:pPr algn="ctr">
               <a:buNone/>
             </a:pPr>
-            <a:r>
-              <a:rPr lang="zh-TW" altLang="en-US" sz="4800" b="1" dirty="0" smtClean="0">
-                <a:solidFill>
-                  <a:srgbClr val="000066"/>
-                </a:solidFill>
-                <a:latin typeface="微軟正黑體" pitchFamily="34" charset="-120"/>
-                <a:ea typeface="微軟正黑體" pitchFamily="34" charset="-120"/>
-              </a:rPr>
-              <a:t>不可</a:t>
-            </a:r>
             <a:r>
               <a:rPr lang="zh-TW" altLang="en-US" sz="4800" b="1" dirty="0">
                 <a:solidFill>
@@ -5213,19 +3595,9 @@
                 <a:latin typeface="微軟正黑體" pitchFamily="34" charset="-120"/>
                 <a:ea typeface="微軟正黑體" pitchFamily="34" charset="-120"/>
               </a:rPr>
-              <a:t>忘記祂的</a:t>
-            </a:r>
-            <a:r>
-              <a:rPr lang="zh-TW" altLang="en-US" sz="4800" b="1" dirty="0" smtClean="0">
-                <a:solidFill>
-                  <a:srgbClr val="000066"/>
-                </a:solidFill>
-                <a:latin typeface="微軟正黑體" pitchFamily="34" charset="-120"/>
-                <a:ea typeface="微軟正黑體" pitchFamily="34" charset="-120"/>
-              </a:rPr>
-              <a:t>恩惠</a:t>
-            </a:r>
-            <a:endParaRPr lang="en-US" altLang="zh-TW" sz="4800" b="1" dirty="0">
+              <a:t>為受屈的人伸冤</a:t>
+            </a:r>
+            <a:endParaRPr lang="zh-TW" altLang="en-US" sz="4800" b="1" dirty="0">
               <a:solidFill>
                 <a:srgbClr val="000066"/>
               </a:solidFill>
@@ -5233,76 +3605,14 @@
               <a:ea typeface="微軟正黑體" pitchFamily="34" charset="-120"/>
             </a:endParaRPr>
           </a:p>
-          <a:p>
-            <a:pPr algn="ctr">
-              <a:buNone/>
-            </a:pPr>
-            <a:r>
-              <a:rPr lang="zh-TW" altLang="en-US" sz="4800" b="1" dirty="0" smtClean="0">
-                <a:solidFill>
-                  <a:srgbClr val="000066"/>
-                </a:solidFill>
-                <a:latin typeface="微軟正黑體" pitchFamily="34" charset="-120"/>
-                <a:ea typeface="微軟正黑體" pitchFamily="34" charset="-120"/>
-              </a:rPr>
-              <a:t>祂</a:t>
-            </a:r>
-            <a:r>
-              <a:rPr lang="zh-TW" altLang="en-US" sz="4800" b="1" dirty="0">
-                <a:solidFill>
-                  <a:srgbClr val="000066"/>
-                </a:solidFill>
-                <a:latin typeface="微軟正黑體" pitchFamily="34" charset="-120"/>
-                <a:ea typeface="微軟正黑體" pitchFamily="34" charset="-120"/>
-              </a:rPr>
-              <a:t>赦免你一切過犯</a:t>
-            </a:r>
-            <a:r>
-              <a:rPr lang="zh-TW" altLang="en-US" sz="4800" b="1" dirty="0" smtClean="0">
-                <a:solidFill>
-                  <a:srgbClr val="000066"/>
-                </a:solidFill>
-                <a:latin typeface="微軟正黑體" pitchFamily="34" charset="-120"/>
-                <a:ea typeface="微軟正黑體" pitchFamily="34" charset="-120"/>
-              </a:rPr>
-              <a:t>罪孽</a:t>
-            </a:r>
-            <a:endParaRPr lang="en-US" altLang="zh-TW" sz="4800" b="1" dirty="0" smtClean="0">
-              <a:solidFill>
-                <a:srgbClr val="000066"/>
-              </a:solidFill>
-              <a:latin typeface="微軟正黑體" pitchFamily="34" charset="-120"/>
-              <a:ea typeface="微軟正黑體" pitchFamily="34" charset="-120"/>
-            </a:endParaRPr>
-          </a:p>
-          <a:p>
-            <a:pPr algn="ctr">
-              <a:buNone/>
-            </a:pPr>
-            <a:r>
-              <a:rPr lang="zh-TW" altLang="en-US" sz="4800" b="1" dirty="0" smtClean="0">
-                <a:solidFill>
-                  <a:srgbClr val="000066"/>
-                </a:solidFill>
-                <a:latin typeface="微軟正黑體" pitchFamily="34" charset="-120"/>
-                <a:ea typeface="微軟正黑體" pitchFamily="34" charset="-120"/>
-              </a:rPr>
-              <a:t>醫治</a:t>
-            </a:r>
-            <a:r>
-              <a:rPr lang="zh-TW" altLang="en-US" sz="4800" b="1" dirty="0">
-                <a:solidFill>
-                  <a:srgbClr val="000066"/>
-                </a:solidFill>
-                <a:latin typeface="微軟正黑體" pitchFamily="34" charset="-120"/>
-                <a:ea typeface="微軟正黑體" pitchFamily="34" charset="-120"/>
-              </a:rPr>
-              <a:t>你疾病復原</a:t>
-            </a:r>
-          </a:p>
         </p:txBody>
       </p:sp>
     </p:spTree>
+    <p:extLst>
+      <p:ext uri="{BB962C8B-B14F-4D97-AF65-F5344CB8AC3E}">
+        <p14:creationId xmlns:p14="http://schemas.microsoft.com/office/powerpoint/2010/main" val="2921338576"/>
+      </p:ext>
+    </p:extLst>
   </p:cSld>
   <p:clrMapOvr>
     <a:masterClrMapping/>
@@ -5329,48 +3639,23 @@
       </p:grpSpPr>
       <p:sp>
         <p:nvSpPr>
-          <p:cNvPr id="4" name="標題 3"/>
-          <p:cNvSpPr>
-            <a:spLocks noGrp="1"/>
-          </p:cNvSpPr>
-          <p:nvPr>
-            <p:ph type="title"/>
-          </p:nvPr>
-        </p:nvSpPr>
-        <p:spPr/>
-        <p:txBody>
-          <a:bodyPr>
+          <p:cNvPr id="5" name="內容版面配置區 4"/>
+          <p:cNvSpPr>
+            <a:spLocks noGrp="1"/>
+          </p:cNvSpPr>
+          <p:nvPr>
+            <p:ph idx="1"/>
+          </p:nvPr>
+        </p:nvSpPr>
+        <p:spPr>
+          <a:xfrm>
+            <a:off x="0" y="1563639"/>
+            <a:ext cx="9144000" cy="1803647"/>
+          </a:xfrm>
+        </p:spPr>
+        <p:txBody>
+          <a:bodyPr anchor="ctr">
             <a:normAutofit/>
-          </a:bodyPr>
-          <a:lstStyle/>
-          <a:p>
-            <a:r>
-              <a:rPr lang="zh-TW" altLang="en-US" sz="4000" b="1" dirty="0">
-                <a:solidFill>
-                  <a:srgbClr val="000066"/>
-                </a:solidFill>
-                <a:latin typeface="微軟正黑體" pitchFamily="34" charset="-120"/>
-                <a:ea typeface="微軟正黑體" pitchFamily="34" charset="-120"/>
-              </a:rPr>
-              <a:t>我的心你要稱頌耶和華</a:t>
-            </a:r>
-          </a:p>
-        </p:txBody>
-      </p:sp>
-      <p:sp>
-        <p:nvSpPr>
-          <p:cNvPr id="5" name="內容版面配置區 4"/>
-          <p:cNvSpPr>
-            <a:spLocks noGrp="1"/>
-          </p:cNvSpPr>
-          <p:nvPr>
-            <p:ph idx="1"/>
-          </p:nvPr>
-        </p:nvSpPr>
-        <p:spPr/>
-        <p:txBody>
-          <a:bodyPr>
-            <a:noAutofit/>
           </a:bodyPr>
           <a:lstStyle/>
           <a:p>
@@ -5385,7 +3670,7 @@
                 <a:latin typeface="微軟正黑體" pitchFamily="34" charset="-120"/>
                 <a:ea typeface="微軟正黑體" pitchFamily="34" charset="-120"/>
               </a:rPr>
-              <a:t>我的心你要稱頌耶和華</a:t>
+              <a:t>天離地有何等的高</a:t>
             </a:r>
             <a:endParaRPr lang="en-US" altLang="zh-TW" sz="4800" b="1" dirty="0">
               <a:solidFill>
@@ -5407,7 +3692,7 @@
                 <a:latin typeface="微軟正黑體" pitchFamily="34" charset="-120"/>
                 <a:ea typeface="微軟正黑體" pitchFamily="34" charset="-120"/>
               </a:rPr>
-              <a:t>不可忘記祂的恩惠</a:t>
+              <a:t>祂的慈愛也何等的深</a:t>
             </a:r>
             <a:endParaRPr lang="en-US" altLang="zh-TW" sz="4800" b="1" dirty="0">
               <a:solidFill>
@@ -5417,46 +3702,14 @@
               <a:ea typeface="微軟正黑體" pitchFamily="34" charset="-120"/>
             </a:endParaRPr>
           </a:p>
-          <a:p>
-            <a:pPr algn="ctr">
-              <a:buNone/>
-            </a:pPr>
-            <a:r>
-              <a:rPr lang="zh-TW" altLang="en-US" sz="4800" b="1" dirty="0">
-                <a:solidFill>
-                  <a:srgbClr val="000066"/>
-                </a:solidFill>
-                <a:latin typeface="微軟正黑體" pitchFamily="34" charset="-120"/>
-                <a:ea typeface="微軟正黑體" pitchFamily="34" charset="-120"/>
-              </a:rPr>
-              <a:t>祂以仁愛慈悲為你冠冕</a:t>
-            </a:r>
-            <a:endParaRPr lang="en-US" altLang="zh-TW" sz="4800" b="1" dirty="0">
-              <a:solidFill>
-                <a:srgbClr val="000066"/>
-              </a:solidFill>
-              <a:latin typeface="微軟正黑體" pitchFamily="34" charset="-120"/>
-              <a:ea typeface="微軟正黑體" pitchFamily="34" charset="-120"/>
-            </a:endParaRPr>
-          </a:p>
-          <a:p>
-            <a:pPr algn="ctr">
-              <a:buNone/>
-            </a:pPr>
-            <a:r>
-              <a:rPr lang="zh-TW" altLang="en-US" sz="4800" b="1" dirty="0">
-                <a:solidFill>
-                  <a:srgbClr val="000066"/>
-                </a:solidFill>
-                <a:latin typeface="微軟正黑體" pitchFamily="34" charset="-120"/>
-                <a:ea typeface="微軟正黑體" pitchFamily="34" charset="-120"/>
-              </a:rPr>
-              <a:t>為受屈的人伸冤</a:t>
-            </a:r>
-          </a:p>
         </p:txBody>
       </p:sp>
     </p:spTree>
+    <p:extLst>
+      <p:ext uri="{BB962C8B-B14F-4D97-AF65-F5344CB8AC3E}">
+        <p14:creationId xmlns:p14="http://schemas.microsoft.com/office/powerpoint/2010/main" val="1478360146"/>
+      </p:ext>
+    </p:extLst>
   </p:cSld>
   <p:clrMapOvr>
     <a:masterClrMapping/>
@@ -5483,94 +3736,25 @@
       </p:grpSpPr>
       <p:sp>
         <p:nvSpPr>
-          <p:cNvPr id="4" name="標題 3"/>
-          <p:cNvSpPr>
-            <a:spLocks noGrp="1"/>
-          </p:cNvSpPr>
-          <p:nvPr>
-            <p:ph type="title"/>
-          </p:nvPr>
-        </p:nvSpPr>
-        <p:spPr/>
-        <p:txBody>
-          <a:bodyPr>
+          <p:cNvPr id="5" name="內容版面配置區 4"/>
+          <p:cNvSpPr>
+            <a:spLocks noGrp="1"/>
+          </p:cNvSpPr>
+          <p:nvPr>
+            <p:ph idx="1"/>
+          </p:nvPr>
+        </p:nvSpPr>
+        <p:spPr>
+          <a:xfrm>
+            <a:off x="0" y="1563639"/>
+            <a:ext cx="9144000" cy="1803647"/>
+          </a:xfrm>
+        </p:spPr>
+        <p:txBody>
+          <a:bodyPr anchor="ctr">
             <a:normAutofit/>
           </a:bodyPr>
           <a:lstStyle/>
-          <a:p>
-            <a:r>
-              <a:rPr lang="zh-TW" altLang="en-US" sz="4000" b="1" dirty="0">
-                <a:solidFill>
-                  <a:srgbClr val="000066"/>
-                </a:solidFill>
-                <a:latin typeface="微軟正黑體" pitchFamily="34" charset="-120"/>
-                <a:ea typeface="微軟正黑體" pitchFamily="34" charset="-120"/>
-              </a:rPr>
-              <a:t>我的心你要稱頌耶和華</a:t>
-            </a:r>
-          </a:p>
-        </p:txBody>
-      </p:sp>
-      <p:sp>
-        <p:nvSpPr>
-          <p:cNvPr id="5" name="內容版面配置區 4"/>
-          <p:cNvSpPr>
-            <a:spLocks noGrp="1"/>
-          </p:cNvSpPr>
-          <p:nvPr>
-            <p:ph idx="1"/>
-          </p:nvPr>
-        </p:nvSpPr>
-        <p:spPr/>
-        <p:txBody>
-          <a:bodyPr>
-            <a:noAutofit/>
-          </a:bodyPr>
-          <a:lstStyle/>
-          <a:p>
-            <a:pPr algn="ctr">
-              <a:buNone/>
-            </a:pPr>
-            <a:r>
-              <a:rPr lang="zh-TW" altLang="en-US" sz="4800" b="1" dirty="0">
-                <a:solidFill>
-                  <a:srgbClr val="000066"/>
-                </a:solidFill>
-                <a:latin typeface="微軟正黑體" pitchFamily="34" charset="-120"/>
-                <a:ea typeface="微軟正黑體" pitchFamily="34" charset="-120"/>
-              </a:rPr>
-              <a:t>天離地有何等的高</a:t>
-            </a:r>
-            <a:endParaRPr lang="en-US" altLang="zh-TW" sz="4800" b="1" dirty="0">
-              <a:solidFill>
-                <a:srgbClr val="000066"/>
-              </a:solidFill>
-              <a:latin typeface="微軟正黑體" pitchFamily="34" charset="-120"/>
-              <a:ea typeface="微軟正黑體" pitchFamily="34" charset="-120"/>
-            </a:endParaRPr>
-          </a:p>
-          <a:p>
-            <a:pPr algn="ctr">
-              <a:buNone/>
-            </a:pPr>
-            <a:r>
-              <a:rPr lang="zh-TW" altLang="en-US" sz="4800" b="1" dirty="0">
-                <a:solidFill>
-                  <a:srgbClr val="000066"/>
-                </a:solidFill>
-                <a:latin typeface="微軟正黑體" pitchFamily="34" charset="-120"/>
-                <a:ea typeface="微軟正黑體" pitchFamily="34" charset="-120"/>
-              </a:rPr>
-              <a:t>祂的慈愛也何等的深</a:t>
-            </a:r>
-            <a:endParaRPr lang="en-US" altLang="zh-TW" sz="4800" b="1" dirty="0">
-              <a:solidFill>
-                <a:srgbClr val="000066"/>
-              </a:solidFill>
-              <a:latin typeface="微軟正黑體" pitchFamily="34" charset="-120"/>
-              <a:ea typeface="微軟正黑體" pitchFamily="34" charset="-120"/>
-            </a:endParaRPr>
-          </a:p>
           <a:p>
             <a:pPr algn="ctr">
               <a:buNone/>
@@ -5607,10 +3791,22 @@
               </a:rPr>
               <a:t>祂使我的過犯也離我多遠</a:t>
             </a:r>
+            <a:endParaRPr lang="zh-TW" altLang="en-US" sz="4800" b="1" dirty="0">
+              <a:solidFill>
+                <a:srgbClr val="000066"/>
+              </a:solidFill>
+              <a:latin typeface="微軟正黑體" pitchFamily="34" charset="-120"/>
+              <a:ea typeface="微軟正黑體" pitchFamily="34" charset="-120"/>
+            </a:endParaRPr>
           </a:p>
         </p:txBody>
       </p:sp>
     </p:spTree>
+    <p:extLst>
+      <p:ext uri="{BB962C8B-B14F-4D97-AF65-F5344CB8AC3E}">
+        <p14:creationId xmlns:p14="http://schemas.microsoft.com/office/powerpoint/2010/main" val="2612342048"/>
+      </p:ext>
+    </p:extLst>
   </p:cSld>
   <p:clrMapOvr>
     <a:masterClrMapping/>
@@ -5637,48 +3833,23 @@
       </p:grpSpPr>
       <p:sp>
         <p:nvSpPr>
-          <p:cNvPr id="4" name="標題 3"/>
-          <p:cNvSpPr>
-            <a:spLocks noGrp="1"/>
-          </p:cNvSpPr>
-          <p:nvPr>
-            <p:ph type="title"/>
-          </p:nvPr>
-        </p:nvSpPr>
-        <p:spPr/>
-        <p:txBody>
-          <a:bodyPr>
+          <p:cNvPr id="5" name="內容版面配置區 4"/>
+          <p:cNvSpPr>
+            <a:spLocks noGrp="1"/>
+          </p:cNvSpPr>
+          <p:nvPr>
+            <p:ph idx="1"/>
+          </p:nvPr>
+        </p:nvSpPr>
+        <p:spPr>
+          <a:xfrm>
+            <a:off x="0" y="1563639"/>
+            <a:ext cx="9144000" cy="1803647"/>
+          </a:xfrm>
+        </p:spPr>
+        <p:txBody>
+          <a:bodyPr anchor="ctr">
             <a:normAutofit/>
-          </a:bodyPr>
-          <a:lstStyle/>
-          <a:p>
-            <a:r>
-              <a:rPr lang="zh-TW" altLang="en-US" sz="4000" b="1" dirty="0">
-                <a:solidFill>
-                  <a:srgbClr val="000066"/>
-                </a:solidFill>
-                <a:latin typeface="微軟正黑體" pitchFamily="34" charset="-120"/>
-                <a:ea typeface="微軟正黑體" pitchFamily="34" charset="-120"/>
-              </a:rPr>
-              <a:t>我的心你要稱頌耶和華</a:t>
-            </a:r>
-          </a:p>
-        </p:txBody>
-      </p:sp>
-      <p:sp>
-        <p:nvSpPr>
-          <p:cNvPr id="5" name="內容版面配置區 4"/>
-          <p:cNvSpPr>
-            <a:spLocks noGrp="1"/>
-          </p:cNvSpPr>
-          <p:nvPr>
-            <p:ph idx="1"/>
-          </p:nvPr>
-        </p:nvSpPr>
-        <p:spPr/>
-        <p:txBody>
-          <a:bodyPr>
-            <a:noAutofit/>
           </a:bodyPr>
           <a:lstStyle/>
           <a:p>
@@ -5725,46 +3896,14 @@
               <a:ea typeface="微軟正黑體" pitchFamily="34" charset="-120"/>
             </a:endParaRPr>
           </a:p>
-          <a:p>
-            <a:pPr algn="ctr">
-              <a:buNone/>
-            </a:pPr>
-            <a:r>
-              <a:rPr lang="zh-TW" altLang="en-US" sz="4800" b="1" dirty="0">
-                <a:solidFill>
-                  <a:srgbClr val="000066"/>
-                </a:solidFill>
-                <a:latin typeface="微軟正黑體" pitchFamily="34" charset="-120"/>
-                <a:ea typeface="微軟正黑體" pitchFamily="34" charset="-120"/>
-              </a:rPr>
-              <a:t>從亙古直到永遠</a:t>
-            </a:r>
-            <a:endParaRPr lang="en-US" altLang="zh-TW" sz="4800" b="1" dirty="0">
-              <a:solidFill>
-                <a:srgbClr val="000066"/>
-              </a:solidFill>
-              <a:latin typeface="微軟正黑體" pitchFamily="34" charset="-120"/>
-              <a:ea typeface="微軟正黑體" pitchFamily="34" charset="-120"/>
-            </a:endParaRPr>
-          </a:p>
-          <a:p>
-            <a:pPr algn="ctr">
-              <a:buNone/>
-            </a:pPr>
-            <a:r>
-              <a:rPr lang="zh-TW" altLang="en-US" sz="4800" b="1" dirty="0">
-                <a:solidFill>
-                  <a:srgbClr val="000066"/>
-                </a:solidFill>
-                <a:latin typeface="微軟正黑體" pitchFamily="34" charset="-120"/>
-                <a:ea typeface="微軟正黑體" pitchFamily="34" charset="-120"/>
-              </a:rPr>
-              <a:t>耶和華祂是我的神</a:t>
-            </a:r>
-          </a:p>
         </p:txBody>
       </p:sp>
     </p:spTree>
+    <p:extLst>
+      <p:ext uri="{BB962C8B-B14F-4D97-AF65-F5344CB8AC3E}">
+        <p14:creationId xmlns:p14="http://schemas.microsoft.com/office/powerpoint/2010/main" val="4016397655"/>
+      </p:ext>
+    </p:extLst>
   </p:cSld>
   <p:clrMapOvr>
     <a:masterClrMapping/>
@@ -5791,48 +3930,23 @@
       </p:grpSpPr>
       <p:sp>
         <p:nvSpPr>
-          <p:cNvPr id="4" name="標題 3"/>
-          <p:cNvSpPr>
-            <a:spLocks noGrp="1"/>
-          </p:cNvSpPr>
-          <p:nvPr>
-            <p:ph type="title"/>
-          </p:nvPr>
-        </p:nvSpPr>
-        <p:spPr/>
-        <p:txBody>
-          <a:bodyPr>
+          <p:cNvPr id="5" name="內容版面配置區 4"/>
+          <p:cNvSpPr>
+            <a:spLocks noGrp="1"/>
+          </p:cNvSpPr>
+          <p:nvPr>
+            <p:ph idx="1"/>
+          </p:nvPr>
+        </p:nvSpPr>
+        <p:spPr>
+          <a:xfrm>
+            <a:off x="0" y="1563639"/>
+            <a:ext cx="9144000" cy="1803647"/>
+          </a:xfrm>
+        </p:spPr>
+        <p:txBody>
+          <a:bodyPr anchor="ctr">
             <a:normAutofit/>
-          </a:bodyPr>
-          <a:lstStyle/>
-          <a:p>
-            <a:r>
-              <a:rPr lang="zh-TW" altLang="en-US" sz="4000" b="1" dirty="0">
-                <a:solidFill>
-                  <a:srgbClr val="000066"/>
-                </a:solidFill>
-                <a:latin typeface="微軟正黑體" pitchFamily="34" charset="-120"/>
-                <a:ea typeface="微軟正黑體" pitchFamily="34" charset="-120"/>
-              </a:rPr>
-              <a:t>我的心你要稱頌耶和華</a:t>
-            </a:r>
-          </a:p>
-        </p:txBody>
-      </p:sp>
-      <p:sp>
-        <p:nvSpPr>
-          <p:cNvPr id="5" name="內容版面配置區 4"/>
-          <p:cNvSpPr>
-            <a:spLocks noGrp="1"/>
-          </p:cNvSpPr>
-          <p:nvPr>
-            <p:ph idx="1"/>
-          </p:nvPr>
-        </p:nvSpPr>
-        <p:spPr/>
-        <p:txBody>
-          <a:bodyPr>
-            <a:noAutofit/>
           </a:bodyPr>
           <a:lstStyle/>
           <a:p>
@@ -5847,7 +3961,7 @@
                 <a:latin typeface="微軟正黑體" pitchFamily="34" charset="-120"/>
                 <a:ea typeface="微軟正黑體" pitchFamily="34" charset="-120"/>
               </a:rPr>
-              <a:t>天離地有何等的高</a:t>
+              <a:t>從亙古直到永遠</a:t>
             </a:r>
             <a:endParaRPr lang="en-US" altLang="zh-TW" sz="4800" b="1" dirty="0">
               <a:solidFill>
@@ -5869,9 +3983,9 @@
                 <a:latin typeface="微軟正黑體" pitchFamily="34" charset="-120"/>
                 <a:ea typeface="微軟正黑體" pitchFamily="34" charset="-120"/>
               </a:rPr>
-              <a:t>祂的慈愛也何等的深</a:t>
-            </a:r>
-            <a:endParaRPr lang="en-US" altLang="zh-TW" sz="4800" b="1" dirty="0">
+              <a:t>耶和華祂是我的神</a:t>
+            </a:r>
+            <a:endParaRPr lang="zh-TW" altLang="en-US" sz="4800" b="1" dirty="0">
               <a:solidFill>
                 <a:srgbClr val="000066"/>
               </a:solidFill>
@@ -5879,46 +3993,14 @@
               <a:ea typeface="微軟正黑體" pitchFamily="34" charset="-120"/>
             </a:endParaRPr>
           </a:p>
-          <a:p>
-            <a:pPr algn="ctr">
-              <a:buNone/>
-            </a:pPr>
-            <a:r>
-              <a:rPr lang="zh-TW" altLang="en-US" sz="4800" b="1" dirty="0">
-                <a:solidFill>
-                  <a:srgbClr val="000066"/>
-                </a:solidFill>
-                <a:latin typeface="微軟正黑體" pitchFamily="34" charset="-120"/>
-                <a:ea typeface="微軟正黑體" pitchFamily="34" charset="-120"/>
-              </a:rPr>
-              <a:t>東離西有多麼的遠</a:t>
-            </a:r>
-            <a:endParaRPr lang="en-US" altLang="zh-TW" sz="4800" b="1" dirty="0">
-              <a:solidFill>
-                <a:srgbClr val="000066"/>
-              </a:solidFill>
-              <a:latin typeface="微軟正黑體" pitchFamily="34" charset="-120"/>
-              <a:ea typeface="微軟正黑體" pitchFamily="34" charset="-120"/>
-            </a:endParaRPr>
-          </a:p>
-          <a:p>
-            <a:pPr algn="ctr">
-              <a:buNone/>
-            </a:pPr>
-            <a:r>
-              <a:rPr lang="zh-TW" altLang="en-US" sz="4800" b="1" dirty="0">
-                <a:solidFill>
-                  <a:srgbClr val="000066"/>
-                </a:solidFill>
-                <a:latin typeface="微軟正黑體" pitchFamily="34" charset="-120"/>
-                <a:ea typeface="微軟正黑體" pitchFamily="34" charset="-120"/>
-              </a:rPr>
-              <a:t>祂使我的過犯也離我多遠</a:t>
-            </a:r>
-          </a:p>
         </p:txBody>
       </p:sp>
     </p:spTree>
+    <p:extLst>
+      <p:ext uri="{BB962C8B-B14F-4D97-AF65-F5344CB8AC3E}">
+        <p14:creationId xmlns:p14="http://schemas.microsoft.com/office/powerpoint/2010/main" val="3939698568"/>
+      </p:ext>
+    </p:extLst>
   </p:cSld>
   <p:clrMapOvr>
     <a:masterClrMapping/>

--- a/我的心你要稱頌耶和華(崇拜版).pptx
+++ b/我的心你要稱頌耶和華(崇拜版).pptx
@@ -313,7 +313,7 @@
             <a:fld id="{9CEA959E-6A41-412C-8C82-2C072CF95BF2}" type="datetimeFigureOut">
               <a:rPr lang="zh-TW" altLang="en-US" smtClean="0"/>
               <a:pPr/>
-              <a:t>2021/1/23</a:t>
+              <a:t>2022/4/30</a:t>
             </a:fld>
             <a:endParaRPr lang="zh-TW" altLang="en-US"/>
           </a:p>
@@ -480,7 +480,7 @@
             <a:fld id="{9CEA959E-6A41-412C-8C82-2C072CF95BF2}" type="datetimeFigureOut">
               <a:rPr lang="zh-TW" altLang="en-US" smtClean="0"/>
               <a:pPr/>
-              <a:t>2021/1/23</a:t>
+              <a:t>2022/4/30</a:t>
             </a:fld>
             <a:endParaRPr lang="zh-TW" altLang="en-US"/>
           </a:p>
@@ -657,7 +657,7 @@
             <a:fld id="{9CEA959E-6A41-412C-8C82-2C072CF95BF2}" type="datetimeFigureOut">
               <a:rPr lang="zh-TW" altLang="en-US" smtClean="0"/>
               <a:pPr/>
-              <a:t>2021/1/23</a:t>
+              <a:t>2022/4/30</a:t>
             </a:fld>
             <a:endParaRPr lang="zh-TW" altLang="en-US"/>
           </a:p>
@@ -824,7 +824,7 @@
             <a:fld id="{9CEA959E-6A41-412C-8C82-2C072CF95BF2}" type="datetimeFigureOut">
               <a:rPr lang="zh-TW" altLang="en-US" smtClean="0"/>
               <a:pPr/>
-              <a:t>2021/1/23</a:t>
+              <a:t>2022/4/30</a:t>
             </a:fld>
             <a:endParaRPr lang="zh-TW" altLang="en-US"/>
           </a:p>
@@ -1067,7 +1067,7 @@
             <a:fld id="{9CEA959E-6A41-412C-8C82-2C072CF95BF2}" type="datetimeFigureOut">
               <a:rPr lang="zh-TW" altLang="en-US" smtClean="0"/>
               <a:pPr/>
-              <a:t>2021/1/23</a:t>
+              <a:t>2022/4/30</a:t>
             </a:fld>
             <a:endParaRPr lang="zh-TW" altLang="en-US"/>
           </a:p>
@@ -1352,7 +1352,7 @@
             <a:fld id="{9CEA959E-6A41-412C-8C82-2C072CF95BF2}" type="datetimeFigureOut">
               <a:rPr lang="zh-TW" altLang="en-US" smtClean="0"/>
               <a:pPr/>
-              <a:t>2021/1/23</a:t>
+              <a:t>2022/4/30</a:t>
             </a:fld>
             <a:endParaRPr lang="zh-TW" altLang="en-US"/>
           </a:p>
@@ -1771,7 +1771,7 @@
             <a:fld id="{9CEA959E-6A41-412C-8C82-2C072CF95BF2}" type="datetimeFigureOut">
               <a:rPr lang="zh-TW" altLang="en-US" smtClean="0"/>
               <a:pPr/>
-              <a:t>2021/1/23</a:t>
+              <a:t>2022/4/30</a:t>
             </a:fld>
             <a:endParaRPr lang="zh-TW" altLang="en-US"/>
           </a:p>
@@ -1886,7 +1886,7 @@
             <a:fld id="{9CEA959E-6A41-412C-8C82-2C072CF95BF2}" type="datetimeFigureOut">
               <a:rPr lang="zh-TW" altLang="en-US" smtClean="0"/>
               <a:pPr/>
-              <a:t>2021/1/23</a:t>
+              <a:t>2022/4/30</a:t>
             </a:fld>
             <a:endParaRPr lang="zh-TW" altLang="en-US"/>
           </a:p>
@@ -1978,7 +1978,7 @@
             <a:fld id="{9CEA959E-6A41-412C-8C82-2C072CF95BF2}" type="datetimeFigureOut">
               <a:rPr lang="zh-TW" altLang="en-US" smtClean="0"/>
               <a:pPr/>
-              <a:t>2021/1/23</a:t>
+              <a:t>2022/4/30</a:t>
             </a:fld>
             <a:endParaRPr lang="zh-TW" altLang="en-US"/>
           </a:p>
@@ -2252,7 +2252,7 @@
             <a:fld id="{9CEA959E-6A41-412C-8C82-2C072CF95BF2}" type="datetimeFigureOut">
               <a:rPr lang="zh-TW" altLang="en-US" smtClean="0"/>
               <a:pPr/>
-              <a:t>2021/1/23</a:t>
+              <a:t>2022/4/30</a:t>
             </a:fld>
             <a:endParaRPr lang="zh-TW" altLang="en-US"/>
           </a:p>
@@ -2506,7 +2506,7 @@
             <a:fld id="{9CEA959E-6A41-412C-8C82-2C072CF95BF2}" type="datetimeFigureOut">
               <a:rPr lang="zh-TW" altLang="en-US" smtClean="0"/>
               <a:pPr/>
-              <a:t>2021/1/23</a:t>
+              <a:t>2022/4/30</a:t>
             </a:fld>
             <a:endParaRPr lang="zh-TW" altLang="en-US"/>
           </a:p>
@@ -2721,7 +2721,7 @@
             <a:fld id="{9CEA959E-6A41-412C-8C82-2C072CF95BF2}" type="datetimeFigureOut">
               <a:rPr lang="zh-TW" altLang="en-US" smtClean="0"/>
               <a:pPr/>
-              <a:t>2021/1/23</a:t>
+              <a:t>2022/4/30</a:t>
             </a:fld>
             <a:endParaRPr lang="zh-TW" altLang="en-US"/>
           </a:p>
@@ -3316,6 +3316,84 @@
           </a:p>
         </p:txBody>
       </p:sp>
+      <p:sp>
+        <p:nvSpPr>
+          <p:cNvPr id="3" name="TextBox 2"/>
+          <p:cNvSpPr txBox="1"/>
+          <p:nvPr/>
+        </p:nvSpPr>
+        <p:spPr>
+          <a:xfrm>
+            <a:off x="0" y="3867895"/>
+            <a:ext cx="9144000" cy="584775"/>
+          </a:xfrm>
+          <a:prstGeom prst="rect">
+            <a:avLst/>
+          </a:prstGeom>
+          <a:noFill/>
+        </p:spPr>
+        <p:txBody>
+          <a:bodyPr wrap="square" rtlCol="0">
+            <a:spAutoFit/>
+          </a:bodyPr>
+          <a:lstStyle/>
+          <a:p>
+            <a:pPr algn="ctr"/>
+            <a:r>
+              <a:rPr lang="en-US" sz="3200" b="1" dirty="0">
+                <a:solidFill>
+                  <a:srgbClr val="000066"/>
+                </a:solidFill>
+                <a:effectLst/>
+                <a:latin typeface="Microsoft JhengHei" panose="020B0604030504040204" pitchFamily="34" charset="-120"/>
+                <a:ea typeface="Microsoft JhengHei" panose="020B0604030504040204" pitchFamily="34" charset="-120"/>
+              </a:rPr>
+              <a:t>( </a:t>
+            </a:r>
+            <a:r>
+              <a:rPr lang="zh-CN" altLang="en-US" sz="3200" b="1" dirty="0" smtClean="0">
+                <a:solidFill>
+                  <a:srgbClr val="000066"/>
+                </a:solidFill>
+                <a:effectLst/>
+                <a:latin typeface="Microsoft JhengHei" panose="020B0604030504040204" pitchFamily="34" charset="-120"/>
+                <a:ea typeface="Microsoft JhengHei" panose="020B0604030504040204" pitchFamily="34" charset="-120"/>
+              </a:rPr>
+              <a:t>正</a:t>
+            </a:r>
+            <a:r>
+              <a:rPr lang="en-US" sz="3200" b="1" dirty="0" smtClean="0">
+                <a:solidFill>
+                  <a:srgbClr val="000066"/>
+                </a:solidFill>
+                <a:effectLst/>
+                <a:latin typeface="Microsoft JhengHei" panose="020B0604030504040204" pitchFamily="34" charset="-120"/>
+                <a:ea typeface="Microsoft JhengHei" panose="020B0604030504040204" pitchFamily="34" charset="-120"/>
+              </a:rPr>
+              <a:t> </a:t>
+            </a:r>
+            <a:r>
+              <a:rPr lang="en-US" sz="3200" b="1" dirty="0">
+                <a:solidFill>
+                  <a:srgbClr val="000066"/>
+                </a:solidFill>
+                <a:effectLst/>
+                <a:latin typeface="Microsoft JhengHei" panose="020B0604030504040204" pitchFamily="34" charset="-120"/>
+                <a:ea typeface="Microsoft JhengHei" panose="020B0604030504040204" pitchFamily="34" charset="-120"/>
+              </a:rPr>
+              <a:t>)</a:t>
+            </a:r>
+            <a:endParaRPr lang="vi-VN" sz="3200" b="1" dirty="0">
+              <a:solidFill>
+                <a:srgbClr val="000066"/>
+              </a:solidFill>
+              <a:effectLst/>
+              <a:latin typeface="Microsoft JhengHei" panose="020B0604030504040204" pitchFamily="34" charset="-120"/>
+              <a:ea typeface="Microsoft JhengHei" panose="020B0604030504040204" pitchFamily="34" charset="-120"/>
+            </a:endParaRPr>
+          </a:p>
+        </p:txBody>
+      </p:sp>
     </p:spTree>
     <p:extLst>
       <p:ext uri="{BB962C8B-B14F-4D97-AF65-F5344CB8AC3E}">
@@ -3403,12 +3481,83 @@
               </a:rPr>
               <a:t>醫治你疾病復原</a:t>
             </a:r>
-            <a:endParaRPr lang="zh-TW" altLang="en-US" sz="4800" b="1" dirty="0">
+          </a:p>
+        </p:txBody>
+      </p:sp>
+      <p:sp>
+        <p:nvSpPr>
+          <p:cNvPr id="3" name="TextBox 2"/>
+          <p:cNvSpPr txBox="1"/>
+          <p:nvPr/>
+        </p:nvSpPr>
+        <p:spPr>
+          <a:xfrm>
+            <a:off x="0" y="3867895"/>
+            <a:ext cx="9144000" cy="584775"/>
+          </a:xfrm>
+          <a:prstGeom prst="rect">
+            <a:avLst/>
+          </a:prstGeom>
+          <a:noFill/>
+        </p:spPr>
+        <p:txBody>
+          <a:bodyPr wrap="square" rtlCol="0">
+            <a:spAutoFit/>
+          </a:bodyPr>
+          <a:lstStyle/>
+          <a:p>
+            <a:pPr algn="ctr"/>
+            <a:r>
+              <a:rPr lang="en-US" sz="3200" b="1" dirty="0">
+                <a:solidFill>
+                  <a:srgbClr val="000066"/>
+                </a:solidFill>
+                <a:effectLst/>
+                <a:latin typeface="Microsoft JhengHei" panose="020B0604030504040204" pitchFamily="34" charset="-120"/>
+                <a:ea typeface="Microsoft JhengHei" panose="020B0604030504040204" pitchFamily="34" charset="-120"/>
+              </a:rPr>
+              <a:t>( </a:t>
+            </a:r>
+            <a:r>
+              <a:rPr lang="zh-CN" altLang="en-US" sz="3200" b="1" dirty="0" smtClean="0">
+                <a:solidFill>
+                  <a:srgbClr val="000066"/>
+                </a:solidFill>
+                <a:effectLst/>
+                <a:latin typeface="Microsoft JhengHei" panose="020B0604030504040204" pitchFamily="34" charset="-120"/>
+                <a:ea typeface="Microsoft JhengHei" panose="020B0604030504040204" pitchFamily="34" charset="-120"/>
+              </a:rPr>
+              <a:t>正</a:t>
+            </a:r>
+            <a:r>
+              <a:rPr lang="en-US" sz="3200" b="1" dirty="0" smtClean="0">
+                <a:solidFill>
+                  <a:srgbClr val="000066"/>
+                </a:solidFill>
+                <a:effectLst/>
+                <a:latin typeface="Microsoft JhengHei" panose="020B0604030504040204" pitchFamily="34" charset="-120"/>
+                <a:ea typeface="Microsoft JhengHei" panose="020B0604030504040204" pitchFamily="34" charset="-120"/>
+              </a:rPr>
+              <a:t> </a:t>
+            </a:r>
+            <a:r>
+              <a:rPr lang="en-US" sz="3200" b="1" dirty="0">
+                <a:solidFill>
+                  <a:srgbClr val="000066"/>
+                </a:solidFill>
+                <a:effectLst/>
+                <a:latin typeface="Microsoft JhengHei" panose="020B0604030504040204" pitchFamily="34" charset="-120"/>
+                <a:ea typeface="Microsoft JhengHei" panose="020B0604030504040204" pitchFamily="34" charset="-120"/>
+              </a:rPr>
+              <a:t>)</a:t>
+            </a:r>
+            <a:endParaRPr lang="vi-VN" sz="3200" b="1" dirty="0">
               <a:solidFill>
                 <a:srgbClr val="000066"/>
               </a:solidFill>
-              <a:latin typeface="微軟正黑體" pitchFamily="34" charset="-120"/>
-              <a:ea typeface="微軟正黑體" pitchFamily="34" charset="-120"/>
+              <a:effectLst/>
+              <a:latin typeface="Microsoft JhengHei" panose="020B0604030504040204" pitchFamily="34" charset="-120"/>
+              <a:ea typeface="Microsoft JhengHei" panose="020B0604030504040204" pitchFamily="34" charset="-120"/>
             </a:endParaRPr>
           </a:p>
         </p:txBody>
@@ -3510,6 +3659,84 @@
           </a:p>
         </p:txBody>
       </p:sp>
+      <p:sp>
+        <p:nvSpPr>
+          <p:cNvPr id="3" name="TextBox 2"/>
+          <p:cNvSpPr txBox="1"/>
+          <p:nvPr/>
+        </p:nvSpPr>
+        <p:spPr>
+          <a:xfrm>
+            <a:off x="0" y="3867895"/>
+            <a:ext cx="9144000" cy="584775"/>
+          </a:xfrm>
+          <a:prstGeom prst="rect">
+            <a:avLst/>
+          </a:prstGeom>
+          <a:noFill/>
+        </p:spPr>
+        <p:txBody>
+          <a:bodyPr wrap="square" rtlCol="0">
+            <a:spAutoFit/>
+          </a:bodyPr>
+          <a:lstStyle/>
+          <a:p>
+            <a:pPr algn="ctr"/>
+            <a:r>
+              <a:rPr lang="en-US" sz="3200" b="1" dirty="0">
+                <a:solidFill>
+                  <a:srgbClr val="000066"/>
+                </a:solidFill>
+                <a:effectLst/>
+                <a:latin typeface="Microsoft JhengHei" panose="020B0604030504040204" pitchFamily="34" charset="-120"/>
+                <a:ea typeface="Microsoft JhengHei" panose="020B0604030504040204" pitchFamily="34" charset="-120"/>
+              </a:rPr>
+              <a:t>( </a:t>
+            </a:r>
+            <a:r>
+              <a:rPr lang="zh-CN" altLang="en-US" sz="3200" b="1" dirty="0" smtClean="0">
+                <a:solidFill>
+                  <a:srgbClr val="000066"/>
+                </a:solidFill>
+                <a:effectLst/>
+                <a:latin typeface="Microsoft JhengHei" panose="020B0604030504040204" pitchFamily="34" charset="-120"/>
+                <a:ea typeface="Microsoft JhengHei" panose="020B0604030504040204" pitchFamily="34" charset="-120"/>
+              </a:rPr>
+              <a:t>正</a:t>
+            </a:r>
+            <a:r>
+              <a:rPr lang="en-US" sz="3200" b="1" dirty="0" smtClean="0">
+                <a:solidFill>
+                  <a:srgbClr val="000066"/>
+                </a:solidFill>
+                <a:effectLst/>
+                <a:latin typeface="Microsoft JhengHei" panose="020B0604030504040204" pitchFamily="34" charset="-120"/>
+                <a:ea typeface="Microsoft JhengHei" panose="020B0604030504040204" pitchFamily="34" charset="-120"/>
+              </a:rPr>
+              <a:t> </a:t>
+            </a:r>
+            <a:r>
+              <a:rPr lang="en-US" sz="3200" b="1" dirty="0">
+                <a:solidFill>
+                  <a:srgbClr val="000066"/>
+                </a:solidFill>
+                <a:effectLst/>
+                <a:latin typeface="Microsoft JhengHei" panose="020B0604030504040204" pitchFamily="34" charset="-120"/>
+                <a:ea typeface="Microsoft JhengHei" panose="020B0604030504040204" pitchFamily="34" charset="-120"/>
+              </a:rPr>
+              <a:t>)</a:t>
+            </a:r>
+            <a:endParaRPr lang="vi-VN" sz="3200" b="1" dirty="0">
+              <a:solidFill>
+                <a:srgbClr val="000066"/>
+              </a:solidFill>
+              <a:effectLst/>
+              <a:latin typeface="Microsoft JhengHei" panose="020B0604030504040204" pitchFamily="34" charset="-120"/>
+              <a:ea typeface="Microsoft JhengHei" panose="020B0604030504040204" pitchFamily="34" charset="-120"/>
+            </a:endParaRPr>
+          </a:p>
+        </p:txBody>
+      </p:sp>
     </p:spTree>
     <p:extLst>
       <p:ext uri="{BB962C8B-B14F-4D97-AF65-F5344CB8AC3E}">
@@ -3597,12 +3824,83 @@
               </a:rPr>
               <a:t>為受屈的人伸冤</a:t>
             </a:r>
-            <a:endParaRPr lang="zh-TW" altLang="en-US" sz="4800" b="1" dirty="0">
+          </a:p>
+        </p:txBody>
+      </p:sp>
+      <p:sp>
+        <p:nvSpPr>
+          <p:cNvPr id="3" name="TextBox 2"/>
+          <p:cNvSpPr txBox="1"/>
+          <p:nvPr/>
+        </p:nvSpPr>
+        <p:spPr>
+          <a:xfrm>
+            <a:off x="0" y="3867895"/>
+            <a:ext cx="9144000" cy="584775"/>
+          </a:xfrm>
+          <a:prstGeom prst="rect">
+            <a:avLst/>
+          </a:prstGeom>
+          <a:noFill/>
+        </p:spPr>
+        <p:txBody>
+          <a:bodyPr wrap="square" rtlCol="0">
+            <a:spAutoFit/>
+          </a:bodyPr>
+          <a:lstStyle/>
+          <a:p>
+            <a:pPr algn="ctr"/>
+            <a:r>
+              <a:rPr lang="en-US" sz="3200" b="1" dirty="0">
+                <a:solidFill>
+                  <a:srgbClr val="000066"/>
+                </a:solidFill>
+                <a:effectLst/>
+                <a:latin typeface="Microsoft JhengHei" panose="020B0604030504040204" pitchFamily="34" charset="-120"/>
+                <a:ea typeface="Microsoft JhengHei" panose="020B0604030504040204" pitchFamily="34" charset="-120"/>
+              </a:rPr>
+              <a:t>( </a:t>
+            </a:r>
+            <a:r>
+              <a:rPr lang="zh-CN" altLang="en-US" sz="3200" b="1" dirty="0" smtClean="0">
+                <a:solidFill>
+                  <a:srgbClr val="000066"/>
+                </a:solidFill>
+                <a:effectLst/>
+                <a:latin typeface="Microsoft JhengHei" panose="020B0604030504040204" pitchFamily="34" charset="-120"/>
+                <a:ea typeface="Microsoft JhengHei" panose="020B0604030504040204" pitchFamily="34" charset="-120"/>
+              </a:rPr>
+              <a:t>正</a:t>
+            </a:r>
+            <a:r>
+              <a:rPr lang="en-US" sz="3200" b="1" dirty="0" smtClean="0">
+                <a:solidFill>
+                  <a:srgbClr val="000066"/>
+                </a:solidFill>
+                <a:effectLst/>
+                <a:latin typeface="Microsoft JhengHei" panose="020B0604030504040204" pitchFamily="34" charset="-120"/>
+                <a:ea typeface="Microsoft JhengHei" panose="020B0604030504040204" pitchFamily="34" charset="-120"/>
+              </a:rPr>
+              <a:t> </a:t>
+            </a:r>
+            <a:r>
+              <a:rPr lang="en-US" sz="3200" b="1" dirty="0">
+                <a:solidFill>
+                  <a:srgbClr val="000066"/>
+                </a:solidFill>
+                <a:effectLst/>
+                <a:latin typeface="Microsoft JhengHei" panose="020B0604030504040204" pitchFamily="34" charset="-120"/>
+                <a:ea typeface="Microsoft JhengHei" panose="020B0604030504040204" pitchFamily="34" charset="-120"/>
+              </a:rPr>
+              <a:t>)</a:t>
+            </a:r>
+            <a:endParaRPr lang="vi-VN" sz="3200" b="1" dirty="0">
               <a:solidFill>
                 <a:srgbClr val="000066"/>
               </a:solidFill>
-              <a:latin typeface="微軟正黑體" pitchFamily="34" charset="-120"/>
-              <a:ea typeface="微軟正黑體" pitchFamily="34" charset="-120"/>
+              <a:effectLst/>
+              <a:latin typeface="Microsoft JhengHei" panose="020B0604030504040204" pitchFamily="34" charset="-120"/>
+              <a:ea typeface="Microsoft JhengHei" panose="020B0604030504040204" pitchFamily="34" charset="-120"/>
             </a:endParaRPr>
           </a:p>
         </p:txBody>
@@ -3704,6 +4002,84 @@
           </a:p>
         </p:txBody>
       </p:sp>
+      <p:sp>
+        <p:nvSpPr>
+          <p:cNvPr id="3" name="TextBox 2"/>
+          <p:cNvSpPr txBox="1"/>
+          <p:nvPr/>
+        </p:nvSpPr>
+        <p:spPr>
+          <a:xfrm>
+            <a:off x="0" y="3867895"/>
+            <a:ext cx="9144000" cy="584775"/>
+          </a:xfrm>
+          <a:prstGeom prst="rect">
+            <a:avLst/>
+          </a:prstGeom>
+          <a:noFill/>
+        </p:spPr>
+        <p:txBody>
+          <a:bodyPr wrap="square" rtlCol="0">
+            <a:spAutoFit/>
+          </a:bodyPr>
+          <a:lstStyle/>
+          <a:p>
+            <a:pPr algn="ctr"/>
+            <a:r>
+              <a:rPr lang="en-US" sz="3200" b="1" dirty="0">
+                <a:solidFill>
+                  <a:srgbClr val="000066"/>
+                </a:solidFill>
+                <a:effectLst/>
+                <a:latin typeface="Microsoft JhengHei" panose="020B0604030504040204" pitchFamily="34" charset="-120"/>
+                <a:ea typeface="Microsoft JhengHei" panose="020B0604030504040204" pitchFamily="34" charset="-120"/>
+              </a:rPr>
+              <a:t>( </a:t>
+            </a:r>
+            <a:r>
+              <a:rPr lang="zh-CN" altLang="en-US" sz="3200" b="1" dirty="0" smtClean="0">
+                <a:solidFill>
+                  <a:srgbClr val="000066"/>
+                </a:solidFill>
+                <a:effectLst/>
+                <a:latin typeface="Microsoft JhengHei" panose="020B0604030504040204" pitchFamily="34" charset="-120"/>
+                <a:ea typeface="Microsoft JhengHei" panose="020B0604030504040204" pitchFamily="34" charset="-120"/>
+              </a:rPr>
+              <a:t>副</a:t>
+            </a:r>
+            <a:r>
+              <a:rPr lang="en-US" sz="3200" b="1" dirty="0" smtClean="0">
+                <a:solidFill>
+                  <a:srgbClr val="000066"/>
+                </a:solidFill>
+                <a:effectLst/>
+                <a:latin typeface="Microsoft JhengHei" panose="020B0604030504040204" pitchFamily="34" charset="-120"/>
+                <a:ea typeface="Microsoft JhengHei" panose="020B0604030504040204" pitchFamily="34" charset="-120"/>
+              </a:rPr>
+              <a:t> </a:t>
+            </a:r>
+            <a:r>
+              <a:rPr lang="en-US" sz="3200" b="1" dirty="0">
+                <a:solidFill>
+                  <a:srgbClr val="000066"/>
+                </a:solidFill>
+                <a:effectLst/>
+                <a:latin typeface="Microsoft JhengHei" panose="020B0604030504040204" pitchFamily="34" charset="-120"/>
+                <a:ea typeface="Microsoft JhengHei" panose="020B0604030504040204" pitchFamily="34" charset="-120"/>
+              </a:rPr>
+              <a:t>)</a:t>
+            </a:r>
+            <a:endParaRPr lang="vi-VN" sz="3200" b="1" dirty="0">
+              <a:solidFill>
+                <a:srgbClr val="000066"/>
+              </a:solidFill>
+              <a:effectLst/>
+              <a:latin typeface="Microsoft JhengHei" panose="020B0604030504040204" pitchFamily="34" charset="-120"/>
+              <a:ea typeface="Microsoft JhengHei" panose="020B0604030504040204" pitchFamily="34" charset="-120"/>
+            </a:endParaRPr>
+          </a:p>
+        </p:txBody>
+      </p:sp>
     </p:spTree>
     <p:extLst>
       <p:ext uri="{BB962C8B-B14F-4D97-AF65-F5344CB8AC3E}">
@@ -3791,12 +4167,83 @@
               </a:rPr>
               <a:t>祂使我的過犯也離我多遠</a:t>
             </a:r>
-            <a:endParaRPr lang="zh-TW" altLang="en-US" sz="4800" b="1" dirty="0">
+          </a:p>
+        </p:txBody>
+      </p:sp>
+      <p:sp>
+        <p:nvSpPr>
+          <p:cNvPr id="3" name="TextBox 2"/>
+          <p:cNvSpPr txBox="1"/>
+          <p:nvPr/>
+        </p:nvSpPr>
+        <p:spPr>
+          <a:xfrm>
+            <a:off x="0" y="3867895"/>
+            <a:ext cx="9144000" cy="584775"/>
+          </a:xfrm>
+          <a:prstGeom prst="rect">
+            <a:avLst/>
+          </a:prstGeom>
+          <a:noFill/>
+        </p:spPr>
+        <p:txBody>
+          <a:bodyPr wrap="square" rtlCol="0">
+            <a:spAutoFit/>
+          </a:bodyPr>
+          <a:lstStyle/>
+          <a:p>
+            <a:pPr algn="ctr"/>
+            <a:r>
+              <a:rPr lang="en-US" sz="3200" b="1" dirty="0">
+                <a:solidFill>
+                  <a:srgbClr val="000066"/>
+                </a:solidFill>
+                <a:effectLst/>
+                <a:latin typeface="Microsoft JhengHei" panose="020B0604030504040204" pitchFamily="34" charset="-120"/>
+                <a:ea typeface="Microsoft JhengHei" panose="020B0604030504040204" pitchFamily="34" charset="-120"/>
+              </a:rPr>
+              <a:t>( </a:t>
+            </a:r>
+            <a:r>
+              <a:rPr lang="zh-CN" altLang="en-US" sz="3200" b="1" dirty="0" smtClean="0">
+                <a:solidFill>
+                  <a:srgbClr val="000066"/>
+                </a:solidFill>
+                <a:effectLst/>
+                <a:latin typeface="Microsoft JhengHei" panose="020B0604030504040204" pitchFamily="34" charset="-120"/>
+                <a:ea typeface="Microsoft JhengHei" panose="020B0604030504040204" pitchFamily="34" charset="-120"/>
+              </a:rPr>
+              <a:t>副</a:t>
+            </a:r>
+            <a:r>
+              <a:rPr lang="en-US" sz="3200" b="1" dirty="0" smtClean="0">
+                <a:solidFill>
+                  <a:srgbClr val="000066"/>
+                </a:solidFill>
+                <a:effectLst/>
+                <a:latin typeface="Microsoft JhengHei" panose="020B0604030504040204" pitchFamily="34" charset="-120"/>
+                <a:ea typeface="Microsoft JhengHei" panose="020B0604030504040204" pitchFamily="34" charset="-120"/>
+              </a:rPr>
+              <a:t> </a:t>
+            </a:r>
+            <a:r>
+              <a:rPr lang="en-US" sz="3200" b="1" dirty="0">
+                <a:solidFill>
+                  <a:srgbClr val="000066"/>
+                </a:solidFill>
+                <a:effectLst/>
+                <a:latin typeface="Microsoft JhengHei" panose="020B0604030504040204" pitchFamily="34" charset="-120"/>
+                <a:ea typeface="Microsoft JhengHei" panose="020B0604030504040204" pitchFamily="34" charset="-120"/>
+              </a:rPr>
+              <a:t>)</a:t>
+            </a:r>
+            <a:endParaRPr lang="vi-VN" sz="3200" b="1" dirty="0">
               <a:solidFill>
                 <a:srgbClr val="000066"/>
               </a:solidFill>
-              <a:latin typeface="微軟正黑體" pitchFamily="34" charset="-120"/>
-              <a:ea typeface="微軟正黑體" pitchFamily="34" charset="-120"/>
+              <a:effectLst/>
+              <a:latin typeface="Microsoft JhengHei" panose="020B0604030504040204" pitchFamily="34" charset="-120"/>
+              <a:ea typeface="Microsoft JhengHei" panose="020B0604030504040204" pitchFamily="34" charset="-120"/>
             </a:endParaRPr>
           </a:p>
         </p:txBody>
@@ -3898,6 +4345,84 @@
           </a:p>
         </p:txBody>
       </p:sp>
+      <p:sp>
+        <p:nvSpPr>
+          <p:cNvPr id="3" name="TextBox 2"/>
+          <p:cNvSpPr txBox="1"/>
+          <p:nvPr/>
+        </p:nvSpPr>
+        <p:spPr>
+          <a:xfrm>
+            <a:off x="0" y="3867895"/>
+            <a:ext cx="9144000" cy="584775"/>
+          </a:xfrm>
+          <a:prstGeom prst="rect">
+            <a:avLst/>
+          </a:prstGeom>
+          <a:noFill/>
+        </p:spPr>
+        <p:txBody>
+          <a:bodyPr wrap="square" rtlCol="0">
+            <a:spAutoFit/>
+          </a:bodyPr>
+          <a:lstStyle/>
+          <a:p>
+            <a:pPr algn="ctr"/>
+            <a:r>
+              <a:rPr lang="en-US" sz="3200" b="1" dirty="0">
+                <a:solidFill>
+                  <a:srgbClr val="000066"/>
+                </a:solidFill>
+                <a:effectLst/>
+                <a:latin typeface="Microsoft JhengHei" panose="020B0604030504040204" pitchFamily="34" charset="-120"/>
+                <a:ea typeface="Microsoft JhengHei" panose="020B0604030504040204" pitchFamily="34" charset="-120"/>
+              </a:rPr>
+              <a:t>( </a:t>
+            </a:r>
+            <a:r>
+              <a:rPr lang="zh-CN" altLang="en-US" sz="3200" b="1" dirty="0" smtClean="0">
+                <a:solidFill>
+                  <a:srgbClr val="000066"/>
+                </a:solidFill>
+                <a:effectLst/>
+                <a:latin typeface="Microsoft JhengHei" panose="020B0604030504040204" pitchFamily="34" charset="-120"/>
+                <a:ea typeface="Microsoft JhengHei" panose="020B0604030504040204" pitchFamily="34" charset="-120"/>
+              </a:rPr>
+              <a:t>副</a:t>
+            </a:r>
+            <a:r>
+              <a:rPr lang="en-US" sz="3200" b="1" dirty="0" smtClean="0">
+                <a:solidFill>
+                  <a:srgbClr val="000066"/>
+                </a:solidFill>
+                <a:effectLst/>
+                <a:latin typeface="Microsoft JhengHei" panose="020B0604030504040204" pitchFamily="34" charset="-120"/>
+                <a:ea typeface="Microsoft JhengHei" panose="020B0604030504040204" pitchFamily="34" charset="-120"/>
+              </a:rPr>
+              <a:t> </a:t>
+            </a:r>
+            <a:r>
+              <a:rPr lang="en-US" sz="3200" b="1" dirty="0">
+                <a:solidFill>
+                  <a:srgbClr val="000066"/>
+                </a:solidFill>
+                <a:effectLst/>
+                <a:latin typeface="Microsoft JhengHei" panose="020B0604030504040204" pitchFamily="34" charset="-120"/>
+                <a:ea typeface="Microsoft JhengHei" panose="020B0604030504040204" pitchFamily="34" charset="-120"/>
+              </a:rPr>
+              <a:t>)</a:t>
+            </a:r>
+            <a:endParaRPr lang="vi-VN" sz="3200" b="1" dirty="0">
+              <a:solidFill>
+                <a:srgbClr val="000066"/>
+              </a:solidFill>
+              <a:effectLst/>
+              <a:latin typeface="Microsoft JhengHei" panose="020B0604030504040204" pitchFamily="34" charset="-120"/>
+              <a:ea typeface="Microsoft JhengHei" panose="020B0604030504040204" pitchFamily="34" charset="-120"/>
+            </a:endParaRPr>
+          </a:p>
+        </p:txBody>
+      </p:sp>
     </p:spTree>
     <p:extLst>
       <p:ext uri="{BB962C8B-B14F-4D97-AF65-F5344CB8AC3E}">
@@ -3985,12 +4510,83 @@
               </a:rPr>
               <a:t>耶和華祂是我的神</a:t>
             </a:r>
-            <a:endParaRPr lang="zh-TW" altLang="en-US" sz="4800" b="1" dirty="0">
+          </a:p>
+        </p:txBody>
+      </p:sp>
+      <p:sp>
+        <p:nvSpPr>
+          <p:cNvPr id="3" name="TextBox 2"/>
+          <p:cNvSpPr txBox="1"/>
+          <p:nvPr/>
+        </p:nvSpPr>
+        <p:spPr>
+          <a:xfrm>
+            <a:off x="0" y="3867895"/>
+            <a:ext cx="9144000" cy="584775"/>
+          </a:xfrm>
+          <a:prstGeom prst="rect">
+            <a:avLst/>
+          </a:prstGeom>
+          <a:noFill/>
+        </p:spPr>
+        <p:txBody>
+          <a:bodyPr wrap="square" rtlCol="0">
+            <a:spAutoFit/>
+          </a:bodyPr>
+          <a:lstStyle/>
+          <a:p>
+            <a:pPr algn="ctr"/>
+            <a:r>
+              <a:rPr lang="en-US" sz="3200" b="1" dirty="0">
+                <a:solidFill>
+                  <a:srgbClr val="000066"/>
+                </a:solidFill>
+                <a:effectLst/>
+                <a:latin typeface="Microsoft JhengHei" panose="020B0604030504040204" pitchFamily="34" charset="-120"/>
+                <a:ea typeface="Microsoft JhengHei" panose="020B0604030504040204" pitchFamily="34" charset="-120"/>
+              </a:rPr>
+              <a:t>( </a:t>
+            </a:r>
+            <a:r>
+              <a:rPr lang="zh-CN" altLang="en-US" sz="3200" b="1" dirty="0" smtClean="0">
+                <a:solidFill>
+                  <a:srgbClr val="000066"/>
+                </a:solidFill>
+                <a:effectLst/>
+                <a:latin typeface="Microsoft JhengHei" panose="020B0604030504040204" pitchFamily="34" charset="-120"/>
+                <a:ea typeface="Microsoft JhengHei" panose="020B0604030504040204" pitchFamily="34" charset="-120"/>
+              </a:rPr>
+              <a:t>副</a:t>
+            </a:r>
+            <a:r>
+              <a:rPr lang="en-US" sz="3200" b="1" dirty="0" smtClean="0">
+                <a:solidFill>
+                  <a:srgbClr val="000066"/>
+                </a:solidFill>
+                <a:effectLst/>
+                <a:latin typeface="Microsoft JhengHei" panose="020B0604030504040204" pitchFamily="34" charset="-120"/>
+                <a:ea typeface="Microsoft JhengHei" panose="020B0604030504040204" pitchFamily="34" charset="-120"/>
+              </a:rPr>
+              <a:t> </a:t>
+            </a:r>
+            <a:r>
+              <a:rPr lang="en-US" sz="3200" b="1" dirty="0">
+                <a:solidFill>
+                  <a:srgbClr val="000066"/>
+                </a:solidFill>
+                <a:effectLst/>
+                <a:latin typeface="Microsoft JhengHei" panose="020B0604030504040204" pitchFamily="34" charset="-120"/>
+                <a:ea typeface="Microsoft JhengHei" panose="020B0604030504040204" pitchFamily="34" charset="-120"/>
+              </a:rPr>
+              <a:t>)</a:t>
+            </a:r>
+            <a:endParaRPr lang="vi-VN" sz="3200" b="1" dirty="0">
               <a:solidFill>
                 <a:srgbClr val="000066"/>
               </a:solidFill>
-              <a:latin typeface="微軟正黑體" pitchFamily="34" charset="-120"/>
-              <a:ea typeface="微軟正黑體" pitchFamily="34" charset="-120"/>
+              <a:effectLst/>
+              <a:latin typeface="Microsoft JhengHei" panose="020B0604030504040204" pitchFamily="34" charset="-120"/>
+              <a:ea typeface="Microsoft JhengHei" panose="020B0604030504040204" pitchFamily="34" charset="-120"/>
             </a:endParaRPr>
           </a:p>
         </p:txBody>
